--- a/Optimisez_un_site_web_existant.pptx
+++ b/Optimisez_un_site_web_existant.pptx
@@ -2,7 +2,7 @@
 <file path=ppt/presentation.xml><?xml version="1.0" encoding="utf-8"?>
 <p:presentation xmlns:a="http://schemas.openxmlformats.org/drawingml/2006/main" xmlns:r="http://schemas.openxmlformats.org/officeDocument/2006/relationships" xmlns:p="http://schemas.openxmlformats.org/presentationml/2006/main" saveSubsetFonts="1">
   <p:sldMasterIdLst>
-    <p:sldMasterId id="2147483648" r:id="rId1"/>
+    <p:sldMasterId id="2147483958" r:id="rId1"/>
   </p:sldMasterIdLst>
   <p:sldIdLst>
     <p:sldId id="256" r:id="rId2"/>
@@ -19,14 +19,16 @@
     <p:sldId id="267" r:id="rId13"/>
     <p:sldId id="268" r:id="rId14"/>
     <p:sldId id="269" r:id="rId15"/>
+    <p:sldId id="270" r:id="rId16"/>
+    <p:sldId id="271" r:id="rId17"/>
   </p:sldIdLst>
   <p:sldSz cx="12192000" cy="6858000"/>
   <p:notesSz cx="6858000" cy="9144000"/>
   <p:defaultTextStyle>
     <a:defPPr>
-      <a:defRPr lang="fr-FR"/>
+      <a:defRPr lang="en-US"/>
     </a:defPPr>
-    <a:lvl1pPr marL="0" algn="l" defTabSz="914400" rtl="0" eaLnBrk="1" latinLnBrk="0" hangingPunct="1">
+    <a:lvl1pPr marL="0" algn="l" defTabSz="457200" rtl="0" eaLnBrk="1" latinLnBrk="0" hangingPunct="1">
       <a:defRPr sz="1800" kern="1200">
         <a:solidFill>
           <a:schemeClr val="tx1"/>
@@ -36,7 +38,7 @@
         <a:cs typeface="+mn-cs"/>
       </a:defRPr>
     </a:lvl1pPr>
-    <a:lvl2pPr marL="457200" algn="l" defTabSz="914400" rtl="0" eaLnBrk="1" latinLnBrk="0" hangingPunct="1">
+    <a:lvl2pPr marL="457200" algn="l" defTabSz="457200" rtl="0" eaLnBrk="1" latinLnBrk="0" hangingPunct="1">
       <a:defRPr sz="1800" kern="1200">
         <a:solidFill>
           <a:schemeClr val="tx1"/>
@@ -46,7 +48,7 @@
         <a:cs typeface="+mn-cs"/>
       </a:defRPr>
     </a:lvl2pPr>
-    <a:lvl3pPr marL="914400" algn="l" defTabSz="914400" rtl="0" eaLnBrk="1" latinLnBrk="0" hangingPunct="1">
+    <a:lvl3pPr marL="914400" algn="l" defTabSz="457200" rtl="0" eaLnBrk="1" latinLnBrk="0" hangingPunct="1">
       <a:defRPr sz="1800" kern="1200">
         <a:solidFill>
           <a:schemeClr val="tx1"/>
@@ -56,7 +58,7 @@
         <a:cs typeface="+mn-cs"/>
       </a:defRPr>
     </a:lvl3pPr>
-    <a:lvl4pPr marL="1371600" algn="l" defTabSz="914400" rtl="0" eaLnBrk="1" latinLnBrk="0" hangingPunct="1">
+    <a:lvl4pPr marL="1371600" algn="l" defTabSz="457200" rtl="0" eaLnBrk="1" latinLnBrk="0" hangingPunct="1">
       <a:defRPr sz="1800" kern="1200">
         <a:solidFill>
           <a:schemeClr val="tx1"/>
@@ -66,7 +68,7 @@
         <a:cs typeface="+mn-cs"/>
       </a:defRPr>
     </a:lvl4pPr>
-    <a:lvl5pPr marL="1828800" algn="l" defTabSz="914400" rtl="0" eaLnBrk="1" latinLnBrk="0" hangingPunct="1">
+    <a:lvl5pPr marL="1828800" algn="l" defTabSz="457200" rtl="0" eaLnBrk="1" latinLnBrk="0" hangingPunct="1">
       <a:defRPr sz="1800" kern="1200">
         <a:solidFill>
           <a:schemeClr val="tx1"/>
@@ -76,7 +78,7 @@
         <a:cs typeface="+mn-cs"/>
       </a:defRPr>
     </a:lvl5pPr>
-    <a:lvl6pPr marL="2286000" algn="l" defTabSz="914400" rtl="0" eaLnBrk="1" latinLnBrk="0" hangingPunct="1">
+    <a:lvl6pPr marL="2286000" algn="l" defTabSz="457200" rtl="0" eaLnBrk="1" latinLnBrk="0" hangingPunct="1">
       <a:defRPr sz="1800" kern="1200">
         <a:solidFill>
           <a:schemeClr val="tx1"/>
@@ -86,7 +88,7 @@
         <a:cs typeface="+mn-cs"/>
       </a:defRPr>
     </a:lvl6pPr>
-    <a:lvl7pPr marL="2743200" algn="l" defTabSz="914400" rtl="0" eaLnBrk="1" latinLnBrk="0" hangingPunct="1">
+    <a:lvl7pPr marL="2743200" algn="l" defTabSz="457200" rtl="0" eaLnBrk="1" latinLnBrk="0" hangingPunct="1">
       <a:defRPr sz="1800" kern="1200">
         <a:solidFill>
           <a:schemeClr val="tx1"/>
@@ -96,7 +98,7 @@
         <a:cs typeface="+mn-cs"/>
       </a:defRPr>
     </a:lvl7pPr>
-    <a:lvl8pPr marL="3200400" algn="l" defTabSz="914400" rtl="0" eaLnBrk="1" latinLnBrk="0" hangingPunct="1">
+    <a:lvl8pPr marL="3200400" algn="l" defTabSz="457200" rtl="0" eaLnBrk="1" latinLnBrk="0" hangingPunct="1">
       <a:defRPr sz="1800" kern="1200">
         <a:solidFill>
           <a:schemeClr val="tx1"/>
@@ -106,7 +108,7 @@
         <a:cs typeface="+mn-cs"/>
       </a:defRPr>
     </a:lvl8pPr>
-    <a:lvl9pPr marL="3657600" algn="l" defTabSz="914400" rtl="0" eaLnBrk="1" latinLnBrk="0" hangingPunct="1">
+    <a:lvl9pPr marL="3657600" algn="l" defTabSz="457200" rtl="0" eaLnBrk="1" latinLnBrk="0" hangingPunct="1">
       <a:defRPr sz="1800" kern="1200">
         <a:solidFill>
           <a:schemeClr val="tx1"/>
@@ -117,11 +119,16 @@
       </a:defRPr>
     </a:lvl9pPr>
   </p:defaultTextStyle>
+  <p:extLst>
+    <p:ext uri="{EFAFB233-063F-42B5-8137-9DF3F51BA10A}">
+      <p15:sldGuideLst xmlns:p15="http://schemas.microsoft.com/office/powerpoint/2012/main"/>
+    </p:ext>
+  </p:extLst>
 </p:presentation>
 </file>
 
 <file path=ppt/slideLayouts/slideLayout1.xml><?xml version="1.0" encoding="utf-8"?>
-<p:sldLayout xmlns:a="http://schemas.openxmlformats.org/drawingml/2006/main" xmlns:r="http://schemas.openxmlformats.org/officeDocument/2006/relationships" xmlns:p="http://schemas.openxmlformats.org/presentationml/2006/main" type="title" preserve="1">
+<p:sldLayout xmlns:a="http://schemas.openxmlformats.org/drawingml/2006/main" xmlns:r="http://schemas.openxmlformats.org/officeDocument/2006/relationships" xmlns:p="http://schemas.openxmlformats.org/presentationml/2006/main" showMasterSp="0" type="title" preserve="1">
   <p:cSld name="Diapositive de titre">
     <p:spTree>
       <p:nvGrpSpPr>
@@ -137,15 +144,562 @@
           <a:chExt cx="0" cy="0"/>
         </a:xfrm>
       </p:grpSpPr>
-      <p:sp>
-        <p:nvSpPr>
-          <p:cNvPr id="2" name="Titre 1">
-            <a:extLst>
-              <a:ext uri="{FF2B5EF4-FFF2-40B4-BE49-F238E27FC236}">
-                <a16:creationId xmlns:a16="http://schemas.microsoft.com/office/drawing/2014/main" id="{A377FAFD-9C9E-48C2-A4DB-2F5D877E5449}"/>
-              </a:ext>
-            </a:extLst>
-          </p:cNvPr>
+      <p:grpSp>
+        <p:nvGrpSpPr>
+          <p:cNvPr id="16" name="Group 15"/>
+          <p:cNvGrpSpPr/>
+          <p:nvPr/>
+        </p:nvGrpSpPr>
+        <p:grpSpPr>
+          <a:xfrm>
+            <a:off x="0" y="-8467"/>
+            <a:ext cx="12192000" cy="6866467"/>
+            <a:chOff x="0" y="-8467"/>
+            <a:chExt cx="12192000" cy="6866467"/>
+          </a:xfrm>
+        </p:grpSpPr>
+        <p:sp>
+          <p:nvSpPr>
+            <p:cNvPr id="15" name="Freeform 14"/>
+            <p:cNvSpPr/>
+            <p:nvPr/>
+          </p:nvSpPr>
+          <p:spPr>
+            <a:xfrm>
+              <a:off x="0" y="-7862"/>
+              <a:ext cx="863600" cy="5698067"/>
+            </a:xfrm>
+            <a:custGeom>
+              <a:avLst/>
+              <a:gdLst/>
+              <a:ahLst/>
+              <a:cxnLst/>
+              <a:rect l="l" t="t" r="r" b="b"/>
+              <a:pathLst>
+                <a:path w="863600" h="5698067">
+                  <a:moveTo>
+                    <a:pt x="0" y="8467"/>
+                  </a:moveTo>
+                  <a:lnTo>
+                    <a:pt x="863600" y="0"/>
+                  </a:lnTo>
+                  <a:lnTo>
+                    <a:pt x="863600" y="16934"/>
+                  </a:lnTo>
+                  <a:lnTo>
+                    <a:pt x="0" y="5698067"/>
+                  </a:lnTo>
+                  <a:lnTo>
+                    <a:pt x="0" y="8467"/>
+                  </a:lnTo>
+                  <a:close/>
+                </a:path>
+              </a:pathLst>
+            </a:custGeom>
+            <a:solidFill>
+              <a:schemeClr val="accent1">
+                <a:alpha val="70000"/>
+              </a:schemeClr>
+            </a:solidFill>
+            <a:ln>
+              <a:noFill/>
+            </a:ln>
+            <a:effectLst/>
+          </p:spPr>
+          <p:style>
+            <a:lnRef idx="1">
+              <a:schemeClr val="accent1"/>
+            </a:lnRef>
+            <a:fillRef idx="3">
+              <a:schemeClr val="accent1"/>
+            </a:fillRef>
+            <a:effectRef idx="2">
+              <a:schemeClr val="accent1"/>
+            </a:effectRef>
+            <a:fontRef idx="minor">
+              <a:schemeClr val="lt1"/>
+            </a:fontRef>
+          </p:style>
+        </p:sp>
+        <p:cxnSp>
+          <p:nvCxnSpPr>
+            <p:cNvPr id="19" name="Straight Connector 18"/>
+            <p:cNvCxnSpPr/>
+            <p:nvPr/>
+          </p:nvCxnSpPr>
+          <p:spPr>
+            <a:xfrm>
+              <a:off x="9371012" y="0"/>
+              <a:ext cx="1219200" cy="6858000"/>
+            </a:xfrm>
+            <a:prstGeom prst="line">
+              <a:avLst/>
+            </a:prstGeom>
+            <a:ln w="9525">
+              <a:solidFill>
+                <a:schemeClr val="accent1">
+                  <a:alpha val="70000"/>
+                </a:schemeClr>
+              </a:solidFill>
+            </a:ln>
+          </p:spPr>
+          <p:style>
+            <a:lnRef idx="2">
+              <a:schemeClr val="accent1"/>
+            </a:lnRef>
+            <a:fillRef idx="0">
+              <a:schemeClr val="accent1"/>
+            </a:fillRef>
+            <a:effectRef idx="1">
+              <a:schemeClr val="accent1"/>
+            </a:effectRef>
+            <a:fontRef idx="minor">
+              <a:schemeClr val="tx1"/>
+            </a:fontRef>
+          </p:style>
+        </p:cxnSp>
+        <p:cxnSp>
+          <p:nvCxnSpPr>
+            <p:cNvPr id="20" name="Straight Connector 19"/>
+            <p:cNvCxnSpPr/>
+            <p:nvPr/>
+          </p:nvCxnSpPr>
+          <p:spPr>
+            <a:xfrm flipH="1">
+              <a:off x="7425267" y="3681413"/>
+              <a:ext cx="4763558" cy="3176587"/>
+            </a:xfrm>
+            <a:prstGeom prst="line">
+              <a:avLst/>
+            </a:prstGeom>
+            <a:ln w="9525">
+              <a:solidFill>
+                <a:schemeClr val="accent1">
+                  <a:alpha val="70000"/>
+                </a:schemeClr>
+              </a:solidFill>
+            </a:ln>
+          </p:spPr>
+          <p:style>
+            <a:lnRef idx="2">
+              <a:schemeClr val="accent1"/>
+            </a:lnRef>
+            <a:fillRef idx="0">
+              <a:schemeClr val="accent1"/>
+            </a:fillRef>
+            <a:effectRef idx="1">
+              <a:schemeClr val="accent1"/>
+            </a:effectRef>
+            <a:fontRef idx="minor">
+              <a:schemeClr val="tx1"/>
+            </a:fontRef>
+          </p:style>
+        </p:cxnSp>
+        <p:sp>
+          <p:nvSpPr>
+            <p:cNvPr id="21" name="Rectangle 23"/>
+            <p:cNvSpPr/>
+            <p:nvPr/>
+          </p:nvSpPr>
+          <p:spPr>
+            <a:xfrm>
+              <a:off x="9181476" y="-8467"/>
+              <a:ext cx="3007349" cy="6866467"/>
+            </a:xfrm>
+            <a:custGeom>
+              <a:avLst/>
+              <a:gdLst/>
+              <a:ahLst/>
+              <a:cxnLst/>
+              <a:rect l="l" t="t" r="r" b="b"/>
+              <a:pathLst>
+                <a:path w="3007349" h="6866467">
+                  <a:moveTo>
+                    <a:pt x="2045532" y="0"/>
+                  </a:moveTo>
+                  <a:lnTo>
+                    <a:pt x="3007349" y="0"/>
+                  </a:lnTo>
+                  <a:lnTo>
+                    <a:pt x="3007349" y="6866467"/>
+                  </a:lnTo>
+                  <a:lnTo>
+                    <a:pt x="0" y="6866467"/>
+                  </a:lnTo>
+                  <a:lnTo>
+                    <a:pt x="2045532" y="0"/>
+                  </a:lnTo>
+                  <a:close/>
+                </a:path>
+              </a:pathLst>
+            </a:custGeom>
+            <a:solidFill>
+              <a:schemeClr val="accent1">
+                <a:alpha val="36000"/>
+              </a:schemeClr>
+            </a:solidFill>
+            <a:ln>
+              <a:noFill/>
+            </a:ln>
+            <a:effectLst/>
+          </p:spPr>
+          <p:style>
+            <a:lnRef idx="1">
+              <a:schemeClr val="accent1"/>
+            </a:lnRef>
+            <a:fillRef idx="3">
+              <a:schemeClr val="accent1"/>
+            </a:fillRef>
+            <a:effectRef idx="2">
+              <a:schemeClr val="accent1"/>
+            </a:effectRef>
+            <a:fontRef idx="minor">
+              <a:schemeClr val="lt1"/>
+            </a:fontRef>
+          </p:style>
+        </p:sp>
+        <p:sp>
+          <p:nvSpPr>
+            <p:cNvPr id="22" name="Rectangle 25"/>
+            <p:cNvSpPr/>
+            <p:nvPr/>
+          </p:nvSpPr>
+          <p:spPr>
+            <a:xfrm>
+              <a:off x="9603442" y="-8467"/>
+              <a:ext cx="2588558" cy="6866467"/>
+            </a:xfrm>
+            <a:custGeom>
+              <a:avLst/>
+              <a:gdLst/>
+              <a:ahLst/>
+              <a:cxnLst/>
+              <a:rect l="l" t="t" r="r" b="b"/>
+              <a:pathLst>
+                <a:path w="2573311" h="6866467">
+                  <a:moveTo>
+                    <a:pt x="0" y="0"/>
+                  </a:moveTo>
+                  <a:lnTo>
+                    <a:pt x="2573311" y="0"/>
+                  </a:lnTo>
+                  <a:lnTo>
+                    <a:pt x="2573311" y="6866467"/>
+                  </a:lnTo>
+                  <a:lnTo>
+                    <a:pt x="1202336" y="6866467"/>
+                  </a:lnTo>
+                  <a:lnTo>
+                    <a:pt x="0" y="0"/>
+                  </a:lnTo>
+                  <a:close/>
+                </a:path>
+              </a:pathLst>
+            </a:custGeom>
+            <a:solidFill>
+              <a:schemeClr val="accent1">
+                <a:alpha val="20000"/>
+              </a:schemeClr>
+            </a:solidFill>
+            <a:ln>
+              <a:noFill/>
+            </a:ln>
+            <a:effectLst/>
+          </p:spPr>
+          <p:style>
+            <a:lnRef idx="1">
+              <a:schemeClr val="accent1"/>
+            </a:lnRef>
+            <a:fillRef idx="3">
+              <a:schemeClr val="accent1"/>
+            </a:fillRef>
+            <a:effectRef idx="2">
+              <a:schemeClr val="accent1"/>
+            </a:effectRef>
+            <a:fontRef idx="minor">
+              <a:schemeClr val="lt1"/>
+            </a:fontRef>
+          </p:style>
+        </p:sp>
+        <p:sp>
+          <p:nvSpPr>
+            <p:cNvPr id="23" name="Isosceles Triangle 22"/>
+            <p:cNvSpPr/>
+            <p:nvPr/>
+          </p:nvSpPr>
+          <p:spPr>
+            <a:xfrm>
+              <a:off x="8932333" y="3048000"/>
+              <a:ext cx="3259667" cy="3810000"/>
+            </a:xfrm>
+            <a:prstGeom prst="triangle">
+              <a:avLst>
+                <a:gd name="adj" fmla="val 100000"/>
+              </a:avLst>
+            </a:prstGeom>
+            <a:solidFill>
+              <a:schemeClr val="accent1">
+                <a:lumMod val="75000"/>
+                <a:alpha val="66000"/>
+              </a:schemeClr>
+            </a:solidFill>
+            <a:ln>
+              <a:noFill/>
+            </a:ln>
+            <a:effectLst/>
+          </p:spPr>
+          <p:style>
+            <a:lnRef idx="1">
+              <a:schemeClr val="accent1"/>
+            </a:lnRef>
+            <a:fillRef idx="3">
+              <a:schemeClr val="accent1"/>
+            </a:fillRef>
+            <a:effectRef idx="2">
+              <a:schemeClr val="accent1"/>
+            </a:effectRef>
+            <a:fontRef idx="minor">
+              <a:schemeClr val="lt1"/>
+            </a:fontRef>
+          </p:style>
+        </p:sp>
+        <p:sp>
+          <p:nvSpPr>
+            <p:cNvPr id="24" name="Rectangle 27"/>
+            <p:cNvSpPr/>
+            <p:nvPr/>
+          </p:nvSpPr>
+          <p:spPr>
+            <a:xfrm>
+              <a:off x="9334500" y="-8467"/>
+              <a:ext cx="2854326" cy="6866467"/>
+            </a:xfrm>
+            <a:custGeom>
+              <a:avLst/>
+              <a:gdLst/>
+              <a:ahLst/>
+              <a:cxnLst/>
+              <a:rect l="l" t="t" r="r" b="b"/>
+              <a:pathLst>
+                <a:path w="2858013" h="6866467">
+                  <a:moveTo>
+                    <a:pt x="0" y="0"/>
+                  </a:moveTo>
+                  <a:lnTo>
+                    <a:pt x="2858013" y="0"/>
+                  </a:lnTo>
+                  <a:lnTo>
+                    <a:pt x="2858013" y="6866467"/>
+                  </a:lnTo>
+                  <a:lnTo>
+                    <a:pt x="2473942" y="6866467"/>
+                  </a:lnTo>
+                  <a:lnTo>
+                    <a:pt x="0" y="0"/>
+                  </a:lnTo>
+                  <a:close/>
+                </a:path>
+              </a:pathLst>
+            </a:custGeom>
+            <a:solidFill>
+              <a:schemeClr val="accent1">
+                <a:lumMod val="75000"/>
+                <a:alpha val="50000"/>
+              </a:schemeClr>
+            </a:solidFill>
+            <a:ln>
+              <a:noFill/>
+            </a:ln>
+            <a:effectLst/>
+          </p:spPr>
+          <p:style>
+            <a:lnRef idx="1">
+              <a:schemeClr val="accent1"/>
+            </a:lnRef>
+            <a:fillRef idx="3">
+              <a:schemeClr val="accent1"/>
+            </a:fillRef>
+            <a:effectRef idx="2">
+              <a:schemeClr val="accent1"/>
+            </a:effectRef>
+            <a:fontRef idx="minor">
+              <a:schemeClr val="lt1"/>
+            </a:fontRef>
+          </p:style>
+        </p:sp>
+        <p:sp>
+          <p:nvSpPr>
+            <p:cNvPr id="25" name="Rectangle 28"/>
+            <p:cNvSpPr/>
+            <p:nvPr/>
+          </p:nvSpPr>
+          <p:spPr>
+            <a:xfrm>
+              <a:off x="10898730" y="-8467"/>
+              <a:ext cx="1290094" cy="6866467"/>
+            </a:xfrm>
+            <a:custGeom>
+              <a:avLst/>
+              <a:gdLst/>
+              <a:ahLst/>
+              <a:cxnLst/>
+              <a:rect l="l" t="t" r="r" b="b"/>
+              <a:pathLst>
+                <a:path w="1290094" h="6858000">
+                  <a:moveTo>
+                    <a:pt x="1019735" y="0"/>
+                  </a:moveTo>
+                  <a:lnTo>
+                    <a:pt x="1290094" y="0"/>
+                  </a:lnTo>
+                  <a:lnTo>
+                    <a:pt x="1290094" y="6858000"/>
+                  </a:lnTo>
+                  <a:lnTo>
+                    <a:pt x="0" y="6858000"/>
+                  </a:lnTo>
+                  <a:lnTo>
+                    <a:pt x="1019735" y="0"/>
+                  </a:lnTo>
+                  <a:close/>
+                </a:path>
+              </a:pathLst>
+            </a:custGeom>
+            <a:solidFill>
+              <a:schemeClr val="accent2">
+                <a:alpha val="70000"/>
+              </a:schemeClr>
+            </a:solidFill>
+            <a:ln>
+              <a:noFill/>
+            </a:ln>
+            <a:effectLst/>
+          </p:spPr>
+          <p:style>
+            <a:lnRef idx="1">
+              <a:schemeClr val="accent1"/>
+            </a:lnRef>
+            <a:fillRef idx="3">
+              <a:schemeClr val="accent1"/>
+            </a:fillRef>
+            <a:effectRef idx="2">
+              <a:schemeClr val="accent1"/>
+            </a:effectRef>
+            <a:fontRef idx="minor">
+              <a:schemeClr val="lt1"/>
+            </a:fontRef>
+          </p:style>
+        </p:sp>
+        <p:sp>
+          <p:nvSpPr>
+            <p:cNvPr id="26" name="Rectangle 29"/>
+            <p:cNvSpPr/>
+            <p:nvPr/>
+          </p:nvSpPr>
+          <p:spPr>
+            <a:xfrm>
+              <a:off x="10938999" y="-8467"/>
+              <a:ext cx="1249825" cy="6866467"/>
+            </a:xfrm>
+            <a:custGeom>
+              <a:avLst/>
+              <a:gdLst/>
+              <a:ahLst/>
+              <a:cxnLst/>
+              <a:rect l="l" t="t" r="r" b="b"/>
+              <a:pathLst>
+                <a:path w="1249825" h="6858000">
+                  <a:moveTo>
+                    <a:pt x="0" y="0"/>
+                  </a:moveTo>
+                  <a:lnTo>
+                    <a:pt x="1249825" y="0"/>
+                  </a:lnTo>
+                  <a:lnTo>
+                    <a:pt x="1249825" y="6858000"/>
+                  </a:lnTo>
+                  <a:lnTo>
+                    <a:pt x="1109382" y="6858000"/>
+                  </a:lnTo>
+                  <a:lnTo>
+                    <a:pt x="0" y="0"/>
+                  </a:lnTo>
+                  <a:close/>
+                </a:path>
+              </a:pathLst>
+            </a:custGeom>
+            <a:solidFill>
+              <a:schemeClr val="accent2">
+                <a:lumMod val="75000"/>
+                <a:alpha val="80000"/>
+              </a:schemeClr>
+            </a:solidFill>
+            <a:ln>
+              <a:noFill/>
+            </a:ln>
+            <a:effectLst/>
+          </p:spPr>
+          <p:style>
+            <a:lnRef idx="1">
+              <a:schemeClr val="accent1"/>
+            </a:lnRef>
+            <a:fillRef idx="3">
+              <a:schemeClr val="accent1"/>
+            </a:fillRef>
+            <a:effectRef idx="2">
+              <a:schemeClr val="accent1"/>
+            </a:effectRef>
+            <a:fontRef idx="minor">
+              <a:schemeClr val="lt1"/>
+            </a:fontRef>
+          </p:style>
+        </p:sp>
+        <p:sp>
+          <p:nvSpPr>
+            <p:cNvPr id="27" name="Isosceles Triangle 26"/>
+            <p:cNvSpPr/>
+            <p:nvPr/>
+          </p:nvSpPr>
+          <p:spPr>
+            <a:xfrm>
+              <a:off x="10371666" y="3589867"/>
+              <a:ext cx="1817159" cy="3268133"/>
+            </a:xfrm>
+            <a:prstGeom prst="triangle">
+              <a:avLst>
+                <a:gd name="adj" fmla="val 100000"/>
+              </a:avLst>
+            </a:prstGeom>
+            <a:solidFill>
+              <a:schemeClr val="accent1">
+                <a:lumMod val="75000"/>
+                <a:alpha val="66000"/>
+              </a:schemeClr>
+            </a:solidFill>
+            <a:ln>
+              <a:noFill/>
+            </a:ln>
+            <a:effectLst/>
+          </p:spPr>
+          <p:style>
+            <a:lnRef idx="1">
+              <a:schemeClr val="accent1"/>
+            </a:lnRef>
+            <a:fillRef idx="3">
+              <a:schemeClr val="accent1"/>
+            </a:fillRef>
+            <a:effectRef idx="2">
+              <a:schemeClr val="accent1"/>
+            </a:effectRef>
+            <a:fontRef idx="minor">
+              <a:schemeClr val="lt1"/>
+            </a:fontRef>
+          </p:style>
+        </p:sp>
+      </p:grpSp>
+      <p:sp>
+        <p:nvSpPr>
+          <p:cNvPr id="2" name="Title 1"/>
           <p:cNvSpPr>
             <a:spLocks noGrp="1"/>
           </p:cNvSpPr>
@@ -155,15 +709,21 @@
         </p:nvSpPr>
         <p:spPr>
           <a:xfrm>
-            <a:off x="1524000" y="1122363"/>
-            <a:ext cx="9144000" cy="2387600"/>
-          </a:xfrm>
-        </p:spPr>
-        <p:txBody>
-          <a:bodyPr anchor="b"/>
+            <a:off x="1507067" y="2404534"/>
+            <a:ext cx="7766936" cy="1646302"/>
+          </a:xfrm>
+        </p:spPr>
+        <p:txBody>
+          <a:bodyPr anchor="b">
+            <a:noAutofit/>
+          </a:bodyPr>
           <a:lstStyle>
-            <a:lvl1pPr algn="ctr">
-              <a:defRPr sz="6000"/>
+            <a:lvl1pPr algn="r">
+              <a:defRPr sz="5400">
+                <a:solidFill>
+                  <a:schemeClr val="accent1"/>
+                </a:solidFill>
+              </a:defRPr>
             </a:lvl1pPr>
           </a:lstStyle>
           <a:p>
@@ -171,18 +731,13 @@
               <a:rPr lang="fr-FR"/>
               <a:t>Modifiez le style du titre</a:t>
             </a:r>
-          </a:p>
-        </p:txBody>
-      </p:sp>
-      <p:sp>
-        <p:nvSpPr>
-          <p:cNvPr id="3" name="Sous-titre 2">
-            <a:extLst>
-              <a:ext uri="{FF2B5EF4-FFF2-40B4-BE49-F238E27FC236}">
-                <a16:creationId xmlns:a16="http://schemas.microsoft.com/office/drawing/2014/main" id="{F35D0F0A-5AA0-4DCB-8288-8C068EC7AFD7}"/>
-              </a:ext>
-            </a:extLst>
-          </p:cNvPr>
+            <a:endParaRPr lang="en-US" dirty="0"/>
+          </a:p>
+        </p:txBody>
+      </p:sp>
+      <p:sp>
+        <p:nvSpPr>
+          <p:cNvPr id="3" name="Subtitle 2"/>
           <p:cNvSpPr>
             <a:spLocks noGrp="1"/>
           </p:cNvSpPr>
@@ -192,48 +747,103 @@
         </p:nvSpPr>
         <p:spPr>
           <a:xfrm>
-            <a:off x="1524000" y="3602038"/>
-            <a:ext cx="9144000" cy="1655762"/>
-          </a:xfrm>
-        </p:spPr>
-        <p:txBody>
-          <a:bodyPr/>
+            <a:off x="1507067" y="4050833"/>
+            <a:ext cx="7766936" cy="1096899"/>
+          </a:xfrm>
+        </p:spPr>
+        <p:txBody>
+          <a:bodyPr anchor="t"/>
           <a:lstStyle>
-            <a:lvl1pPr marL="0" indent="0" algn="ctr">
-              <a:buNone/>
-              <a:defRPr sz="2400"/>
+            <a:lvl1pPr marL="0" indent="0" algn="r">
+              <a:buNone/>
+              <a:defRPr>
+                <a:solidFill>
+                  <a:schemeClr val="tx1">
+                    <a:lumMod val="50000"/>
+                    <a:lumOff val="50000"/>
+                  </a:schemeClr>
+                </a:solidFill>
+              </a:defRPr>
             </a:lvl1pPr>
             <a:lvl2pPr marL="457200" indent="0" algn="ctr">
               <a:buNone/>
-              <a:defRPr sz="2000"/>
+              <a:defRPr>
+                <a:solidFill>
+                  <a:schemeClr val="tx1">
+                    <a:tint val="75000"/>
+                  </a:schemeClr>
+                </a:solidFill>
+              </a:defRPr>
             </a:lvl2pPr>
             <a:lvl3pPr marL="914400" indent="0" algn="ctr">
               <a:buNone/>
-              <a:defRPr sz="1800"/>
+              <a:defRPr>
+                <a:solidFill>
+                  <a:schemeClr val="tx1">
+                    <a:tint val="75000"/>
+                  </a:schemeClr>
+                </a:solidFill>
+              </a:defRPr>
             </a:lvl3pPr>
             <a:lvl4pPr marL="1371600" indent="0" algn="ctr">
               <a:buNone/>
-              <a:defRPr sz="1600"/>
+              <a:defRPr>
+                <a:solidFill>
+                  <a:schemeClr val="tx1">
+                    <a:tint val="75000"/>
+                  </a:schemeClr>
+                </a:solidFill>
+              </a:defRPr>
             </a:lvl4pPr>
             <a:lvl5pPr marL="1828800" indent="0" algn="ctr">
               <a:buNone/>
-              <a:defRPr sz="1600"/>
+              <a:defRPr>
+                <a:solidFill>
+                  <a:schemeClr val="tx1">
+                    <a:tint val="75000"/>
+                  </a:schemeClr>
+                </a:solidFill>
+              </a:defRPr>
             </a:lvl5pPr>
             <a:lvl6pPr marL="2286000" indent="0" algn="ctr">
               <a:buNone/>
-              <a:defRPr sz="1600"/>
+              <a:defRPr>
+                <a:solidFill>
+                  <a:schemeClr val="tx1">
+                    <a:tint val="75000"/>
+                  </a:schemeClr>
+                </a:solidFill>
+              </a:defRPr>
             </a:lvl6pPr>
             <a:lvl7pPr marL="2743200" indent="0" algn="ctr">
               <a:buNone/>
-              <a:defRPr sz="1600"/>
+              <a:defRPr>
+                <a:solidFill>
+                  <a:schemeClr val="tx1">
+                    <a:tint val="75000"/>
+                  </a:schemeClr>
+                </a:solidFill>
+              </a:defRPr>
             </a:lvl7pPr>
             <a:lvl8pPr marL="3200400" indent="0" algn="ctr">
               <a:buNone/>
-              <a:defRPr sz="1600"/>
+              <a:defRPr>
+                <a:solidFill>
+                  <a:schemeClr val="tx1">
+                    <a:tint val="75000"/>
+                  </a:schemeClr>
+                </a:solidFill>
+              </a:defRPr>
             </a:lvl8pPr>
             <a:lvl9pPr marL="3657600" indent="0" algn="ctr">
               <a:buNone/>
-              <a:defRPr sz="1600"/>
+              <a:defRPr>
+                <a:solidFill>
+                  <a:schemeClr val="tx1">
+                    <a:tint val="75000"/>
+                  </a:schemeClr>
+                </a:solidFill>
+              </a:defRPr>
             </a:lvl9pPr>
           </a:lstStyle>
           <a:p>
@@ -241,18 +851,13 @@
               <a:rPr lang="fr-FR"/>
               <a:t>Modifiez le style des sous-titres du masque</a:t>
             </a:r>
-          </a:p>
-        </p:txBody>
-      </p:sp>
-      <p:sp>
-        <p:nvSpPr>
-          <p:cNvPr id="4" name="Espace réservé de la date 3">
-            <a:extLst>
-              <a:ext uri="{FF2B5EF4-FFF2-40B4-BE49-F238E27FC236}">
-                <a16:creationId xmlns:a16="http://schemas.microsoft.com/office/drawing/2014/main" id="{4D19E055-D497-4FCB-806A-F99D323411B8}"/>
-              </a:ext>
-            </a:extLst>
-          </p:cNvPr>
+            <a:endParaRPr lang="en-US" dirty="0"/>
+          </a:p>
+        </p:txBody>
+      </p:sp>
+      <p:sp>
+        <p:nvSpPr>
+          <p:cNvPr id="4" name="Date Placeholder 3"/>
           <p:cNvSpPr>
             <a:spLocks noGrp="1"/>
           </p:cNvSpPr>
@@ -267,7 +872,7 @@
           <a:p>
             <a:fld id="{250AD534-3EBC-48D0-921E-0A4167B28C6B}" type="datetimeFigureOut">
               <a:rPr lang="fr-FR" smtClean="0"/>
-              <a:t>17/12/2020</a:t>
+              <a:t>18/12/2020</a:t>
             </a:fld>
             <a:endParaRPr lang="fr-FR"/>
           </a:p>
@@ -275,13 +880,7 @@
       </p:sp>
       <p:sp>
         <p:nvSpPr>
-          <p:cNvPr id="5" name="Espace réservé du pied de page 4">
-            <a:extLst>
-              <a:ext uri="{FF2B5EF4-FFF2-40B4-BE49-F238E27FC236}">
-                <a16:creationId xmlns:a16="http://schemas.microsoft.com/office/drawing/2014/main" id="{736A3E0B-757A-49DF-A92E-10DE74428306}"/>
-              </a:ext>
-            </a:extLst>
-          </p:cNvPr>
+          <p:cNvPr id="5" name="Footer Placeholder 4"/>
           <p:cNvSpPr>
             <a:spLocks noGrp="1"/>
           </p:cNvSpPr>
@@ -300,13 +899,7 @@
       </p:sp>
       <p:sp>
         <p:nvSpPr>
-          <p:cNvPr id="6" name="Espace réservé du numéro de diapositive 5">
-            <a:extLst>
-              <a:ext uri="{FF2B5EF4-FFF2-40B4-BE49-F238E27FC236}">
-                <a16:creationId xmlns:a16="http://schemas.microsoft.com/office/drawing/2014/main" id="{62351E7E-D33B-4382-AFA5-1298DC14F837}"/>
-              </a:ext>
-            </a:extLst>
-          </p:cNvPr>
+          <p:cNvPr id="6" name="Slide Number Placeholder 5"/>
           <p:cNvSpPr>
             <a:spLocks noGrp="1"/>
           </p:cNvSpPr>
@@ -330,7 +923,261 @@
     </p:spTree>
     <p:extLst>
       <p:ext uri="{BB962C8B-B14F-4D97-AF65-F5344CB8AC3E}">
-        <p14:creationId xmlns:p14="http://schemas.microsoft.com/office/powerpoint/2010/main" val="648712251"/>
+        <p14:creationId xmlns:p14="http://schemas.microsoft.com/office/powerpoint/2010/main" val="3649394787"/>
+      </p:ext>
+    </p:extLst>
+  </p:cSld>
+  <p:clrMapOvr>
+    <a:masterClrMapping/>
+  </p:clrMapOvr>
+  <p:transition spd="slow">
+    <p:push dir="u"/>
+  </p:transition>
+</p:sldLayout>
+</file>
+
+<file path=ppt/slideLayouts/slideLayout10.xml><?xml version="1.0" encoding="utf-8"?>
+<p:sldLayout xmlns:a="http://schemas.openxmlformats.org/drawingml/2006/main" xmlns:r="http://schemas.openxmlformats.org/officeDocument/2006/relationships" xmlns:p="http://schemas.openxmlformats.org/presentationml/2006/main" preserve="1">
+  <p:cSld name="Titre et légende">
+    <p:spTree>
+      <p:nvGrpSpPr>
+        <p:cNvPr id="1" name=""/>
+        <p:cNvGrpSpPr/>
+        <p:nvPr/>
+      </p:nvGrpSpPr>
+      <p:grpSpPr>
+        <a:xfrm>
+          <a:off x="0" y="0"/>
+          <a:ext cx="0" cy="0"/>
+          <a:chOff x="0" y="0"/>
+          <a:chExt cx="0" cy="0"/>
+        </a:xfrm>
+      </p:grpSpPr>
+      <p:sp>
+        <p:nvSpPr>
+          <p:cNvPr id="2" name="Title 1"/>
+          <p:cNvSpPr>
+            <a:spLocks noGrp="1"/>
+          </p:cNvSpPr>
+          <p:nvPr>
+            <p:ph type="title"/>
+          </p:nvPr>
+        </p:nvSpPr>
+        <p:spPr>
+          <a:xfrm>
+            <a:off x="677335" y="609600"/>
+            <a:ext cx="8596668" cy="3403600"/>
+          </a:xfrm>
+        </p:spPr>
+        <p:txBody>
+          <a:bodyPr anchor="ctr">
+            <a:normAutofit/>
+          </a:bodyPr>
+          <a:lstStyle>
+            <a:lvl1pPr algn="l">
+              <a:defRPr sz="4400" b="0" cap="none"/>
+            </a:lvl1pPr>
+          </a:lstStyle>
+          <a:p>
+            <a:r>
+              <a:rPr lang="fr-FR"/>
+              <a:t>Modifiez le style du titre</a:t>
+            </a:r>
+            <a:endParaRPr lang="en-US" dirty="0"/>
+          </a:p>
+        </p:txBody>
+      </p:sp>
+      <p:sp>
+        <p:nvSpPr>
+          <p:cNvPr id="3" name="Text Placeholder 2"/>
+          <p:cNvSpPr>
+            <a:spLocks noGrp="1"/>
+          </p:cNvSpPr>
+          <p:nvPr>
+            <p:ph type="body" idx="1"/>
+          </p:nvPr>
+        </p:nvSpPr>
+        <p:spPr>
+          <a:xfrm>
+            <a:off x="677335" y="4470400"/>
+            <a:ext cx="8596668" cy="1570962"/>
+          </a:xfrm>
+        </p:spPr>
+        <p:txBody>
+          <a:bodyPr anchor="ctr">
+            <a:normAutofit/>
+          </a:bodyPr>
+          <a:lstStyle>
+            <a:lvl1pPr marL="0" indent="0" algn="l">
+              <a:buNone/>
+              <a:defRPr sz="1800">
+                <a:solidFill>
+                  <a:schemeClr val="tx1">
+                    <a:lumMod val="75000"/>
+                    <a:lumOff val="25000"/>
+                  </a:schemeClr>
+                </a:solidFill>
+              </a:defRPr>
+            </a:lvl1pPr>
+            <a:lvl2pPr marL="457200" indent="0">
+              <a:buNone/>
+              <a:defRPr sz="1800">
+                <a:solidFill>
+                  <a:schemeClr val="tx1">
+                    <a:tint val="75000"/>
+                  </a:schemeClr>
+                </a:solidFill>
+              </a:defRPr>
+            </a:lvl2pPr>
+            <a:lvl3pPr marL="914400" indent="0">
+              <a:buNone/>
+              <a:defRPr sz="1600">
+                <a:solidFill>
+                  <a:schemeClr val="tx1">
+                    <a:tint val="75000"/>
+                  </a:schemeClr>
+                </a:solidFill>
+              </a:defRPr>
+            </a:lvl3pPr>
+            <a:lvl4pPr marL="1371600" indent="0">
+              <a:buNone/>
+              <a:defRPr sz="1400">
+                <a:solidFill>
+                  <a:schemeClr val="tx1">
+                    <a:tint val="75000"/>
+                  </a:schemeClr>
+                </a:solidFill>
+              </a:defRPr>
+            </a:lvl4pPr>
+            <a:lvl5pPr marL="1828800" indent="0">
+              <a:buNone/>
+              <a:defRPr sz="1400">
+                <a:solidFill>
+                  <a:schemeClr val="tx1">
+                    <a:tint val="75000"/>
+                  </a:schemeClr>
+                </a:solidFill>
+              </a:defRPr>
+            </a:lvl5pPr>
+            <a:lvl6pPr marL="2286000" indent="0">
+              <a:buNone/>
+              <a:defRPr sz="1400">
+                <a:solidFill>
+                  <a:schemeClr val="tx1">
+                    <a:tint val="75000"/>
+                  </a:schemeClr>
+                </a:solidFill>
+              </a:defRPr>
+            </a:lvl6pPr>
+            <a:lvl7pPr marL="2743200" indent="0">
+              <a:buNone/>
+              <a:defRPr sz="1400">
+                <a:solidFill>
+                  <a:schemeClr val="tx1">
+                    <a:tint val="75000"/>
+                  </a:schemeClr>
+                </a:solidFill>
+              </a:defRPr>
+            </a:lvl7pPr>
+            <a:lvl8pPr marL="3200400" indent="0">
+              <a:buNone/>
+              <a:defRPr sz="1400">
+                <a:solidFill>
+                  <a:schemeClr val="tx1">
+                    <a:tint val="75000"/>
+                  </a:schemeClr>
+                </a:solidFill>
+              </a:defRPr>
+            </a:lvl8pPr>
+            <a:lvl9pPr marL="3657600" indent="0">
+              <a:buNone/>
+              <a:defRPr sz="1400">
+                <a:solidFill>
+                  <a:schemeClr val="tx1">
+                    <a:tint val="75000"/>
+                  </a:schemeClr>
+                </a:solidFill>
+              </a:defRPr>
+            </a:lvl9pPr>
+          </a:lstStyle>
+          <a:p>
+            <a:pPr lvl="0"/>
+            <a:r>
+              <a:rPr lang="fr-FR"/>
+              <a:t>Cliquez pour modifier les styles du texte du masque</a:t>
+            </a:r>
+          </a:p>
+        </p:txBody>
+      </p:sp>
+      <p:sp>
+        <p:nvSpPr>
+          <p:cNvPr id="4" name="Date Placeholder 3"/>
+          <p:cNvSpPr>
+            <a:spLocks noGrp="1"/>
+          </p:cNvSpPr>
+          <p:nvPr>
+            <p:ph type="dt" sz="half" idx="10"/>
+          </p:nvPr>
+        </p:nvSpPr>
+        <p:spPr/>
+        <p:txBody>
+          <a:bodyPr/>
+          <a:lstStyle/>
+          <a:p>
+            <a:fld id="{250AD534-3EBC-48D0-921E-0A4167B28C6B}" type="datetimeFigureOut">
+              <a:rPr lang="fr-FR" smtClean="0"/>
+              <a:t>18/12/2020</a:t>
+            </a:fld>
+            <a:endParaRPr lang="fr-FR"/>
+          </a:p>
+        </p:txBody>
+      </p:sp>
+      <p:sp>
+        <p:nvSpPr>
+          <p:cNvPr id="5" name="Footer Placeholder 4"/>
+          <p:cNvSpPr>
+            <a:spLocks noGrp="1"/>
+          </p:cNvSpPr>
+          <p:nvPr>
+            <p:ph type="ftr" sz="quarter" idx="11"/>
+          </p:nvPr>
+        </p:nvSpPr>
+        <p:spPr/>
+        <p:txBody>
+          <a:bodyPr/>
+          <a:lstStyle/>
+          <a:p>
+            <a:endParaRPr lang="fr-FR"/>
+          </a:p>
+        </p:txBody>
+      </p:sp>
+      <p:sp>
+        <p:nvSpPr>
+          <p:cNvPr id="6" name="Slide Number Placeholder 5"/>
+          <p:cNvSpPr>
+            <a:spLocks noGrp="1"/>
+          </p:cNvSpPr>
+          <p:nvPr>
+            <p:ph type="sldNum" sz="quarter" idx="12"/>
+          </p:nvPr>
+        </p:nvSpPr>
+        <p:spPr/>
+        <p:txBody>
+          <a:bodyPr/>
+          <a:lstStyle/>
+          <a:p>
+            <a:fld id="{8B20D530-8CCB-44E4-A5B8-71E68F5A63D1}" type="slidenum">
+              <a:rPr lang="fr-FR" smtClean="0"/>
+              <a:t>‹N°›</a:t>
+            </a:fld>
+            <a:endParaRPr lang="fr-FR"/>
+          </a:p>
+        </p:txBody>
+      </p:sp>
+    </p:spTree>
+    <p:extLst>
+      <p:ext uri="{BB962C8B-B14F-4D97-AF65-F5344CB8AC3E}">
+        <p14:creationId xmlns:p14="http://schemas.microsoft.com/office/powerpoint/2010/main" val="3693172710"/>
       </p:ext>
     </p:extLst>
   </p:cSld>
@@ -340,7 +1187,1361 @@
 </p:sldLayout>
 </file>
 
-<file path=ppt/slideLayouts/slideLayout10.xml><?xml version="1.0" encoding="utf-8"?>
+<file path=ppt/slideLayouts/slideLayout11.xml><?xml version="1.0" encoding="utf-8"?>
+<p:sldLayout xmlns:a="http://schemas.openxmlformats.org/drawingml/2006/main" xmlns:r="http://schemas.openxmlformats.org/officeDocument/2006/relationships" xmlns:p="http://schemas.openxmlformats.org/presentationml/2006/main" preserve="1">
+  <p:cSld name="Citation avec légende">
+    <p:spTree>
+      <p:nvGrpSpPr>
+        <p:cNvPr id="1" name=""/>
+        <p:cNvGrpSpPr/>
+        <p:nvPr/>
+      </p:nvGrpSpPr>
+      <p:grpSpPr>
+        <a:xfrm>
+          <a:off x="0" y="0"/>
+          <a:ext cx="0" cy="0"/>
+          <a:chOff x="0" y="0"/>
+          <a:chExt cx="0" cy="0"/>
+        </a:xfrm>
+      </p:grpSpPr>
+      <p:sp>
+        <p:nvSpPr>
+          <p:cNvPr id="2" name="Title 1"/>
+          <p:cNvSpPr>
+            <a:spLocks noGrp="1"/>
+          </p:cNvSpPr>
+          <p:nvPr>
+            <p:ph type="title"/>
+          </p:nvPr>
+        </p:nvSpPr>
+        <p:spPr>
+          <a:xfrm>
+            <a:off x="931334" y="609600"/>
+            <a:ext cx="8094134" cy="3022600"/>
+          </a:xfrm>
+        </p:spPr>
+        <p:txBody>
+          <a:bodyPr anchor="ctr">
+            <a:normAutofit/>
+          </a:bodyPr>
+          <a:lstStyle>
+            <a:lvl1pPr algn="l">
+              <a:defRPr sz="4400" b="0" cap="none"/>
+            </a:lvl1pPr>
+          </a:lstStyle>
+          <a:p>
+            <a:r>
+              <a:rPr lang="fr-FR"/>
+              <a:t>Modifiez le style du titre</a:t>
+            </a:r>
+            <a:endParaRPr lang="en-US" dirty="0"/>
+          </a:p>
+        </p:txBody>
+      </p:sp>
+      <p:sp>
+        <p:nvSpPr>
+          <p:cNvPr id="23" name="Text Placeholder 9"/>
+          <p:cNvSpPr>
+            <a:spLocks noGrp="1"/>
+          </p:cNvSpPr>
+          <p:nvPr>
+            <p:ph type="body" sz="quarter" idx="13"/>
+          </p:nvPr>
+        </p:nvSpPr>
+        <p:spPr>
+          <a:xfrm>
+            <a:off x="1366139" y="3632200"/>
+            <a:ext cx="7224524" cy="381000"/>
+          </a:xfrm>
+        </p:spPr>
+        <p:txBody>
+          <a:bodyPr anchor="ctr">
+            <a:noAutofit/>
+          </a:bodyPr>
+          <a:lstStyle>
+            <a:lvl1pPr marL="0" indent="0">
+              <a:buFontTx/>
+              <a:buNone/>
+              <a:defRPr sz="1600">
+                <a:solidFill>
+                  <a:schemeClr val="tx1">
+                    <a:lumMod val="50000"/>
+                    <a:lumOff val="50000"/>
+                  </a:schemeClr>
+                </a:solidFill>
+              </a:defRPr>
+            </a:lvl1pPr>
+            <a:lvl2pPr marL="457200" indent="0">
+              <a:buFontTx/>
+              <a:buNone/>
+              <a:defRPr/>
+            </a:lvl2pPr>
+            <a:lvl3pPr marL="914400" indent="0">
+              <a:buFontTx/>
+              <a:buNone/>
+              <a:defRPr/>
+            </a:lvl3pPr>
+            <a:lvl4pPr marL="1371600" indent="0">
+              <a:buFontTx/>
+              <a:buNone/>
+              <a:defRPr/>
+            </a:lvl4pPr>
+            <a:lvl5pPr marL="1828800" indent="0">
+              <a:buFontTx/>
+              <a:buNone/>
+              <a:defRPr/>
+            </a:lvl5pPr>
+          </a:lstStyle>
+          <a:p>
+            <a:pPr lvl="0"/>
+            <a:r>
+              <a:rPr lang="fr-FR"/>
+              <a:t>Cliquez pour modifier les styles du texte du masque</a:t>
+            </a:r>
+          </a:p>
+        </p:txBody>
+      </p:sp>
+      <p:sp>
+        <p:nvSpPr>
+          <p:cNvPr id="3" name="Text Placeholder 2"/>
+          <p:cNvSpPr>
+            <a:spLocks noGrp="1"/>
+          </p:cNvSpPr>
+          <p:nvPr>
+            <p:ph type="body" idx="1"/>
+          </p:nvPr>
+        </p:nvSpPr>
+        <p:spPr>
+          <a:xfrm>
+            <a:off x="677335" y="4470400"/>
+            <a:ext cx="8596668" cy="1570962"/>
+          </a:xfrm>
+        </p:spPr>
+        <p:txBody>
+          <a:bodyPr anchor="ctr">
+            <a:normAutofit/>
+          </a:bodyPr>
+          <a:lstStyle>
+            <a:lvl1pPr marL="0" indent="0" algn="l">
+              <a:buNone/>
+              <a:defRPr sz="1800">
+                <a:solidFill>
+                  <a:schemeClr val="tx1">
+                    <a:lumMod val="75000"/>
+                    <a:lumOff val="25000"/>
+                  </a:schemeClr>
+                </a:solidFill>
+              </a:defRPr>
+            </a:lvl1pPr>
+            <a:lvl2pPr marL="457200" indent="0">
+              <a:buNone/>
+              <a:defRPr sz="1800">
+                <a:solidFill>
+                  <a:schemeClr val="tx1">
+                    <a:tint val="75000"/>
+                  </a:schemeClr>
+                </a:solidFill>
+              </a:defRPr>
+            </a:lvl2pPr>
+            <a:lvl3pPr marL="914400" indent="0">
+              <a:buNone/>
+              <a:defRPr sz="1600">
+                <a:solidFill>
+                  <a:schemeClr val="tx1">
+                    <a:tint val="75000"/>
+                  </a:schemeClr>
+                </a:solidFill>
+              </a:defRPr>
+            </a:lvl3pPr>
+            <a:lvl4pPr marL="1371600" indent="0">
+              <a:buNone/>
+              <a:defRPr sz="1400">
+                <a:solidFill>
+                  <a:schemeClr val="tx1">
+                    <a:tint val="75000"/>
+                  </a:schemeClr>
+                </a:solidFill>
+              </a:defRPr>
+            </a:lvl4pPr>
+            <a:lvl5pPr marL="1828800" indent="0">
+              <a:buNone/>
+              <a:defRPr sz="1400">
+                <a:solidFill>
+                  <a:schemeClr val="tx1">
+                    <a:tint val="75000"/>
+                  </a:schemeClr>
+                </a:solidFill>
+              </a:defRPr>
+            </a:lvl5pPr>
+            <a:lvl6pPr marL="2286000" indent="0">
+              <a:buNone/>
+              <a:defRPr sz="1400">
+                <a:solidFill>
+                  <a:schemeClr val="tx1">
+                    <a:tint val="75000"/>
+                  </a:schemeClr>
+                </a:solidFill>
+              </a:defRPr>
+            </a:lvl6pPr>
+            <a:lvl7pPr marL="2743200" indent="0">
+              <a:buNone/>
+              <a:defRPr sz="1400">
+                <a:solidFill>
+                  <a:schemeClr val="tx1">
+                    <a:tint val="75000"/>
+                  </a:schemeClr>
+                </a:solidFill>
+              </a:defRPr>
+            </a:lvl7pPr>
+            <a:lvl8pPr marL="3200400" indent="0">
+              <a:buNone/>
+              <a:defRPr sz="1400">
+                <a:solidFill>
+                  <a:schemeClr val="tx1">
+                    <a:tint val="75000"/>
+                  </a:schemeClr>
+                </a:solidFill>
+              </a:defRPr>
+            </a:lvl8pPr>
+            <a:lvl9pPr marL="3657600" indent="0">
+              <a:buNone/>
+              <a:defRPr sz="1400">
+                <a:solidFill>
+                  <a:schemeClr val="tx1">
+                    <a:tint val="75000"/>
+                  </a:schemeClr>
+                </a:solidFill>
+              </a:defRPr>
+            </a:lvl9pPr>
+          </a:lstStyle>
+          <a:p>
+            <a:pPr lvl="0"/>
+            <a:r>
+              <a:rPr lang="fr-FR"/>
+              <a:t>Cliquez pour modifier les styles du texte du masque</a:t>
+            </a:r>
+          </a:p>
+        </p:txBody>
+      </p:sp>
+      <p:sp>
+        <p:nvSpPr>
+          <p:cNvPr id="4" name="Date Placeholder 3"/>
+          <p:cNvSpPr>
+            <a:spLocks noGrp="1"/>
+          </p:cNvSpPr>
+          <p:nvPr>
+            <p:ph type="dt" sz="half" idx="10"/>
+          </p:nvPr>
+        </p:nvSpPr>
+        <p:spPr/>
+        <p:txBody>
+          <a:bodyPr/>
+          <a:lstStyle/>
+          <a:p>
+            <a:fld id="{250AD534-3EBC-48D0-921E-0A4167B28C6B}" type="datetimeFigureOut">
+              <a:rPr lang="fr-FR" smtClean="0"/>
+              <a:t>18/12/2020</a:t>
+            </a:fld>
+            <a:endParaRPr lang="fr-FR"/>
+          </a:p>
+        </p:txBody>
+      </p:sp>
+      <p:sp>
+        <p:nvSpPr>
+          <p:cNvPr id="5" name="Footer Placeholder 4"/>
+          <p:cNvSpPr>
+            <a:spLocks noGrp="1"/>
+          </p:cNvSpPr>
+          <p:nvPr>
+            <p:ph type="ftr" sz="quarter" idx="11"/>
+          </p:nvPr>
+        </p:nvSpPr>
+        <p:spPr/>
+        <p:txBody>
+          <a:bodyPr/>
+          <a:lstStyle/>
+          <a:p>
+            <a:endParaRPr lang="fr-FR"/>
+          </a:p>
+        </p:txBody>
+      </p:sp>
+      <p:sp>
+        <p:nvSpPr>
+          <p:cNvPr id="6" name="Slide Number Placeholder 5"/>
+          <p:cNvSpPr>
+            <a:spLocks noGrp="1"/>
+          </p:cNvSpPr>
+          <p:nvPr>
+            <p:ph type="sldNum" sz="quarter" idx="12"/>
+          </p:nvPr>
+        </p:nvSpPr>
+        <p:spPr/>
+        <p:txBody>
+          <a:bodyPr/>
+          <a:lstStyle/>
+          <a:p>
+            <a:fld id="{8B20D530-8CCB-44E4-A5B8-71E68F5A63D1}" type="slidenum">
+              <a:rPr lang="fr-FR" smtClean="0"/>
+              <a:t>‹N°›</a:t>
+            </a:fld>
+            <a:endParaRPr lang="fr-FR"/>
+          </a:p>
+        </p:txBody>
+      </p:sp>
+      <p:sp>
+        <p:nvSpPr>
+          <p:cNvPr id="24" name="TextBox 23"/>
+          <p:cNvSpPr txBox="1"/>
+          <p:nvPr/>
+        </p:nvSpPr>
+        <p:spPr>
+          <a:xfrm>
+            <a:off x="541870" y="790378"/>
+            <a:ext cx="609600" cy="584776"/>
+          </a:xfrm>
+          <a:prstGeom prst="rect">
+            <a:avLst/>
+          </a:prstGeom>
+        </p:spPr>
+        <p:txBody>
+          <a:bodyPr vert="horz" lIns="91440" tIns="45720" rIns="91440" bIns="45720" rtlCol="0" anchor="ctr">
+            <a:noAutofit/>
+          </a:bodyPr>
+          <a:lstStyle/>
+          <a:p>
+            <a:pPr lvl="0"/>
+            <a:r>
+              <a:rPr lang="en-US" sz="8000" baseline="0" dirty="0">
+                <a:ln w="3175" cmpd="sng">
+                  <a:noFill/>
+                </a:ln>
+                <a:solidFill>
+                  <a:schemeClr val="accent1">
+                    <a:lumMod val="60000"/>
+                    <a:lumOff val="40000"/>
+                  </a:schemeClr>
+                </a:solidFill>
+                <a:effectLst/>
+                <a:latin typeface="Arial"/>
+              </a:rPr>
+              <a:t>“</a:t>
+            </a:r>
+          </a:p>
+        </p:txBody>
+      </p:sp>
+      <p:sp>
+        <p:nvSpPr>
+          <p:cNvPr id="25" name="TextBox 24"/>
+          <p:cNvSpPr txBox="1"/>
+          <p:nvPr/>
+        </p:nvSpPr>
+        <p:spPr>
+          <a:xfrm>
+            <a:off x="8893011" y="2886556"/>
+            <a:ext cx="609600" cy="584776"/>
+          </a:xfrm>
+          <a:prstGeom prst="rect">
+            <a:avLst/>
+          </a:prstGeom>
+        </p:spPr>
+        <p:txBody>
+          <a:bodyPr vert="horz" lIns="91440" tIns="45720" rIns="91440" bIns="45720" rtlCol="0" anchor="ctr">
+            <a:noAutofit/>
+          </a:bodyPr>
+          <a:lstStyle/>
+          <a:p>
+            <a:pPr lvl="0"/>
+            <a:r>
+              <a:rPr lang="en-US" sz="8000" baseline="0" dirty="0">
+                <a:ln w="3175" cmpd="sng">
+                  <a:noFill/>
+                </a:ln>
+                <a:solidFill>
+                  <a:schemeClr val="accent1">
+                    <a:lumMod val="60000"/>
+                    <a:lumOff val="40000"/>
+                  </a:schemeClr>
+                </a:solidFill>
+                <a:effectLst/>
+                <a:latin typeface="Arial"/>
+              </a:rPr>
+              <a:t>”</a:t>
+            </a:r>
+          </a:p>
+        </p:txBody>
+      </p:sp>
+    </p:spTree>
+    <p:extLst>
+      <p:ext uri="{BB962C8B-B14F-4D97-AF65-F5344CB8AC3E}">
+        <p14:creationId xmlns:p14="http://schemas.microsoft.com/office/powerpoint/2010/main" val="472785924"/>
+      </p:ext>
+    </p:extLst>
+  </p:cSld>
+  <p:clrMapOvr>
+    <a:masterClrMapping/>
+  </p:clrMapOvr>
+</p:sldLayout>
+</file>
+
+<file path=ppt/slideLayouts/slideLayout12.xml><?xml version="1.0" encoding="utf-8"?>
+<p:sldLayout xmlns:a="http://schemas.openxmlformats.org/drawingml/2006/main" xmlns:r="http://schemas.openxmlformats.org/officeDocument/2006/relationships" xmlns:p="http://schemas.openxmlformats.org/presentationml/2006/main" preserve="1">
+  <p:cSld name="Carte nom">
+    <p:spTree>
+      <p:nvGrpSpPr>
+        <p:cNvPr id="1" name=""/>
+        <p:cNvGrpSpPr/>
+        <p:nvPr/>
+      </p:nvGrpSpPr>
+      <p:grpSpPr>
+        <a:xfrm>
+          <a:off x="0" y="0"/>
+          <a:ext cx="0" cy="0"/>
+          <a:chOff x="0" y="0"/>
+          <a:chExt cx="0" cy="0"/>
+        </a:xfrm>
+      </p:grpSpPr>
+      <p:sp>
+        <p:nvSpPr>
+          <p:cNvPr id="2" name="Title 1"/>
+          <p:cNvSpPr>
+            <a:spLocks noGrp="1"/>
+          </p:cNvSpPr>
+          <p:nvPr>
+            <p:ph type="title"/>
+          </p:nvPr>
+        </p:nvSpPr>
+        <p:spPr>
+          <a:xfrm>
+            <a:off x="677335" y="1931988"/>
+            <a:ext cx="8596668" cy="2595460"/>
+          </a:xfrm>
+        </p:spPr>
+        <p:txBody>
+          <a:bodyPr anchor="b">
+            <a:normAutofit/>
+          </a:bodyPr>
+          <a:lstStyle>
+            <a:lvl1pPr algn="l">
+              <a:defRPr sz="4400" b="0" cap="none"/>
+            </a:lvl1pPr>
+          </a:lstStyle>
+          <a:p>
+            <a:r>
+              <a:rPr lang="fr-FR"/>
+              <a:t>Modifiez le style du titre</a:t>
+            </a:r>
+            <a:endParaRPr lang="en-US" dirty="0"/>
+          </a:p>
+        </p:txBody>
+      </p:sp>
+      <p:sp>
+        <p:nvSpPr>
+          <p:cNvPr id="3" name="Text Placeholder 2"/>
+          <p:cNvSpPr>
+            <a:spLocks noGrp="1"/>
+          </p:cNvSpPr>
+          <p:nvPr>
+            <p:ph type="body" idx="1"/>
+          </p:nvPr>
+        </p:nvSpPr>
+        <p:spPr>
+          <a:xfrm>
+            <a:off x="677335" y="4527448"/>
+            <a:ext cx="8596668" cy="1513914"/>
+          </a:xfrm>
+        </p:spPr>
+        <p:txBody>
+          <a:bodyPr anchor="t">
+            <a:normAutofit/>
+          </a:bodyPr>
+          <a:lstStyle>
+            <a:lvl1pPr marL="0" indent="0" algn="l">
+              <a:buNone/>
+              <a:defRPr sz="1800">
+                <a:solidFill>
+                  <a:schemeClr val="tx1">
+                    <a:lumMod val="75000"/>
+                    <a:lumOff val="25000"/>
+                  </a:schemeClr>
+                </a:solidFill>
+              </a:defRPr>
+            </a:lvl1pPr>
+            <a:lvl2pPr marL="457200" indent="0">
+              <a:buNone/>
+              <a:defRPr sz="1800">
+                <a:solidFill>
+                  <a:schemeClr val="tx1">
+                    <a:tint val="75000"/>
+                  </a:schemeClr>
+                </a:solidFill>
+              </a:defRPr>
+            </a:lvl2pPr>
+            <a:lvl3pPr marL="914400" indent="0">
+              <a:buNone/>
+              <a:defRPr sz="1600">
+                <a:solidFill>
+                  <a:schemeClr val="tx1">
+                    <a:tint val="75000"/>
+                  </a:schemeClr>
+                </a:solidFill>
+              </a:defRPr>
+            </a:lvl3pPr>
+            <a:lvl4pPr marL="1371600" indent="0">
+              <a:buNone/>
+              <a:defRPr sz="1400">
+                <a:solidFill>
+                  <a:schemeClr val="tx1">
+                    <a:tint val="75000"/>
+                  </a:schemeClr>
+                </a:solidFill>
+              </a:defRPr>
+            </a:lvl4pPr>
+            <a:lvl5pPr marL="1828800" indent="0">
+              <a:buNone/>
+              <a:defRPr sz="1400">
+                <a:solidFill>
+                  <a:schemeClr val="tx1">
+                    <a:tint val="75000"/>
+                  </a:schemeClr>
+                </a:solidFill>
+              </a:defRPr>
+            </a:lvl5pPr>
+            <a:lvl6pPr marL="2286000" indent="0">
+              <a:buNone/>
+              <a:defRPr sz="1400">
+                <a:solidFill>
+                  <a:schemeClr val="tx1">
+                    <a:tint val="75000"/>
+                  </a:schemeClr>
+                </a:solidFill>
+              </a:defRPr>
+            </a:lvl6pPr>
+            <a:lvl7pPr marL="2743200" indent="0">
+              <a:buNone/>
+              <a:defRPr sz="1400">
+                <a:solidFill>
+                  <a:schemeClr val="tx1">
+                    <a:tint val="75000"/>
+                  </a:schemeClr>
+                </a:solidFill>
+              </a:defRPr>
+            </a:lvl7pPr>
+            <a:lvl8pPr marL="3200400" indent="0">
+              <a:buNone/>
+              <a:defRPr sz="1400">
+                <a:solidFill>
+                  <a:schemeClr val="tx1">
+                    <a:tint val="75000"/>
+                  </a:schemeClr>
+                </a:solidFill>
+              </a:defRPr>
+            </a:lvl8pPr>
+            <a:lvl9pPr marL="3657600" indent="0">
+              <a:buNone/>
+              <a:defRPr sz="1400">
+                <a:solidFill>
+                  <a:schemeClr val="tx1">
+                    <a:tint val="75000"/>
+                  </a:schemeClr>
+                </a:solidFill>
+              </a:defRPr>
+            </a:lvl9pPr>
+          </a:lstStyle>
+          <a:p>
+            <a:pPr lvl="0"/>
+            <a:r>
+              <a:rPr lang="fr-FR"/>
+              <a:t>Cliquez pour modifier les styles du texte du masque</a:t>
+            </a:r>
+          </a:p>
+        </p:txBody>
+      </p:sp>
+      <p:sp>
+        <p:nvSpPr>
+          <p:cNvPr id="4" name="Date Placeholder 3"/>
+          <p:cNvSpPr>
+            <a:spLocks noGrp="1"/>
+          </p:cNvSpPr>
+          <p:nvPr>
+            <p:ph type="dt" sz="half" idx="10"/>
+          </p:nvPr>
+        </p:nvSpPr>
+        <p:spPr/>
+        <p:txBody>
+          <a:bodyPr/>
+          <a:lstStyle/>
+          <a:p>
+            <a:fld id="{250AD534-3EBC-48D0-921E-0A4167B28C6B}" type="datetimeFigureOut">
+              <a:rPr lang="fr-FR" smtClean="0"/>
+              <a:t>18/12/2020</a:t>
+            </a:fld>
+            <a:endParaRPr lang="fr-FR"/>
+          </a:p>
+        </p:txBody>
+      </p:sp>
+      <p:sp>
+        <p:nvSpPr>
+          <p:cNvPr id="5" name="Footer Placeholder 4"/>
+          <p:cNvSpPr>
+            <a:spLocks noGrp="1"/>
+          </p:cNvSpPr>
+          <p:nvPr>
+            <p:ph type="ftr" sz="quarter" idx="11"/>
+          </p:nvPr>
+        </p:nvSpPr>
+        <p:spPr/>
+        <p:txBody>
+          <a:bodyPr/>
+          <a:lstStyle/>
+          <a:p>
+            <a:endParaRPr lang="fr-FR"/>
+          </a:p>
+        </p:txBody>
+      </p:sp>
+      <p:sp>
+        <p:nvSpPr>
+          <p:cNvPr id="6" name="Slide Number Placeholder 5"/>
+          <p:cNvSpPr>
+            <a:spLocks noGrp="1"/>
+          </p:cNvSpPr>
+          <p:nvPr>
+            <p:ph type="sldNum" sz="quarter" idx="12"/>
+          </p:nvPr>
+        </p:nvSpPr>
+        <p:spPr/>
+        <p:txBody>
+          <a:bodyPr/>
+          <a:lstStyle/>
+          <a:p>
+            <a:fld id="{8B20D530-8CCB-44E4-A5B8-71E68F5A63D1}" type="slidenum">
+              <a:rPr lang="fr-FR" smtClean="0"/>
+              <a:t>‹N°›</a:t>
+            </a:fld>
+            <a:endParaRPr lang="fr-FR"/>
+          </a:p>
+        </p:txBody>
+      </p:sp>
+    </p:spTree>
+    <p:extLst>
+      <p:ext uri="{BB962C8B-B14F-4D97-AF65-F5344CB8AC3E}">
+        <p14:creationId xmlns:p14="http://schemas.microsoft.com/office/powerpoint/2010/main" val="4168176592"/>
+      </p:ext>
+    </p:extLst>
+  </p:cSld>
+  <p:clrMapOvr>
+    <a:masterClrMapping/>
+  </p:clrMapOvr>
+</p:sldLayout>
+</file>
+
+<file path=ppt/slideLayouts/slideLayout13.xml><?xml version="1.0" encoding="utf-8"?>
+<p:sldLayout xmlns:a="http://schemas.openxmlformats.org/drawingml/2006/main" xmlns:r="http://schemas.openxmlformats.org/officeDocument/2006/relationships" xmlns:p="http://schemas.openxmlformats.org/presentationml/2006/main" preserve="1">
+  <p:cSld name="Carte nom citation">
+    <p:spTree>
+      <p:nvGrpSpPr>
+        <p:cNvPr id="1" name=""/>
+        <p:cNvGrpSpPr/>
+        <p:nvPr/>
+      </p:nvGrpSpPr>
+      <p:grpSpPr>
+        <a:xfrm>
+          <a:off x="0" y="0"/>
+          <a:ext cx="0" cy="0"/>
+          <a:chOff x="0" y="0"/>
+          <a:chExt cx="0" cy="0"/>
+        </a:xfrm>
+      </p:grpSpPr>
+      <p:sp>
+        <p:nvSpPr>
+          <p:cNvPr id="2" name="Title 1"/>
+          <p:cNvSpPr>
+            <a:spLocks noGrp="1"/>
+          </p:cNvSpPr>
+          <p:nvPr>
+            <p:ph type="title"/>
+          </p:nvPr>
+        </p:nvSpPr>
+        <p:spPr>
+          <a:xfrm>
+            <a:off x="931334" y="609600"/>
+            <a:ext cx="8094134" cy="3022600"/>
+          </a:xfrm>
+        </p:spPr>
+        <p:txBody>
+          <a:bodyPr anchor="ctr">
+            <a:normAutofit/>
+          </a:bodyPr>
+          <a:lstStyle>
+            <a:lvl1pPr algn="l">
+              <a:defRPr sz="4400" b="0" cap="none"/>
+            </a:lvl1pPr>
+          </a:lstStyle>
+          <a:p>
+            <a:r>
+              <a:rPr lang="fr-FR"/>
+              <a:t>Modifiez le style du titre</a:t>
+            </a:r>
+            <a:endParaRPr lang="en-US" dirty="0"/>
+          </a:p>
+        </p:txBody>
+      </p:sp>
+      <p:sp>
+        <p:nvSpPr>
+          <p:cNvPr id="23" name="Text Placeholder 9"/>
+          <p:cNvSpPr>
+            <a:spLocks noGrp="1"/>
+          </p:cNvSpPr>
+          <p:nvPr>
+            <p:ph type="body" sz="quarter" idx="13"/>
+          </p:nvPr>
+        </p:nvSpPr>
+        <p:spPr>
+          <a:xfrm>
+            <a:off x="677332" y="4013200"/>
+            <a:ext cx="8596669" cy="514248"/>
+          </a:xfrm>
+        </p:spPr>
+        <p:txBody>
+          <a:bodyPr anchor="b">
+            <a:noAutofit/>
+          </a:bodyPr>
+          <a:lstStyle>
+            <a:lvl1pPr marL="0" indent="0">
+              <a:buFontTx/>
+              <a:buNone/>
+              <a:defRPr sz="2400">
+                <a:solidFill>
+                  <a:schemeClr val="tx1">
+                    <a:lumMod val="75000"/>
+                    <a:lumOff val="25000"/>
+                  </a:schemeClr>
+                </a:solidFill>
+              </a:defRPr>
+            </a:lvl1pPr>
+            <a:lvl2pPr marL="457200" indent="0">
+              <a:buFontTx/>
+              <a:buNone/>
+              <a:defRPr/>
+            </a:lvl2pPr>
+            <a:lvl3pPr marL="914400" indent="0">
+              <a:buFontTx/>
+              <a:buNone/>
+              <a:defRPr/>
+            </a:lvl3pPr>
+            <a:lvl4pPr marL="1371600" indent="0">
+              <a:buFontTx/>
+              <a:buNone/>
+              <a:defRPr/>
+            </a:lvl4pPr>
+            <a:lvl5pPr marL="1828800" indent="0">
+              <a:buFontTx/>
+              <a:buNone/>
+              <a:defRPr/>
+            </a:lvl5pPr>
+          </a:lstStyle>
+          <a:p>
+            <a:pPr lvl="0"/>
+            <a:r>
+              <a:rPr lang="fr-FR"/>
+              <a:t>Cliquez pour modifier les styles du texte du masque</a:t>
+            </a:r>
+          </a:p>
+        </p:txBody>
+      </p:sp>
+      <p:sp>
+        <p:nvSpPr>
+          <p:cNvPr id="3" name="Text Placeholder 2"/>
+          <p:cNvSpPr>
+            <a:spLocks noGrp="1"/>
+          </p:cNvSpPr>
+          <p:nvPr>
+            <p:ph type="body" idx="1"/>
+          </p:nvPr>
+        </p:nvSpPr>
+        <p:spPr>
+          <a:xfrm>
+            <a:off x="677335" y="4527448"/>
+            <a:ext cx="8596668" cy="1513914"/>
+          </a:xfrm>
+        </p:spPr>
+        <p:txBody>
+          <a:bodyPr anchor="t">
+            <a:normAutofit/>
+          </a:bodyPr>
+          <a:lstStyle>
+            <a:lvl1pPr marL="0" indent="0" algn="l">
+              <a:buNone/>
+              <a:defRPr sz="1800">
+                <a:solidFill>
+                  <a:schemeClr val="tx1">
+                    <a:lumMod val="50000"/>
+                    <a:lumOff val="50000"/>
+                  </a:schemeClr>
+                </a:solidFill>
+              </a:defRPr>
+            </a:lvl1pPr>
+            <a:lvl2pPr marL="457200" indent="0">
+              <a:buNone/>
+              <a:defRPr sz="1800">
+                <a:solidFill>
+                  <a:schemeClr val="tx1">
+                    <a:tint val="75000"/>
+                  </a:schemeClr>
+                </a:solidFill>
+              </a:defRPr>
+            </a:lvl2pPr>
+            <a:lvl3pPr marL="914400" indent="0">
+              <a:buNone/>
+              <a:defRPr sz="1600">
+                <a:solidFill>
+                  <a:schemeClr val="tx1">
+                    <a:tint val="75000"/>
+                  </a:schemeClr>
+                </a:solidFill>
+              </a:defRPr>
+            </a:lvl3pPr>
+            <a:lvl4pPr marL="1371600" indent="0">
+              <a:buNone/>
+              <a:defRPr sz="1400">
+                <a:solidFill>
+                  <a:schemeClr val="tx1">
+                    <a:tint val="75000"/>
+                  </a:schemeClr>
+                </a:solidFill>
+              </a:defRPr>
+            </a:lvl4pPr>
+            <a:lvl5pPr marL="1828800" indent="0">
+              <a:buNone/>
+              <a:defRPr sz="1400">
+                <a:solidFill>
+                  <a:schemeClr val="tx1">
+                    <a:tint val="75000"/>
+                  </a:schemeClr>
+                </a:solidFill>
+              </a:defRPr>
+            </a:lvl5pPr>
+            <a:lvl6pPr marL="2286000" indent="0">
+              <a:buNone/>
+              <a:defRPr sz="1400">
+                <a:solidFill>
+                  <a:schemeClr val="tx1">
+                    <a:tint val="75000"/>
+                  </a:schemeClr>
+                </a:solidFill>
+              </a:defRPr>
+            </a:lvl6pPr>
+            <a:lvl7pPr marL="2743200" indent="0">
+              <a:buNone/>
+              <a:defRPr sz="1400">
+                <a:solidFill>
+                  <a:schemeClr val="tx1">
+                    <a:tint val="75000"/>
+                  </a:schemeClr>
+                </a:solidFill>
+              </a:defRPr>
+            </a:lvl7pPr>
+            <a:lvl8pPr marL="3200400" indent="0">
+              <a:buNone/>
+              <a:defRPr sz="1400">
+                <a:solidFill>
+                  <a:schemeClr val="tx1">
+                    <a:tint val="75000"/>
+                  </a:schemeClr>
+                </a:solidFill>
+              </a:defRPr>
+            </a:lvl8pPr>
+            <a:lvl9pPr marL="3657600" indent="0">
+              <a:buNone/>
+              <a:defRPr sz="1400">
+                <a:solidFill>
+                  <a:schemeClr val="tx1">
+                    <a:tint val="75000"/>
+                  </a:schemeClr>
+                </a:solidFill>
+              </a:defRPr>
+            </a:lvl9pPr>
+          </a:lstStyle>
+          <a:p>
+            <a:pPr lvl="0"/>
+            <a:r>
+              <a:rPr lang="fr-FR"/>
+              <a:t>Cliquez pour modifier les styles du texte du masque</a:t>
+            </a:r>
+          </a:p>
+        </p:txBody>
+      </p:sp>
+      <p:sp>
+        <p:nvSpPr>
+          <p:cNvPr id="4" name="Date Placeholder 3"/>
+          <p:cNvSpPr>
+            <a:spLocks noGrp="1"/>
+          </p:cNvSpPr>
+          <p:nvPr>
+            <p:ph type="dt" sz="half" idx="10"/>
+          </p:nvPr>
+        </p:nvSpPr>
+        <p:spPr/>
+        <p:txBody>
+          <a:bodyPr/>
+          <a:lstStyle/>
+          <a:p>
+            <a:fld id="{250AD534-3EBC-48D0-921E-0A4167B28C6B}" type="datetimeFigureOut">
+              <a:rPr lang="fr-FR" smtClean="0"/>
+              <a:t>18/12/2020</a:t>
+            </a:fld>
+            <a:endParaRPr lang="fr-FR"/>
+          </a:p>
+        </p:txBody>
+      </p:sp>
+      <p:sp>
+        <p:nvSpPr>
+          <p:cNvPr id="5" name="Footer Placeholder 4"/>
+          <p:cNvSpPr>
+            <a:spLocks noGrp="1"/>
+          </p:cNvSpPr>
+          <p:nvPr>
+            <p:ph type="ftr" sz="quarter" idx="11"/>
+          </p:nvPr>
+        </p:nvSpPr>
+        <p:spPr/>
+        <p:txBody>
+          <a:bodyPr/>
+          <a:lstStyle/>
+          <a:p>
+            <a:endParaRPr lang="fr-FR"/>
+          </a:p>
+        </p:txBody>
+      </p:sp>
+      <p:sp>
+        <p:nvSpPr>
+          <p:cNvPr id="6" name="Slide Number Placeholder 5"/>
+          <p:cNvSpPr>
+            <a:spLocks noGrp="1"/>
+          </p:cNvSpPr>
+          <p:nvPr>
+            <p:ph type="sldNum" sz="quarter" idx="12"/>
+          </p:nvPr>
+        </p:nvSpPr>
+        <p:spPr/>
+        <p:txBody>
+          <a:bodyPr/>
+          <a:lstStyle/>
+          <a:p>
+            <a:fld id="{8B20D530-8CCB-44E4-A5B8-71E68F5A63D1}" type="slidenum">
+              <a:rPr lang="fr-FR" smtClean="0"/>
+              <a:t>‹N°›</a:t>
+            </a:fld>
+            <a:endParaRPr lang="fr-FR"/>
+          </a:p>
+        </p:txBody>
+      </p:sp>
+      <p:sp>
+        <p:nvSpPr>
+          <p:cNvPr id="24" name="TextBox 23"/>
+          <p:cNvSpPr txBox="1"/>
+          <p:nvPr/>
+        </p:nvSpPr>
+        <p:spPr>
+          <a:xfrm>
+            <a:off x="541870" y="790378"/>
+            <a:ext cx="609600" cy="584776"/>
+          </a:xfrm>
+          <a:prstGeom prst="rect">
+            <a:avLst/>
+          </a:prstGeom>
+        </p:spPr>
+        <p:txBody>
+          <a:bodyPr vert="horz" lIns="91440" tIns="45720" rIns="91440" bIns="45720" rtlCol="0" anchor="ctr">
+            <a:noAutofit/>
+          </a:bodyPr>
+          <a:lstStyle/>
+          <a:p>
+            <a:pPr lvl="0"/>
+            <a:r>
+              <a:rPr lang="en-US" sz="8000" baseline="0" dirty="0">
+                <a:ln w="3175" cmpd="sng">
+                  <a:noFill/>
+                </a:ln>
+                <a:solidFill>
+                  <a:schemeClr val="accent1">
+                    <a:lumMod val="60000"/>
+                    <a:lumOff val="40000"/>
+                  </a:schemeClr>
+                </a:solidFill>
+                <a:effectLst/>
+                <a:latin typeface="Arial"/>
+              </a:rPr>
+              <a:t>“</a:t>
+            </a:r>
+          </a:p>
+        </p:txBody>
+      </p:sp>
+      <p:sp>
+        <p:nvSpPr>
+          <p:cNvPr id="25" name="TextBox 24"/>
+          <p:cNvSpPr txBox="1"/>
+          <p:nvPr/>
+        </p:nvSpPr>
+        <p:spPr>
+          <a:xfrm>
+            <a:off x="8893011" y="2886556"/>
+            <a:ext cx="609600" cy="584776"/>
+          </a:xfrm>
+          <a:prstGeom prst="rect">
+            <a:avLst/>
+          </a:prstGeom>
+        </p:spPr>
+        <p:txBody>
+          <a:bodyPr vert="horz" lIns="91440" tIns="45720" rIns="91440" bIns="45720" rtlCol="0" anchor="ctr">
+            <a:noAutofit/>
+          </a:bodyPr>
+          <a:lstStyle/>
+          <a:p>
+            <a:pPr lvl="0"/>
+            <a:r>
+              <a:rPr lang="en-US" sz="8000" baseline="0" dirty="0">
+                <a:ln w="3175" cmpd="sng">
+                  <a:noFill/>
+                </a:ln>
+                <a:solidFill>
+                  <a:schemeClr val="accent1">
+                    <a:lumMod val="60000"/>
+                    <a:lumOff val="40000"/>
+                  </a:schemeClr>
+                </a:solidFill>
+                <a:effectLst/>
+                <a:latin typeface="Arial"/>
+              </a:rPr>
+              <a:t>”</a:t>
+            </a:r>
+          </a:p>
+        </p:txBody>
+      </p:sp>
+    </p:spTree>
+    <p:extLst>
+      <p:ext uri="{BB962C8B-B14F-4D97-AF65-F5344CB8AC3E}">
+        <p14:creationId xmlns:p14="http://schemas.microsoft.com/office/powerpoint/2010/main" val="3955497585"/>
+      </p:ext>
+    </p:extLst>
+  </p:cSld>
+  <p:clrMapOvr>
+    <a:masterClrMapping/>
+  </p:clrMapOvr>
+</p:sldLayout>
+</file>
+
+<file path=ppt/slideLayouts/slideLayout14.xml><?xml version="1.0" encoding="utf-8"?>
+<p:sldLayout xmlns:a="http://schemas.openxmlformats.org/drawingml/2006/main" xmlns:r="http://schemas.openxmlformats.org/officeDocument/2006/relationships" xmlns:p="http://schemas.openxmlformats.org/presentationml/2006/main" preserve="1">
+  <p:cSld name="Vrai ou faux">
+    <p:spTree>
+      <p:nvGrpSpPr>
+        <p:cNvPr id="1" name=""/>
+        <p:cNvGrpSpPr/>
+        <p:nvPr/>
+      </p:nvGrpSpPr>
+      <p:grpSpPr>
+        <a:xfrm>
+          <a:off x="0" y="0"/>
+          <a:ext cx="0" cy="0"/>
+          <a:chOff x="0" y="0"/>
+          <a:chExt cx="0" cy="0"/>
+        </a:xfrm>
+      </p:grpSpPr>
+      <p:sp>
+        <p:nvSpPr>
+          <p:cNvPr id="2" name="Title 1"/>
+          <p:cNvSpPr>
+            <a:spLocks noGrp="1"/>
+          </p:cNvSpPr>
+          <p:nvPr>
+            <p:ph type="title"/>
+          </p:nvPr>
+        </p:nvSpPr>
+        <p:spPr>
+          <a:xfrm>
+            <a:off x="685799" y="609600"/>
+            <a:ext cx="8588203" cy="3022600"/>
+          </a:xfrm>
+        </p:spPr>
+        <p:txBody>
+          <a:bodyPr anchor="ctr">
+            <a:normAutofit/>
+          </a:bodyPr>
+          <a:lstStyle>
+            <a:lvl1pPr algn="l">
+              <a:defRPr sz="4400" b="0" cap="none"/>
+            </a:lvl1pPr>
+          </a:lstStyle>
+          <a:p>
+            <a:r>
+              <a:rPr lang="fr-FR"/>
+              <a:t>Modifiez le style du titre</a:t>
+            </a:r>
+            <a:endParaRPr lang="en-US" dirty="0"/>
+          </a:p>
+        </p:txBody>
+      </p:sp>
+      <p:sp>
+        <p:nvSpPr>
+          <p:cNvPr id="23" name="Text Placeholder 9"/>
+          <p:cNvSpPr>
+            <a:spLocks noGrp="1"/>
+          </p:cNvSpPr>
+          <p:nvPr>
+            <p:ph type="body" sz="quarter" idx="13"/>
+          </p:nvPr>
+        </p:nvSpPr>
+        <p:spPr>
+          <a:xfrm>
+            <a:off x="677332" y="4013200"/>
+            <a:ext cx="8596669" cy="514248"/>
+          </a:xfrm>
+        </p:spPr>
+        <p:txBody>
+          <a:bodyPr anchor="b">
+            <a:noAutofit/>
+          </a:bodyPr>
+          <a:lstStyle>
+            <a:lvl1pPr marL="0" indent="0">
+              <a:buFontTx/>
+              <a:buNone/>
+              <a:defRPr sz="2400">
+                <a:solidFill>
+                  <a:schemeClr val="accent1"/>
+                </a:solidFill>
+              </a:defRPr>
+            </a:lvl1pPr>
+            <a:lvl2pPr marL="457200" indent="0">
+              <a:buFontTx/>
+              <a:buNone/>
+              <a:defRPr/>
+            </a:lvl2pPr>
+            <a:lvl3pPr marL="914400" indent="0">
+              <a:buFontTx/>
+              <a:buNone/>
+              <a:defRPr/>
+            </a:lvl3pPr>
+            <a:lvl4pPr marL="1371600" indent="0">
+              <a:buFontTx/>
+              <a:buNone/>
+              <a:defRPr/>
+            </a:lvl4pPr>
+            <a:lvl5pPr marL="1828800" indent="0">
+              <a:buFontTx/>
+              <a:buNone/>
+              <a:defRPr/>
+            </a:lvl5pPr>
+          </a:lstStyle>
+          <a:p>
+            <a:pPr lvl="0"/>
+            <a:r>
+              <a:rPr lang="fr-FR"/>
+              <a:t>Cliquez pour modifier les styles du texte du masque</a:t>
+            </a:r>
+          </a:p>
+        </p:txBody>
+      </p:sp>
+      <p:sp>
+        <p:nvSpPr>
+          <p:cNvPr id="3" name="Text Placeholder 2"/>
+          <p:cNvSpPr>
+            <a:spLocks noGrp="1"/>
+          </p:cNvSpPr>
+          <p:nvPr>
+            <p:ph type="body" idx="1"/>
+          </p:nvPr>
+        </p:nvSpPr>
+        <p:spPr>
+          <a:xfrm>
+            <a:off x="677335" y="4527448"/>
+            <a:ext cx="8596668" cy="1513914"/>
+          </a:xfrm>
+        </p:spPr>
+        <p:txBody>
+          <a:bodyPr anchor="t">
+            <a:normAutofit/>
+          </a:bodyPr>
+          <a:lstStyle>
+            <a:lvl1pPr marL="0" indent="0" algn="l">
+              <a:buNone/>
+              <a:defRPr sz="1800">
+                <a:solidFill>
+                  <a:schemeClr val="tx1">
+                    <a:lumMod val="50000"/>
+                    <a:lumOff val="50000"/>
+                  </a:schemeClr>
+                </a:solidFill>
+              </a:defRPr>
+            </a:lvl1pPr>
+            <a:lvl2pPr marL="457200" indent="0">
+              <a:buNone/>
+              <a:defRPr sz="1800">
+                <a:solidFill>
+                  <a:schemeClr val="tx1">
+                    <a:tint val="75000"/>
+                  </a:schemeClr>
+                </a:solidFill>
+              </a:defRPr>
+            </a:lvl2pPr>
+            <a:lvl3pPr marL="914400" indent="0">
+              <a:buNone/>
+              <a:defRPr sz="1600">
+                <a:solidFill>
+                  <a:schemeClr val="tx1">
+                    <a:tint val="75000"/>
+                  </a:schemeClr>
+                </a:solidFill>
+              </a:defRPr>
+            </a:lvl3pPr>
+            <a:lvl4pPr marL="1371600" indent="0">
+              <a:buNone/>
+              <a:defRPr sz="1400">
+                <a:solidFill>
+                  <a:schemeClr val="tx1">
+                    <a:tint val="75000"/>
+                  </a:schemeClr>
+                </a:solidFill>
+              </a:defRPr>
+            </a:lvl4pPr>
+            <a:lvl5pPr marL="1828800" indent="0">
+              <a:buNone/>
+              <a:defRPr sz="1400">
+                <a:solidFill>
+                  <a:schemeClr val="tx1">
+                    <a:tint val="75000"/>
+                  </a:schemeClr>
+                </a:solidFill>
+              </a:defRPr>
+            </a:lvl5pPr>
+            <a:lvl6pPr marL="2286000" indent="0">
+              <a:buNone/>
+              <a:defRPr sz="1400">
+                <a:solidFill>
+                  <a:schemeClr val="tx1">
+                    <a:tint val="75000"/>
+                  </a:schemeClr>
+                </a:solidFill>
+              </a:defRPr>
+            </a:lvl6pPr>
+            <a:lvl7pPr marL="2743200" indent="0">
+              <a:buNone/>
+              <a:defRPr sz="1400">
+                <a:solidFill>
+                  <a:schemeClr val="tx1">
+                    <a:tint val="75000"/>
+                  </a:schemeClr>
+                </a:solidFill>
+              </a:defRPr>
+            </a:lvl7pPr>
+            <a:lvl8pPr marL="3200400" indent="0">
+              <a:buNone/>
+              <a:defRPr sz="1400">
+                <a:solidFill>
+                  <a:schemeClr val="tx1">
+                    <a:tint val="75000"/>
+                  </a:schemeClr>
+                </a:solidFill>
+              </a:defRPr>
+            </a:lvl8pPr>
+            <a:lvl9pPr marL="3657600" indent="0">
+              <a:buNone/>
+              <a:defRPr sz="1400">
+                <a:solidFill>
+                  <a:schemeClr val="tx1">
+                    <a:tint val="75000"/>
+                  </a:schemeClr>
+                </a:solidFill>
+              </a:defRPr>
+            </a:lvl9pPr>
+          </a:lstStyle>
+          <a:p>
+            <a:pPr lvl="0"/>
+            <a:r>
+              <a:rPr lang="fr-FR"/>
+              <a:t>Cliquez pour modifier les styles du texte du masque</a:t>
+            </a:r>
+          </a:p>
+        </p:txBody>
+      </p:sp>
+      <p:sp>
+        <p:nvSpPr>
+          <p:cNvPr id="4" name="Date Placeholder 3"/>
+          <p:cNvSpPr>
+            <a:spLocks noGrp="1"/>
+          </p:cNvSpPr>
+          <p:nvPr>
+            <p:ph type="dt" sz="half" idx="10"/>
+          </p:nvPr>
+        </p:nvSpPr>
+        <p:spPr/>
+        <p:txBody>
+          <a:bodyPr/>
+          <a:lstStyle/>
+          <a:p>
+            <a:fld id="{250AD534-3EBC-48D0-921E-0A4167B28C6B}" type="datetimeFigureOut">
+              <a:rPr lang="fr-FR" smtClean="0"/>
+              <a:t>18/12/2020</a:t>
+            </a:fld>
+            <a:endParaRPr lang="fr-FR"/>
+          </a:p>
+        </p:txBody>
+      </p:sp>
+      <p:sp>
+        <p:nvSpPr>
+          <p:cNvPr id="5" name="Footer Placeholder 4"/>
+          <p:cNvSpPr>
+            <a:spLocks noGrp="1"/>
+          </p:cNvSpPr>
+          <p:nvPr>
+            <p:ph type="ftr" sz="quarter" idx="11"/>
+          </p:nvPr>
+        </p:nvSpPr>
+        <p:spPr/>
+        <p:txBody>
+          <a:bodyPr/>
+          <a:lstStyle/>
+          <a:p>
+            <a:endParaRPr lang="fr-FR"/>
+          </a:p>
+        </p:txBody>
+      </p:sp>
+      <p:sp>
+        <p:nvSpPr>
+          <p:cNvPr id="6" name="Slide Number Placeholder 5"/>
+          <p:cNvSpPr>
+            <a:spLocks noGrp="1"/>
+          </p:cNvSpPr>
+          <p:nvPr>
+            <p:ph type="sldNum" sz="quarter" idx="12"/>
+          </p:nvPr>
+        </p:nvSpPr>
+        <p:spPr/>
+        <p:txBody>
+          <a:bodyPr/>
+          <a:lstStyle/>
+          <a:p>
+            <a:fld id="{8B20D530-8CCB-44E4-A5B8-71E68F5A63D1}" type="slidenum">
+              <a:rPr lang="fr-FR" smtClean="0"/>
+              <a:t>‹N°›</a:t>
+            </a:fld>
+            <a:endParaRPr lang="fr-FR"/>
+          </a:p>
+        </p:txBody>
+      </p:sp>
+    </p:spTree>
+    <p:extLst>
+      <p:ext uri="{BB962C8B-B14F-4D97-AF65-F5344CB8AC3E}">
+        <p14:creationId xmlns:p14="http://schemas.microsoft.com/office/powerpoint/2010/main" val="2876669410"/>
+      </p:ext>
+    </p:extLst>
+  </p:cSld>
+  <p:clrMapOvr>
+    <a:masterClrMapping/>
+  </p:clrMapOvr>
+</p:sldLayout>
+</file>
+
+<file path=ppt/slideLayouts/slideLayout15.xml><?xml version="1.0" encoding="utf-8"?>
 <p:sldLayout xmlns:a="http://schemas.openxmlformats.org/drawingml/2006/main" xmlns:r="http://schemas.openxmlformats.org/officeDocument/2006/relationships" xmlns:p="http://schemas.openxmlformats.org/presentationml/2006/main" type="vertTx" preserve="1">
   <p:cSld name="Titre et texte vertical">
     <p:spTree>
@@ -359,13 +2560,7 @@
       </p:grpSpPr>
       <p:sp>
         <p:nvSpPr>
-          <p:cNvPr id="2" name="Titre 1">
-            <a:extLst>
-              <a:ext uri="{FF2B5EF4-FFF2-40B4-BE49-F238E27FC236}">
-                <a16:creationId xmlns:a16="http://schemas.microsoft.com/office/drawing/2014/main" id="{FFB4E56E-2249-463F-BA64-DA9A767DAB6D}"/>
-              </a:ext>
-            </a:extLst>
-          </p:cNvPr>
+          <p:cNvPr id="2" name="Title 1"/>
           <p:cNvSpPr>
             <a:spLocks noGrp="1"/>
           </p:cNvSpPr>
@@ -382,18 +2577,13 @@
               <a:rPr lang="fr-FR"/>
               <a:t>Modifiez le style du titre</a:t>
             </a:r>
-          </a:p>
-        </p:txBody>
-      </p:sp>
-      <p:sp>
-        <p:nvSpPr>
-          <p:cNvPr id="3" name="Espace réservé du texte vertical 2">
-            <a:extLst>
-              <a:ext uri="{FF2B5EF4-FFF2-40B4-BE49-F238E27FC236}">
-                <a16:creationId xmlns:a16="http://schemas.microsoft.com/office/drawing/2014/main" id="{11C4E439-DE5B-4136-8BF1-094EAA2B2636}"/>
-              </a:ext>
-            </a:extLst>
-          </p:cNvPr>
+            <a:endParaRPr lang="en-US" dirty="0"/>
+          </a:p>
+        </p:txBody>
+      </p:sp>
+      <p:sp>
+        <p:nvSpPr>
+          <p:cNvPr id="3" name="Vertical Text Placeholder 2"/>
           <p:cNvSpPr>
             <a:spLocks noGrp="1"/>
           </p:cNvSpPr>
@@ -439,18 +2629,13 @@
               <a:rPr lang="fr-FR"/>
               <a:t>Cinquième niveau</a:t>
             </a:r>
-          </a:p>
-        </p:txBody>
-      </p:sp>
-      <p:sp>
-        <p:nvSpPr>
-          <p:cNvPr id="4" name="Espace réservé de la date 3">
-            <a:extLst>
-              <a:ext uri="{FF2B5EF4-FFF2-40B4-BE49-F238E27FC236}">
-                <a16:creationId xmlns:a16="http://schemas.microsoft.com/office/drawing/2014/main" id="{7898335B-C8AE-4F6C-A603-5205ABF90D64}"/>
-              </a:ext>
-            </a:extLst>
-          </p:cNvPr>
+            <a:endParaRPr lang="en-US" dirty="0"/>
+          </a:p>
+        </p:txBody>
+      </p:sp>
+      <p:sp>
+        <p:nvSpPr>
+          <p:cNvPr id="4" name="Date Placeholder 3"/>
           <p:cNvSpPr>
             <a:spLocks noGrp="1"/>
           </p:cNvSpPr>
@@ -465,7 +2650,7 @@
           <a:p>
             <a:fld id="{250AD534-3EBC-48D0-921E-0A4167B28C6B}" type="datetimeFigureOut">
               <a:rPr lang="fr-FR" smtClean="0"/>
-              <a:t>17/12/2020</a:t>
+              <a:t>18/12/2020</a:t>
             </a:fld>
             <a:endParaRPr lang="fr-FR"/>
           </a:p>
@@ -473,13 +2658,7 @@
       </p:sp>
       <p:sp>
         <p:nvSpPr>
-          <p:cNvPr id="5" name="Espace réservé du pied de page 4">
-            <a:extLst>
-              <a:ext uri="{FF2B5EF4-FFF2-40B4-BE49-F238E27FC236}">
-                <a16:creationId xmlns:a16="http://schemas.microsoft.com/office/drawing/2014/main" id="{CF2056F4-5D7C-4B5A-8047-17C7A0C2CBB0}"/>
-              </a:ext>
-            </a:extLst>
-          </p:cNvPr>
+          <p:cNvPr id="5" name="Footer Placeholder 4"/>
           <p:cNvSpPr>
             <a:spLocks noGrp="1"/>
           </p:cNvSpPr>
@@ -498,13 +2677,7 @@
       </p:sp>
       <p:sp>
         <p:nvSpPr>
-          <p:cNvPr id="6" name="Espace réservé du numéro de diapositive 5">
-            <a:extLst>
-              <a:ext uri="{FF2B5EF4-FFF2-40B4-BE49-F238E27FC236}">
-                <a16:creationId xmlns:a16="http://schemas.microsoft.com/office/drawing/2014/main" id="{17EBE908-96B2-4D3C-A007-F5660176D4BB}"/>
-              </a:ext>
-            </a:extLst>
-          </p:cNvPr>
+          <p:cNvPr id="6" name="Slide Number Placeholder 5"/>
           <p:cNvSpPr>
             <a:spLocks noGrp="1"/>
           </p:cNvSpPr>
@@ -528,17 +2701,20 @@
     </p:spTree>
     <p:extLst>
       <p:ext uri="{BB962C8B-B14F-4D97-AF65-F5344CB8AC3E}">
-        <p14:creationId xmlns:p14="http://schemas.microsoft.com/office/powerpoint/2010/main" val="3657696595"/>
+        <p14:creationId xmlns:p14="http://schemas.microsoft.com/office/powerpoint/2010/main" val="2225989721"/>
       </p:ext>
     </p:extLst>
   </p:cSld>
   <p:clrMapOvr>
     <a:masterClrMapping/>
   </p:clrMapOvr>
+  <p:transition spd="slow">
+    <p:push dir="u"/>
+  </p:transition>
 </p:sldLayout>
 </file>
 
-<file path=ppt/slideLayouts/slideLayout11.xml><?xml version="1.0" encoding="utf-8"?>
+<file path=ppt/slideLayouts/slideLayout16.xml><?xml version="1.0" encoding="utf-8"?>
 <p:sldLayout xmlns:a="http://schemas.openxmlformats.org/drawingml/2006/main" xmlns:r="http://schemas.openxmlformats.org/officeDocument/2006/relationships" xmlns:p="http://schemas.openxmlformats.org/presentationml/2006/main" type="vertTitleAndTx" preserve="1">
   <p:cSld name="Titre vertical et texte">
     <p:spTree>
@@ -557,13 +2733,7 @@
       </p:grpSpPr>
       <p:sp>
         <p:nvSpPr>
-          <p:cNvPr id="2" name="Titre vertical 1">
-            <a:extLst>
-              <a:ext uri="{FF2B5EF4-FFF2-40B4-BE49-F238E27FC236}">
-                <a16:creationId xmlns:a16="http://schemas.microsoft.com/office/drawing/2014/main" id="{AF84C37A-5DAA-4FB4-BFF7-C783AD5CA2DE}"/>
-              </a:ext>
-            </a:extLst>
-          </p:cNvPr>
+          <p:cNvPr id="2" name="Vertical Title 1"/>
           <p:cNvSpPr>
             <a:spLocks noGrp="1"/>
           </p:cNvSpPr>
@@ -573,30 +2743,25 @@
         </p:nvSpPr>
         <p:spPr>
           <a:xfrm>
-            <a:off x="8724900" y="365125"/>
-            <a:ext cx="2628900" cy="5811838"/>
-          </a:xfrm>
-        </p:spPr>
-        <p:txBody>
-          <a:bodyPr vert="eaVert"/>
+            <a:off x="7967673" y="609599"/>
+            <a:ext cx="1304743" cy="5251451"/>
+          </a:xfrm>
+        </p:spPr>
+        <p:txBody>
+          <a:bodyPr vert="eaVert" anchor="ctr"/>
           <a:lstStyle/>
           <a:p>
             <a:r>
               <a:rPr lang="fr-FR"/>
               <a:t>Modifiez le style du titre</a:t>
             </a:r>
-          </a:p>
-        </p:txBody>
-      </p:sp>
-      <p:sp>
-        <p:nvSpPr>
-          <p:cNvPr id="3" name="Espace réservé du texte vertical 2">
-            <a:extLst>
-              <a:ext uri="{FF2B5EF4-FFF2-40B4-BE49-F238E27FC236}">
-                <a16:creationId xmlns:a16="http://schemas.microsoft.com/office/drawing/2014/main" id="{8BFE2638-BC76-4809-9634-DB7B636C5A5A}"/>
-              </a:ext>
-            </a:extLst>
-          </p:cNvPr>
+            <a:endParaRPr lang="en-US" dirty="0"/>
+          </a:p>
+        </p:txBody>
+      </p:sp>
+      <p:sp>
+        <p:nvSpPr>
+          <p:cNvPr id="3" name="Vertical Text Placeholder 2"/>
           <p:cNvSpPr>
             <a:spLocks noGrp="1"/>
           </p:cNvSpPr>
@@ -606,8 +2771,8 @@
         </p:nvSpPr>
         <p:spPr>
           <a:xfrm>
-            <a:off x="838200" y="365125"/>
-            <a:ext cx="7734300" cy="5811838"/>
+            <a:off x="677335" y="609600"/>
+            <a:ext cx="7060150" cy="5251450"/>
           </a:xfrm>
         </p:spPr>
         <p:txBody>
@@ -647,18 +2812,13 @@
               <a:rPr lang="fr-FR"/>
               <a:t>Cinquième niveau</a:t>
             </a:r>
-          </a:p>
-        </p:txBody>
-      </p:sp>
-      <p:sp>
-        <p:nvSpPr>
-          <p:cNvPr id="4" name="Espace réservé de la date 3">
-            <a:extLst>
-              <a:ext uri="{FF2B5EF4-FFF2-40B4-BE49-F238E27FC236}">
-                <a16:creationId xmlns:a16="http://schemas.microsoft.com/office/drawing/2014/main" id="{AB273EB4-CFA6-4238-BC9E-A494B7558D38}"/>
-              </a:ext>
-            </a:extLst>
-          </p:cNvPr>
+            <a:endParaRPr lang="en-US" dirty="0"/>
+          </a:p>
+        </p:txBody>
+      </p:sp>
+      <p:sp>
+        <p:nvSpPr>
+          <p:cNvPr id="4" name="Date Placeholder 3"/>
           <p:cNvSpPr>
             <a:spLocks noGrp="1"/>
           </p:cNvSpPr>
@@ -673,7 +2833,7 @@
           <a:p>
             <a:fld id="{250AD534-3EBC-48D0-921E-0A4167B28C6B}" type="datetimeFigureOut">
               <a:rPr lang="fr-FR" smtClean="0"/>
-              <a:t>17/12/2020</a:t>
+              <a:t>18/12/2020</a:t>
             </a:fld>
             <a:endParaRPr lang="fr-FR"/>
           </a:p>
@@ -681,13 +2841,7 @@
       </p:sp>
       <p:sp>
         <p:nvSpPr>
-          <p:cNvPr id="5" name="Espace réservé du pied de page 4">
-            <a:extLst>
-              <a:ext uri="{FF2B5EF4-FFF2-40B4-BE49-F238E27FC236}">
-                <a16:creationId xmlns:a16="http://schemas.microsoft.com/office/drawing/2014/main" id="{EDE3A889-0399-403C-99BE-5332FCE3D4ED}"/>
-              </a:ext>
-            </a:extLst>
-          </p:cNvPr>
+          <p:cNvPr id="5" name="Footer Placeholder 4"/>
           <p:cNvSpPr>
             <a:spLocks noGrp="1"/>
           </p:cNvSpPr>
@@ -706,13 +2860,7 @@
       </p:sp>
       <p:sp>
         <p:nvSpPr>
-          <p:cNvPr id="6" name="Espace réservé du numéro de diapositive 5">
-            <a:extLst>
-              <a:ext uri="{FF2B5EF4-FFF2-40B4-BE49-F238E27FC236}">
-                <a16:creationId xmlns:a16="http://schemas.microsoft.com/office/drawing/2014/main" id="{B58F52F3-CA60-4BD8-A3E0-FBF3726E489C}"/>
-              </a:ext>
-            </a:extLst>
-          </p:cNvPr>
+          <p:cNvPr id="6" name="Slide Number Placeholder 5"/>
           <p:cNvSpPr>
             <a:spLocks noGrp="1"/>
           </p:cNvSpPr>
@@ -736,13 +2884,16 @@
     </p:spTree>
     <p:extLst>
       <p:ext uri="{BB962C8B-B14F-4D97-AF65-F5344CB8AC3E}">
-        <p14:creationId xmlns:p14="http://schemas.microsoft.com/office/powerpoint/2010/main" val="4250739817"/>
+        <p14:creationId xmlns:p14="http://schemas.microsoft.com/office/powerpoint/2010/main" val="364539627"/>
       </p:ext>
     </p:extLst>
   </p:cSld>
   <p:clrMapOvr>
     <a:masterClrMapping/>
   </p:clrMapOvr>
+  <p:transition spd="slow">
+    <p:push dir="u"/>
+  </p:transition>
 </p:sldLayout>
 </file>
 
@@ -765,13 +2916,7 @@
       </p:grpSpPr>
       <p:sp>
         <p:nvSpPr>
-          <p:cNvPr id="2" name="Titre 1">
-            <a:extLst>
-              <a:ext uri="{FF2B5EF4-FFF2-40B4-BE49-F238E27FC236}">
-                <a16:creationId xmlns:a16="http://schemas.microsoft.com/office/drawing/2014/main" id="{681C3A18-FB4C-446C-B2AB-7419F568DCD7}"/>
-              </a:ext>
-            </a:extLst>
-          </p:cNvPr>
+          <p:cNvPr id="2" name="Title 1"/>
           <p:cNvSpPr>
             <a:spLocks noGrp="1"/>
           </p:cNvSpPr>
@@ -788,18 +2933,13 @@
               <a:rPr lang="fr-FR"/>
               <a:t>Modifiez le style du titre</a:t>
             </a:r>
-          </a:p>
-        </p:txBody>
-      </p:sp>
-      <p:sp>
-        <p:nvSpPr>
-          <p:cNvPr id="3" name="Espace réservé du contenu 2">
-            <a:extLst>
-              <a:ext uri="{FF2B5EF4-FFF2-40B4-BE49-F238E27FC236}">
-                <a16:creationId xmlns:a16="http://schemas.microsoft.com/office/drawing/2014/main" id="{B0617DAE-E269-4088-A439-4F5CA4649C13}"/>
-              </a:ext>
-            </a:extLst>
-          </p:cNvPr>
+            <a:endParaRPr lang="en-US" dirty="0"/>
+          </a:p>
+        </p:txBody>
+      </p:sp>
+      <p:sp>
+        <p:nvSpPr>
+          <p:cNvPr id="3" name="Content Placeholder 2"/>
           <p:cNvSpPr>
             <a:spLocks noGrp="1"/>
           </p:cNvSpPr>
@@ -845,18 +2985,13 @@
               <a:rPr lang="fr-FR"/>
               <a:t>Cinquième niveau</a:t>
             </a:r>
-          </a:p>
-        </p:txBody>
-      </p:sp>
-      <p:sp>
-        <p:nvSpPr>
-          <p:cNvPr id="4" name="Espace réservé de la date 3">
-            <a:extLst>
-              <a:ext uri="{FF2B5EF4-FFF2-40B4-BE49-F238E27FC236}">
-                <a16:creationId xmlns:a16="http://schemas.microsoft.com/office/drawing/2014/main" id="{088E5EEA-68A1-469E-8AD0-60951BD45506}"/>
-              </a:ext>
-            </a:extLst>
-          </p:cNvPr>
+            <a:endParaRPr lang="en-US" dirty="0"/>
+          </a:p>
+        </p:txBody>
+      </p:sp>
+      <p:sp>
+        <p:nvSpPr>
+          <p:cNvPr id="4" name="Date Placeholder 3"/>
           <p:cNvSpPr>
             <a:spLocks noGrp="1"/>
           </p:cNvSpPr>
@@ -871,7 +3006,7 @@
           <a:p>
             <a:fld id="{250AD534-3EBC-48D0-921E-0A4167B28C6B}" type="datetimeFigureOut">
               <a:rPr lang="fr-FR" smtClean="0"/>
-              <a:t>17/12/2020</a:t>
+              <a:t>18/12/2020</a:t>
             </a:fld>
             <a:endParaRPr lang="fr-FR"/>
           </a:p>
@@ -879,13 +3014,7 @@
       </p:sp>
       <p:sp>
         <p:nvSpPr>
-          <p:cNvPr id="5" name="Espace réservé du pied de page 4">
-            <a:extLst>
-              <a:ext uri="{FF2B5EF4-FFF2-40B4-BE49-F238E27FC236}">
-                <a16:creationId xmlns:a16="http://schemas.microsoft.com/office/drawing/2014/main" id="{C38B6747-001B-4625-934F-5B5B033DF603}"/>
-              </a:ext>
-            </a:extLst>
-          </p:cNvPr>
+          <p:cNvPr id="5" name="Footer Placeholder 4"/>
           <p:cNvSpPr>
             <a:spLocks noGrp="1"/>
           </p:cNvSpPr>
@@ -904,13 +3033,7 @@
       </p:sp>
       <p:sp>
         <p:nvSpPr>
-          <p:cNvPr id="6" name="Espace réservé du numéro de diapositive 5">
-            <a:extLst>
-              <a:ext uri="{FF2B5EF4-FFF2-40B4-BE49-F238E27FC236}">
-                <a16:creationId xmlns:a16="http://schemas.microsoft.com/office/drawing/2014/main" id="{1862BB52-9136-4F3A-8165-020329206EE9}"/>
-              </a:ext>
-            </a:extLst>
-          </p:cNvPr>
+          <p:cNvPr id="6" name="Slide Number Placeholder 5"/>
           <p:cNvSpPr>
             <a:spLocks noGrp="1"/>
           </p:cNvSpPr>
@@ -934,13 +3057,16 @@
     </p:spTree>
     <p:extLst>
       <p:ext uri="{BB962C8B-B14F-4D97-AF65-F5344CB8AC3E}">
-        <p14:creationId xmlns:p14="http://schemas.microsoft.com/office/powerpoint/2010/main" val="3144581923"/>
+        <p14:creationId xmlns:p14="http://schemas.microsoft.com/office/powerpoint/2010/main" val="699808584"/>
       </p:ext>
     </p:extLst>
   </p:cSld>
   <p:clrMapOvr>
     <a:masterClrMapping/>
   </p:clrMapOvr>
+  <p:transition spd="slow">
+    <p:push dir="u"/>
+  </p:transition>
 </p:sldLayout>
 </file>
 
@@ -963,13 +3089,7 @@
       </p:grpSpPr>
       <p:sp>
         <p:nvSpPr>
-          <p:cNvPr id="2" name="Titre 1">
-            <a:extLst>
-              <a:ext uri="{FF2B5EF4-FFF2-40B4-BE49-F238E27FC236}">
-                <a16:creationId xmlns:a16="http://schemas.microsoft.com/office/drawing/2014/main" id="{37392BA9-A110-4FB1-A161-B4E07C5FEB2F}"/>
-              </a:ext>
-            </a:extLst>
-          </p:cNvPr>
+          <p:cNvPr id="2" name="Title 1"/>
           <p:cNvSpPr>
             <a:spLocks noGrp="1"/>
           </p:cNvSpPr>
@@ -979,15 +3099,15 @@
         </p:nvSpPr>
         <p:spPr>
           <a:xfrm>
-            <a:off x="831850" y="1709738"/>
-            <a:ext cx="10515600" cy="2852737"/>
+            <a:off x="677335" y="2700867"/>
+            <a:ext cx="8596668" cy="1826581"/>
           </a:xfrm>
         </p:spPr>
         <p:txBody>
           <a:bodyPr anchor="b"/>
           <a:lstStyle>
-            <a:lvl1pPr>
-              <a:defRPr sz="6000"/>
+            <a:lvl1pPr algn="l">
+              <a:defRPr sz="4000" b="0" cap="none"/>
             </a:lvl1pPr>
           </a:lstStyle>
           <a:p>
@@ -995,18 +3115,13 @@
               <a:rPr lang="fr-FR"/>
               <a:t>Modifiez le style du titre</a:t>
             </a:r>
-          </a:p>
-        </p:txBody>
-      </p:sp>
-      <p:sp>
-        <p:nvSpPr>
-          <p:cNvPr id="3" name="Espace réservé du texte 2">
-            <a:extLst>
-              <a:ext uri="{FF2B5EF4-FFF2-40B4-BE49-F238E27FC236}">
-                <a16:creationId xmlns:a16="http://schemas.microsoft.com/office/drawing/2014/main" id="{B014DBCB-F7D7-4528-8010-B22003D741FE}"/>
-              </a:ext>
-            </a:extLst>
-          </p:cNvPr>
+            <a:endParaRPr lang="en-US" dirty="0"/>
+          </a:p>
+        </p:txBody>
+      </p:sp>
+      <p:sp>
+        <p:nvSpPr>
+          <p:cNvPr id="3" name="Text Placeholder 2"/>
           <p:cNvSpPr>
             <a:spLocks noGrp="1"/>
           </p:cNvSpPr>
@@ -1016,26 +3131,27 @@
         </p:nvSpPr>
         <p:spPr>
           <a:xfrm>
-            <a:off x="831850" y="4589463"/>
-            <a:ext cx="10515600" cy="1500187"/>
-          </a:xfrm>
-        </p:spPr>
-        <p:txBody>
-          <a:bodyPr/>
+            <a:off x="677335" y="4527448"/>
+            <a:ext cx="8596668" cy="860400"/>
+          </a:xfrm>
+        </p:spPr>
+        <p:txBody>
+          <a:bodyPr anchor="t"/>
           <a:lstStyle>
-            <a:lvl1pPr marL="0" indent="0">
-              <a:buNone/>
-              <a:defRPr sz="2400">
+            <a:lvl1pPr marL="0" indent="0" algn="l">
+              <a:buNone/>
+              <a:defRPr sz="2000">
                 <a:solidFill>
                   <a:schemeClr val="tx1">
-                    <a:tint val="75000"/>
+                    <a:lumMod val="50000"/>
+                    <a:lumOff val="50000"/>
                   </a:schemeClr>
                 </a:solidFill>
               </a:defRPr>
             </a:lvl1pPr>
             <a:lvl2pPr marL="457200" indent="0">
               <a:buNone/>
-              <a:defRPr sz="2000">
+              <a:defRPr sz="1800">
                 <a:solidFill>
                   <a:schemeClr val="tx1">
                     <a:tint val="75000"/>
@@ -1045,7 +3161,7 @@
             </a:lvl2pPr>
             <a:lvl3pPr marL="914400" indent="0">
               <a:buNone/>
-              <a:defRPr sz="1800">
+              <a:defRPr sz="1600">
                 <a:solidFill>
                   <a:schemeClr val="tx1">
                     <a:tint val="75000"/>
@@ -1055,7 +3171,7 @@
             </a:lvl3pPr>
             <a:lvl4pPr marL="1371600" indent="0">
               <a:buNone/>
-              <a:defRPr sz="1600">
+              <a:defRPr sz="1400">
                 <a:solidFill>
                   <a:schemeClr val="tx1">
                     <a:tint val="75000"/>
@@ -1065,7 +3181,7 @@
             </a:lvl4pPr>
             <a:lvl5pPr marL="1828800" indent="0">
               <a:buNone/>
-              <a:defRPr sz="1600">
+              <a:defRPr sz="1400">
                 <a:solidFill>
                   <a:schemeClr val="tx1">
                     <a:tint val="75000"/>
@@ -1075,7 +3191,7 @@
             </a:lvl5pPr>
             <a:lvl6pPr marL="2286000" indent="0">
               <a:buNone/>
-              <a:defRPr sz="1600">
+              <a:defRPr sz="1400">
                 <a:solidFill>
                   <a:schemeClr val="tx1">
                     <a:tint val="75000"/>
@@ -1085,7 +3201,7 @@
             </a:lvl6pPr>
             <a:lvl7pPr marL="2743200" indent="0">
               <a:buNone/>
-              <a:defRPr sz="1600">
+              <a:defRPr sz="1400">
                 <a:solidFill>
                   <a:schemeClr val="tx1">
                     <a:tint val="75000"/>
@@ -1095,7 +3211,7 @@
             </a:lvl7pPr>
             <a:lvl8pPr marL="3200400" indent="0">
               <a:buNone/>
-              <a:defRPr sz="1600">
+              <a:defRPr sz="1400">
                 <a:solidFill>
                   <a:schemeClr val="tx1">
                     <a:tint val="75000"/>
@@ -1105,7 +3221,7 @@
             </a:lvl8pPr>
             <a:lvl9pPr marL="3657600" indent="0">
               <a:buNone/>
-              <a:defRPr sz="1600">
+              <a:defRPr sz="1400">
                 <a:solidFill>
                   <a:schemeClr val="tx1">
                     <a:tint val="75000"/>
@@ -1125,13 +3241,7 @@
       </p:sp>
       <p:sp>
         <p:nvSpPr>
-          <p:cNvPr id="4" name="Espace réservé de la date 3">
-            <a:extLst>
-              <a:ext uri="{FF2B5EF4-FFF2-40B4-BE49-F238E27FC236}">
-                <a16:creationId xmlns:a16="http://schemas.microsoft.com/office/drawing/2014/main" id="{B3CF5345-0212-4607-B687-7DAFFF42BB18}"/>
-              </a:ext>
-            </a:extLst>
-          </p:cNvPr>
+          <p:cNvPr id="4" name="Date Placeholder 3"/>
           <p:cNvSpPr>
             <a:spLocks noGrp="1"/>
           </p:cNvSpPr>
@@ -1146,7 +3256,7 @@
           <a:p>
             <a:fld id="{250AD534-3EBC-48D0-921E-0A4167B28C6B}" type="datetimeFigureOut">
               <a:rPr lang="fr-FR" smtClean="0"/>
-              <a:t>17/12/2020</a:t>
+              <a:t>18/12/2020</a:t>
             </a:fld>
             <a:endParaRPr lang="fr-FR"/>
           </a:p>
@@ -1154,13 +3264,7 @@
       </p:sp>
       <p:sp>
         <p:nvSpPr>
-          <p:cNvPr id="5" name="Espace réservé du pied de page 4">
-            <a:extLst>
-              <a:ext uri="{FF2B5EF4-FFF2-40B4-BE49-F238E27FC236}">
-                <a16:creationId xmlns:a16="http://schemas.microsoft.com/office/drawing/2014/main" id="{9AD50B1D-0CBF-4962-AB26-3ADCC55B9592}"/>
-              </a:ext>
-            </a:extLst>
-          </p:cNvPr>
+          <p:cNvPr id="5" name="Footer Placeholder 4"/>
           <p:cNvSpPr>
             <a:spLocks noGrp="1"/>
           </p:cNvSpPr>
@@ -1179,13 +3283,7 @@
       </p:sp>
       <p:sp>
         <p:nvSpPr>
-          <p:cNvPr id="6" name="Espace réservé du numéro de diapositive 5">
-            <a:extLst>
-              <a:ext uri="{FF2B5EF4-FFF2-40B4-BE49-F238E27FC236}">
-                <a16:creationId xmlns:a16="http://schemas.microsoft.com/office/drawing/2014/main" id="{97F69667-3DD2-4C4E-9AE6-F97D758BA94B}"/>
-              </a:ext>
-            </a:extLst>
-          </p:cNvPr>
+          <p:cNvPr id="6" name="Slide Number Placeholder 5"/>
           <p:cNvSpPr>
             <a:spLocks noGrp="1"/>
           </p:cNvSpPr>
@@ -1209,13 +3307,16 @@
     </p:spTree>
     <p:extLst>
       <p:ext uri="{BB962C8B-B14F-4D97-AF65-F5344CB8AC3E}">
-        <p14:creationId xmlns:p14="http://schemas.microsoft.com/office/powerpoint/2010/main" val="1001409471"/>
+        <p14:creationId xmlns:p14="http://schemas.microsoft.com/office/powerpoint/2010/main" val="1126078290"/>
       </p:ext>
     </p:extLst>
   </p:cSld>
   <p:clrMapOvr>
     <a:masterClrMapping/>
   </p:clrMapOvr>
+  <p:transition spd="slow">
+    <p:push dir="u"/>
+  </p:transition>
 </p:sldLayout>
 </file>
 
@@ -1238,13 +3339,7 @@
       </p:grpSpPr>
       <p:sp>
         <p:nvSpPr>
-          <p:cNvPr id="2" name="Titre 1">
-            <a:extLst>
-              <a:ext uri="{FF2B5EF4-FFF2-40B4-BE49-F238E27FC236}">
-                <a16:creationId xmlns:a16="http://schemas.microsoft.com/office/drawing/2014/main" id="{B5C48E6E-64BB-48FA-8D44-E2A26C3E0ACE}"/>
-              </a:ext>
-            </a:extLst>
-          </p:cNvPr>
+          <p:cNvPr id="2" name="Title 1"/>
           <p:cNvSpPr>
             <a:spLocks noGrp="1"/>
           </p:cNvSpPr>
@@ -1261,18 +3356,13 @@
               <a:rPr lang="fr-FR"/>
               <a:t>Modifiez le style du titre</a:t>
             </a:r>
-          </a:p>
-        </p:txBody>
-      </p:sp>
-      <p:sp>
-        <p:nvSpPr>
-          <p:cNvPr id="3" name="Espace réservé du contenu 2">
-            <a:extLst>
-              <a:ext uri="{FF2B5EF4-FFF2-40B4-BE49-F238E27FC236}">
-                <a16:creationId xmlns:a16="http://schemas.microsoft.com/office/drawing/2014/main" id="{0AA18E06-5691-46E7-A829-E86DB012E33F}"/>
-              </a:ext>
-            </a:extLst>
-          </p:cNvPr>
+            <a:endParaRPr lang="en-US" dirty="0"/>
+          </a:p>
+        </p:txBody>
+      </p:sp>
+      <p:sp>
+        <p:nvSpPr>
+          <p:cNvPr id="3" name="Content Placeholder 2"/>
           <p:cNvSpPr>
             <a:spLocks noGrp="1"/>
           </p:cNvSpPr>
@@ -1282,8 +3372,8 @@
         </p:nvSpPr>
         <p:spPr>
           <a:xfrm>
-            <a:off x="838200" y="1825625"/>
-            <a:ext cx="5181600" cy="4351338"/>
+            <a:off x="677334" y="2160589"/>
+            <a:ext cx="4184035" cy="3880772"/>
           </a:xfrm>
         </p:spPr>
         <p:txBody>
@@ -1323,18 +3413,13 @@
               <a:rPr lang="fr-FR"/>
               <a:t>Cinquième niveau</a:t>
             </a:r>
-          </a:p>
-        </p:txBody>
-      </p:sp>
-      <p:sp>
-        <p:nvSpPr>
-          <p:cNvPr id="4" name="Espace réservé du contenu 3">
-            <a:extLst>
-              <a:ext uri="{FF2B5EF4-FFF2-40B4-BE49-F238E27FC236}">
-                <a16:creationId xmlns:a16="http://schemas.microsoft.com/office/drawing/2014/main" id="{56E89FE3-3648-4A82-8125-A704EEFF89D6}"/>
-              </a:ext>
-            </a:extLst>
-          </p:cNvPr>
+            <a:endParaRPr lang="en-US" dirty="0"/>
+          </a:p>
+        </p:txBody>
+      </p:sp>
+      <p:sp>
+        <p:nvSpPr>
+          <p:cNvPr id="4" name="Content Placeholder 3"/>
           <p:cNvSpPr>
             <a:spLocks noGrp="1"/>
           </p:cNvSpPr>
@@ -1344,8 +3429,8 @@
         </p:nvSpPr>
         <p:spPr>
           <a:xfrm>
-            <a:off x="6172200" y="1825625"/>
-            <a:ext cx="5181600" cy="4351338"/>
+            <a:off x="5089970" y="2160589"/>
+            <a:ext cx="4184034" cy="3880773"/>
           </a:xfrm>
         </p:spPr>
         <p:txBody>
@@ -1385,18 +3470,13 @@
               <a:rPr lang="fr-FR"/>
               <a:t>Cinquième niveau</a:t>
             </a:r>
-          </a:p>
-        </p:txBody>
-      </p:sp>
-      <p:sp>
-        <p:nvSpPr>
-          <p:cNvPr id="5" name="Espace réservé de la date 4">
-            <a:extLst>
-              <a:ext uri="{FF2B5EF4-FFF2-40B4-BE49-F238E27FC236}">
-                <a16:creationId xmlns:a16="http://schemas.microsoft.com/office/drawing/2014/main" id="{B7D344D6-7929-4648-8E7C-A950B4C89BFD}"/>
-              </a:ext>
-            </a:extLst>
-          </p:cNvPr>
+            <a:endParaRPr lang="en-US" dirty="0"/>
+          </a:p>
+        </p:txBody>
+      </p:sp>
+      <p:sp>
+        <p:nvSpPr>
+          <p:cNvPr id="5" name="Date Placeholder 4"/>
           <p:cNvSpPr>
             <a:spLocks noGrp="1"/>
           </p:cNvSpPr>
@@ -1411,7 +3491,7 @@
           <a:p>
             <a:fld id="{250AD534-3EBC-48D0-921E-0A4167B28C6B}" type="datetimeFigureOut">
               <a:rPr lang="fr-FR" smtClean="0"/>
-              <a:t>17/12/2020</a:t>
+              <a:t>18/12/2020</a:t>
             </a:fld>
             <a:endParaRPr lang="fr-FR"/>
           </a:p>
@@ -1419,13 +3499,7 @@
       </p:sp>
       <p:sp>
         <p:nvSpPr>
-          <p:cNvPr id="6" name="Espace réservé du pied de page 5">
-            <a:extLst>
-              <a:ext uri="{FF2B5EF4-FFF2-40B4-BE49-F238E27FC236}">
-                <a16:creationId xmlns:a16="http://schemas.microsoft.com/office/drawing/2014/main" id="{66F9FC8F-78B6-4E37-AB5E-023BEE55E205}"/>
-              </a:ext>
-            </a:extLst>
-          </p:cNvPr>
+          <p:cNvPr id="6" name="Footer Placeholder 5"/>
           <p:cNvSpPr>
             <a:spLocks noGrp="1"/>
           </p:cNvSpPr>
@@ -1444,13 +3518,7 @@
       </p:sp>
       <p:sp>
         <p:nvSpPr>
-          <p:cNvPr id="7" name="Espace réservé du numéro de diapositive 6">
-            <a:extLst>
-              <a:ext uri="{FF2B5EF4-FFF2-40B4-BE49-F238E27FC236}">
-                <a16:creationId xmlns:a16="http://schemas.microsoft.com/office/drawing/2014/main" id="{B902AFCB-0BB8-46B1-BBF0-C632B55326D6}"/>
-              </a:ext>
-            </a:extLst>
-          </p:cNvPr>
+          <p:cNvPr id="7" name="Slide Number Placeholder 6"/>
           <p:cNvSpPr>
             <a:spLocks noGrp="1"/>
           </p:cNvSpPr>
@@ -1474,13 +3542,16 @@
     </p:spTree>
     <p:extLst>
       <p:ext uri="{BB962C8B-B14F-4D97-AF65-F5344CB8AC3E}">
-        <p14:creationId xmlns:p14="http://schemas.microsoft.com/office/powerpoint/2010/main" val="1484116180"/>
+        <p14:creationId xmlns:p14="http://schemas.microsoft.com/office/powerpoint/2010/main" val="1902220522"/>
       </p:ext>
     </p:extLst>
   </p:cSld>
   <p:clrMapOvr>
     <a:masterClrMapping/>
   </p:clrMapOvr>
+  <p:transition spd="slow">
+    <p:push dir="u"/>
+  </p:transition>
 </p:sldLayout>
 </file>
 
@@ -1503,13 +3574,7 @@
       </p:grpSpPr>
       <p:sp>
         <p:nvSpPr>
-          <p:cNvPr id="2" name="Titre 1">
-            <a:extLst>
-              <a:ext uri="{FF2B5EF4-FFF2-40B4-BE49-F238E27FC236}">
-                <a16:creationId xmlns:a16="http://schemas.microsoft.com/office/drawing/2014/main" id="{B8EF4FEA-DA1E-4E32-9603-20F0381CC9C2}"/>
-              </a:ext>
-            </a:extLst>
-          </p:cNvPr>
+          <p:cNvPr id="2" name="Title 1"/>
           <p:cNvSpPr>
             <a:spLocks noGrp="1"/>
           </p:cNvSpPr>
@@ -1517,32 +3582,26 @@
             <p:ph type="title"/>
           </p:nvPr>
         </p:nvSpPr>
-        <p:spPr>
-          <a:xfrm>
-            <a:off x="839788" y="365125"/>
-            <a:ext cx="10515600" cy="1325563"/>
-          </a:xfrm>
-        </p:spPr>
+        <p:spPr/>
         <p:txBody>
           <a:bodyPr/>
-          <a:lstStyle/>
+          <a:lstStyle>
+            <a:lvl1pPr>
+              <a:defRPr/>
+            </a:lvl1pPr>
+          </a:lstStyle>
           <a:p>
             <a:r>
               <a:rPr lang="fr-FR"/>
               <a:t>Modifiez le style du titre</a:t>
             </a:r>
-          </a:p>
-        </p:txBody>
-      </p:sp>
-      <p:sp>
-        <p:nvSpPr>
-          <p:cNvPr id="3" name="Espace réservé du texte 2">
-            <a:extLst>
-              <a:ext uri="{FF2B5EF4-FFF2-40B4-BE49-F238E27FC236}">
-                <a16:creationId xmlns:a16="http://schemas.microsoft.com/office/drawing/2014/main" id="{7232EB38-7170-4593-8485-8072D73BD1D6}"/>
-              </a:ext>
-            </a:extLst>
-          </p:cNvPr>
+            <a:endParaRPr lang="en-US" dirty="0"/>
+          </a:p>
+        </p:txBody>
+      </p:sp>
+      <p:sp>
+        <p:nvSpPr>
+          <p:cNvPr id="3" name="Text Placeholder 2"/>
           <p:cNvSpPr>
             <a:spLocks noGrp="1"/>
           </p:cNvSpPr>
@@ -1552,16 +3611,18 @@
         </p:nvSpPr>
         <p:spPr>
           <a:xfrm>
-            <a:off x="839788" y="1681163"/>
-            <a:ext cx="5157787" cy="823912"/>
-          </a:xfrm>
-        </p:spPr>
-        <p:txBody>
-          <a:bodyPr anchor="b"/>
+            <a:off x="675745" y="2160983"/>
+            <a:ext cx="4185623" cy="576262"/>
+          </a:xfrm>
+        </p:spPr>
+        <p:txBody>
+          <a:bodyPr anchor="b">
+            <a:noAutofit/>
+          </a:bodyPr>
           <a:lstStyle>
             <a:lvl1pPr marL="0" indent="0">
               <a:buNone/>
-              <a:defRPr sz="2400" b="1"/>
+              <a:defRPr sz="2400" b="0"/>
             </a:lvl1pPr>
             <a:lvl2pPr marL="457200" indent="0">
               <a:buNone/>
@@ -1607,13 +3668,7 @@
       </p:sp>
       <p:sp>
         <p:nvSpPr>
-          <p:cNvPr id="4" name="Espace réservé du contenu 3">
-            <a:extLst>
-              <a:ext uri="{FF2B5EF4-FFF2-40B4-BE49-F238E27FC236}">
-                <a16:creationId xmlns:a16="http://schemas.microsoft.com/office/drawing/2014/main" id="{FC5BF7D8-47CD-4E3E-B4EE-D21A32AD4278}"/>
-              </a:ext>
-            </a:extLst>
-          </p:cNvPr>
+          <p:cNvPr id="4" name="Content Placeholder 3"/>
           <p:cNvSpPr>
             <a:spLocks noGrp="1"/>
           </p:cNvSpPr>
@@ -1623,12 +3678,14 @@
         </p:nvSpPr>
         <p:spPr>
           <a:xfrm>
-            <a:off x="839788" y="2505075"/>
-            <a:ext cx="5157787" cy="3684588"/>
-          </a:xfrm>
-        </p:spPr>
-        <p:txBody>
-          <a:bodyPr/>
+            <a:off x="675745" y="2737245"/>
+            <a:ext cx="4185623" cy="3304117"/>
+          </a:xfrm>
+        </p:spPr>
+        <p:txBody>
+          <a:bodyPr>
+            <a:normAutofit/>
+          </a:bodyPr>
           <a:lstStyle/>
           <a:p>
             <a:pPr lvl="0"/>
@@ -1664,18 +3721,13 @@
               <a:rPr lang="fr-FR"/>
               <a:t>Cinquième niveau</a:t>
             </a:r>
-          </a:p>
-        </p:txBody>
-      </p:sp>
-      <p:sp>
-        <p:nvSpPr>
-          <p:cNvPr id="5" name="Espace réservé du texte 4">
-            <a:extLst>
-              <a:ext uri="{FF2B5EF4-FFF2-40B4-BE49-F238E27FC236}">
-                <a16:creationId xmlns:a16="http://schemas.microsoft.com/office/drawing/2014/main" id="{B808E93F-E439-4787-BBAA-E3F98139F7DE}"/>
-              </a:ext>
-            </a:extLst>
-          </p:cNvPr>
+            <a:endParaRPr lang="en-US" dirty="0"/>
+          </a:p>
+        </p:txBody>
+      </p:sp>
+      <p:sp>
+        <p:nvSpPr>
+          <p:cNvPr id="5" name="Text Placeholder 4"/>
           <p:cNvSpPr>
             <a:spLocks noGrp="1"/>
           </p:cNvSpPr>
@@ -1685,16 +3737,18 @@
         </p:nvSpPr>
         <p:spPr>
           <a:xfrm>
-            <a:off x="6172200" y="1681163"/>
-            <a:ext cx="5183188" cy="823912"/>
-          </a:xfrm>
-        </p:spPr>
-        <p:txBody>
-          <a:bodyPr anchor="b"/>
+            <a:off x="5088383" y="2160983"/>
+            <a:ext cx="4185618" cy="576262"/>
+          </a:xfrm>
+        </p:spPr>
+        <p:txBody>
+          <a:bodyPr anchor="b">
+            <a:noAutofit/>
+          </a:bodyPr>
           <a:lstStyle>
             <a:lvl1pPr marL="0" indent="0">
               <a:buNone/>
-              <a:defRPr sz="2400" b="1"/>
+              <a:defRPr sz="2400" b="0"/>
             </a:lvl1pPr>
             <a:lvl2pPr marL="457200" indent="0">
               <a:buNone/>
@@ -1740,13 +3794,7 @@
       </p:sp>
       <p:sp>
         <p:nvSpPr>
-          <p:cNvPr id="6" name="Espace réservé du contenu 5">
-            <a:extLst>
-              <a:ext uri="{FF2B5EF4-FFF2-40B4-BE49-F238E27FC236}">
-                <a16:creationId xmlns:a16="http://schemas.microsoft.com/office/drawing/2014/main" id="{F4907AC0-9F63-4FE3-ABC9-8D2EDC78F4B5}"/>
-              </a:ext>
-            </a:extLst>
-          </p:cNvPr>
+          <p:cNvPr id="6" name="Content Placeholder 5"/>
           <p:cNvSpPr>
             <a:spLocks noGrp="1"/>
           </p:cNvSpPr>
@@ -1756,12 +3804,14 @@
         </p:nvSpPr>
         <p:spPr>
           <a:xfrm>
-            <a:off x="6172200" y="2505075"/>
-            <a:ext cx="5183188" cy="3684588"/>
-          </a:xfrm>
-        </p:spPr>
-        <p:txBody>
-          <a:bodyPr/>
+            <a:off x="5088384" y="2737245"/>
+            <a:ext cx="4185617" cy="3304117"/>
+          </a:xfrm>
+        </p:spPr>
+        <p:txBody>
+          <a:bodyPr>
+            <a:normAutofit/>
+          </a:bodyPr>
           <a:lstStyle/>
           <a:p>
             <a:pPr lvl="0"/>
@@ -1797,18 +3847,13 @@
               <a:rPr lang="fr-FR"/>
               <a:t>Cinquième niveau</a:t>
             </a:r>
-          </a:p>
-        </p:txBody>
-      </p:sp>
-      <p:sp>
-        <p:nvSpPr>
-          <p:cNvPr id="7" name="Espace réservé de la date 6">
-            <a:extLst>
-              <a:ext uri="{FF2B5EF4-FFF2-40B4-BE49-F238E27FC236}">
-                <a16:creationId xmlns:a16="http://schemas.microsoft.com/office/drawing/2014/main" id="{787E38F8-10E3-4C1D-A2D6-2B84CB09F580}"/>
-              </a:ext>
-            </a:extLst>
-          </p:cNvPr>
+            <a:endParaRPr lang="en-US" dirty="0"/>
+          </a:p>
+        </p:txBody>
+      </p:sp>
+      <p:sp>
+        <p:nvSpPr>
+          <p:cNvPr id="7" name="Date Placeholder 6"/>
           <p:cNvSpPr>
             <a:spLocks noGrp="1"/>
           </p:cNvSpPr>
@@ -1823,7 +3868,7 @@
           <a:p>
             <a:fld id="{250AD534-3EBC-48D0-921E-0A4167B28C6B}" type="datetimeFigureOut">
               <a:rPr lang="fr-FR" smtClean="0"/>
-              <a:t>17/12/2020</a:t>
+              <a:t>18/12/2020</a:t>
             </a:fld>
             <a:endParaRPr lang="fr-FR"/>
           </a:p>
@@ -1831,13 +3876,7 @@
       </p:sp>
       <p:sp>
         <p:nvSpPr>
-          <p:cNvPr id="8" name="Espace réservé du pied de page 7">
-            <a:extLst>
-              <a:ext uri="{FF2B5EF4-FFF2-40B4-BE49-F238E27FC236}">
-                <a16:creationId xmlns:a16="http://schemas.microsoft.com/office/drawing/2014/main" id="{D7D6B4ED-F4E4-4F51-B028-5B3B324EAC54}"/>
-              </a:ext>
-            </a:extLst>
-          </p:cNvPr>
+          <p:cNvPr id="8" name="Footer Placeholder 7"/>
           <p:cNvSpPr>
             <a:spLocks noGrp="1"/>
           </p:cNvSpPr>
@@ -1856,13 +3895,7 @@
       </p:sp>
       <p:sp>
         <p:nvSpPr>
-          <p:cNvPr id="9" name="Espace réservé du numéro de diapositive 8">
-            <a:extLst>
-              <a:ext uri="{FF2B5EF4-FFF2-40B4-BE49-F238E27FC236}">
-                <a16:creationId xmlns:a16="http://schemas.microsoft.com/office/drawing/2014/main" id="{62FD4926-C7E3-43E4-BB2C-9E749D84B479}"/>
-              </a:ext>
-            </a:extLst>
-          </p:cNvPr>
+          <p:cNvPr id="9" name="Slide Number Placeholder 8"/>
           <p:cNvSpPr>
             <a:spLocks noGrp="1"/>
           </p:cNvSpPr>
@@ -1886,13 +3919,16 @@
     </p:spTree>
     <p:extLst>
       <p:ext uri="{BB962C8B-B14F-4D97-AF65-F5344CB8AC3E}">
-        <p14:creationId xmlns:p14="http://schemas.microsoft.com/office/powerpoint/2010/main" val="3842757199"/>
+        <p14:creationId xmlns:p14="http://schemas.microsoft.com/office/powerpoint/2010/main" val="3163259905"/>
       </p:ext>
     </p:extLst>
   </p:cSld>
   <p:clrMapOvr>
     <a:masterClrMapping/>
   </p:clrMapOvr>
+  <p:transition spd="slow">
+    <p:push dir="u"/>
+  </p:transition>
 </p:sldLayout>
 </file>
 
@@ -1915,13 +3951,7 @@
       </p:grpSpPr>
       <p:sp>
         <p:nvSpPr>
-          <p:cNvPr id="2" name="Titre 1">
-            <a:extLst>
-              <a:ext uri="{FF2B5EF4-FFF2-40B4-BE49-F238E27FC236}">
-                <a16:creationId xmlns:a16="http://schemas.microsoft.com/office/drawing/2014/main" id="{D14424A7-4256-4FF8-A805-9EDAC2578EAB}"/>
-              </a:ext>
-            </a:extLst>
-          </p:cNvPr>
+          <p:cNvPr id="2" name="Title 1"/>
           <p:cNvSpPr>
             <a:spLocks noGrp="1"/>
           </p:cNvSpPr>
@@ -1929,7 +3959,12 @@
             <p:ph type="title"/>
           </p:nvPr>
         </p:nvSpPr>
-        <p:spPr/>
+        <p:spPr>
+          <a:xfrm>
+            <a:off x="677334" y="609600"/>
+            <a:ext cx="8596668" cy="1320800"/>
+          </a:xfrm>
+        </p:spPr>
         <p:txBody>
           <a:bodyPr/>
           <a:lstStyle/>
@@ -1938,18 +3973,13 @@
               <a:rPr lang="fr-FR"/>
               <a:t>Modifiez le style du titre</a:t>
             </a:r>
-          </a:p>
-        </p:txBody>
-      </p:sp>
-      <p:sp>
-        <p:nvSpPr>
-          <p:cNvPr id="3" name="Espace réservé de la date 2">
-            <a:extLst>
-              <a:ext uri="{FF2B5EF4-FFF2-40B4-BE49-F238E27FC236}">
-                <a16:creationId xmlns:a16="http://schemas.microsoft.com/office/drawing/2014/main" id="{A467A3B3-09EC-4E4A-AA1C-8565CFF7A546}"/>
-              </a:ext>
-            </a:extLst>
-          </p:cNvPr>
+            <a:endParaRPr lang="en-US" dirty="0"/>
+          </a:p>
+        </p:txBody>
+      </p:sp>
+      <p:sp>
+        <p:nvSpPr>
+          <p:cNvPr id="3" name="Date Placeholder 2"/>
           <p:cNvSpPr>
             <a:spLocks noGrp="1"/>
           </p:cNvSpPr>
@@ -1964,7 +3994,7 @@
           <a:p>
             <a:fld id="{250AD534-3EBC-48D0-921E-0A4167B28C6B}" type="datetimeFigureOut">
               <a:rPr lang="fr-FR" smtClean="0"/>
-              <a:t>17/12/2020</a:t>
+              <a:t>18/12/2020</a:t>
             </a:fld>
             <a:endParaRPr lang="fr-FR"/>
           </a:p>
@@ -1972,13 +4002,7 @@
       </p:sp>
       <p:sp>
         <p:nvSpPr>
-          <p:cNvPr id="4" name="Espace réservé du pied de page 3">
-            <a:extLst>
-              <a:ext uri="{FF2B5EF4-FFF2-40B4-BE49-F238E27FC236}">
-                <a16:creationId xmlns:a16="http://schemas.microsoft.com/office/drawing/2014/main" id="{581E5025-2226-407A-8FD3-65B365680FFC}"/>
-              </a:ext>
-            </a:extLst>
-          </p:cNvPr>
+          <p:cNvPr id="4" name="Footer Placeholder 3"/>
           <p:cNvSpPr>
             <a:spLocks noGrp="1"/>
           </p:cNvSpPr>
@@ -1997,13 +4021,7 @@
       </p:sp>
       <p:sp>
         <p:nvSpPr>
-          <p:cNvPr id="5" name="Espace réservé du numéro de diapositive 4">
-            <a:extLst>
-              <a:ext uri="{FF2B5EF4-FFF2-40B4-BE49-F238E27FC236}">
-                <a16:creationId xmlns:a16="http://schemas.microsoft.com/office/drawing/2014/main" id="{7CFF437F-3411-4597-9AC4-5602EBCCA1FC}"/>
-              </a:ext>
-            </a:extLst>
-          </p:cNvPr>
+          <p:cNvPr id="5" name="Slide Number Placeholder 4"/>
           <p:cNvSpPr>
             <a:spLocks noGrp="1"/>
           </p:cNvSpPr>
@@ -2027,13 +4045,16 @@
     </p:spTree>
     <p:extLst>
       <p:ext uri="{BB962C8B-B14F-4D97-AF65-F5344CB8AC3E}">
-        <p14:creationId xmlns:p14="http://schemas.microsoft.com/office/powerpoint/2010/main" val="1980564741"/>
+        <p14:creationId xmlns:p14="http://schemas.microsoft.com/office/powerpoint/2010/main" val="2764365833"/>
       </p:ext>
     </p:extLst>
   </p:cSld>
   <p:clrMapOvr>
     <a:masterClrMapping/>
   </p:clrMapOvr>
+  <p:transition spd="slow">
+    <p:push dir="u"/>
+  </p:transition>
 </p:sldLayout>
 </file>
 
@@ -2056,13 +4077,7 @@
       </p:grpSpPr>
       <p:sp>
         <p:nvSpPr>
-          <p:cNvPr id="2" name="Espace réservé de la date 1">
-            <a:extLst>
-              <a:ext uri="{FF2B5EF4-FFF2-40B4-BE49-F238E27FC236}">
-                <a16:creationId xmlns:a16="http://schemas.microsoft.com/office/drawing/2014/main" id="{BF029DFA-7B32-4F47-86B6-0C80C6C30431}"/>
-              </a:ext>
-            </a:extLst>
-          </p:cNvPr>
+          <p:cNvPr id="2" name="Date Placeholder 1"/>
           <p:cNvSpPr>
             <a:spLocks noGrp="1"/>
           </p:cNvSpPr>
@@ -2077,7 +4092,7 @@
           <a:p>
             <a:fld id="{250AD534-3EBC-48D0-921E-0A4167B28C6B}" type="datetimeFigureOut">
               <a:rPr lang="fr-FR" smtClean="0"/>
-              <a:t>17/12/2020</a:t>
+              <a:t>18/12/2020</a:t>
             </a:fld>
             <a:endParaRPr lang="fr-FR"/>
           </a:p>
@@ -2085,13 +4100,7 @@
       </p:sp>
       <p:sp>
         <p:nvSpPr>
-          <p:cNvPr id="3" name="Espace réservé du pied de page 2">
-            <a:extLst>
-              <a:ext uri="{FF2B5EF4-FFF2-40B4-BE49-F238E27FC236}">
-                <a16:creationId xmlns:a16="http://schemas.microsoft.com/office/drawing/2014/main" id="{2DE5081B-B3CA-4053-AFFB-13ADD47C2534}"/>
-              </a:ext>
-            </a:extLst>
-          </p:cNvPr>
+          <p:cNvPr id="3" name="Footer Placeholder 2"/>
           <p:cNvSpPr>
             <a:spLocks noGrp="1"/>
           </p:cNvSpPr>
@@ -2110,13 +4119,7 @@
       </p:sp>
       <p:sp>
         <p:nvSpPr>
-          <p:cNvPr id="4" name="Espace réservé du numéro de diapositive 3">
-            <a:extLst>
-              <a:ext uri="{FF2B5EF4-FFF2-40B4-BE49-F238E27FC236}">
-                <a16:creationId xmlns:a16="http://schemas.microsoft.com/office/drawing/2014/main" id="{7DD8EDFC-364D-4A79-8E3A-04724666B1B3}"/>
-              </a:ext>
-            </a:extLst>
-          </p:cNvPr>
+          <p:cNvPr id="4" name="Slide Number Placeholder 3"/>
           <p:cNvSpPr>
             <a:spLocks noGrp="1"/>
           </p:cNvSpPr>
@@ -2140,13 +4143,16 @@
     </p:spTree>
     <p:extLst>
       <p:ext uri="{BB962C8B-B14F-4D97-AF65-F5344CB8AC3E}">
-        <p14:creationId xmlns:p14="http://schemas.microsoft.com/office/powerpoint/2010/main" val="2761855968"/>
+        <p14:creationId xmlns:p14="http://schemas.microsoft.com/office/powerpoint/2010/main" val="370738738"/>
       </p:ext>
     </p:extLst>
   </p:cSld>
   <p:clrMapOvr>
     <a:masterClrMapping/>
   </p:clrMapOvr>
+  <p:transition spd="slow">
+    <p:push dir="u"/>
+  </p:transition>
 </p:sldLayout>
 </file>
 
@@ -2169,13 +4175,7 @@
       </p:grpSpPr>
       <p:sp>
         <p:nvSpPr>
-          <p:cNvPr id="2" name="Titre 1">
-            <a:extLst>
-              <a:ext uri="{FF2B5EF4-FFF2-40B4-BE49-F238E27FC236}">
-                <a16:creationId xmlns:a16="http://schemas.microsoft.com/office/drawing/2014/main" id="{86689A04-C199-4B7F-A33F-243309C3B22D}"/>
-              </a:ext>
-            </a:extLst>
-          </p:cNvPr>
+          <p:cNvPr id="2" name="Title 1"/>
           <p:cNvSpPr>
             <a:spLocks noGrp="1"/>
           </p:cNvSpPr>
@@ -2185,15 +4185,17 @@
         </p:nvSpPr>
         <p:spPr>
           <a:xfrm>
-            <a:off x="839788" y="457200"/>
-            <a:ext cx="3932237" cy="1600200"/>
-          </a:xfrm>
-        </p:spPr>
-        <p:txBody>
-          <a:bodyPr anchor="b"/>
+            <a:off x="677334" y="1498604"/>
+            <a:ext cx="3854528" cy="1278466"/>
+          </a:xfrm>
+        </p:spPr>
+        <p:txBody>
+          <a:bodyPr anchor="b">
+            <a:normAutofit/>
+          </a:bodyPr>
           <a:lstStyle>
             <a:lvl1pPr>
-              <a:defRPr sz="3200"/>
+              <a:defRPr sz="2000"/>
             </a:lvl1pPr>
           </a:lstStyle>
           <a:p>
@@ -2201,18 +4203,13 @@
               <a:rPr lang="fr-FR"/>
               <a:t>Modifiez le style du titre</a:t>
             </a:r>
-          </a:p>
-        </p:txBody>
-      </p:sp>
-      <p:sp>
-        <p:nvSpPr>
-          <p:cNvPr id="3" name="Espace réservé du contenu 2">
-            <a:extLst>
-              <a:ext uri="{FF2B5EF4-FFF2-40B4-BE49-F238E27FC236}">
-                <a16:creationId xmlns:a16="http://schemas.microsoft.com/office/drawing/2014/main" id="{E3EAF097-2EB5-478F-8816-BDCD49F5D4A3}"/>
-              </a:ext>
-            </a:extLst>
-          </p:cNvPr>
+            <a:endParaRPr lang="en-US" dirty="0"/>
+          </a:p>
+        </p:txBody>
+      </p:sp>
+      <p:sp>
+        <p:nvSpPr>
+          <p:cNvPr id="3" name="Content Placeholder 2"/>
           <p:cNvSpPr>
             <a:spLocks noGrp="1"/>
           </p:cNvSpPr>
@@ -2222,41 +4219,15 @@
         </p:nvSpPr>
         <p:spPr>
           <a:xfrm>
-            <a:off x="5183188" y="987425"/>
-            <a:ext cx="6172200" cy="4873625"/>
-          </a:xfrm>
-        </p:spPr>
-        <p:txBody>
-          <a:bodyPr/>
-          <a:lstStyle>
-            <a:lvl1pPr>
-              <a:defRPr sz="3200"/>
-            </a:lvl1pPr>
-            <a:lvl2pPr>
-              <a:defRPr sz="2800"/>
-            </a:lvl2pPr>
-            <a:lvl3pPr>
-              <a:defRPr sz="2400"/>
-            </a:lvl3pPr>
-            <a:lvl4pPr>
-              <a:defRPr sz="2000"/>
-            </a:lvl4pPr>
-            <a:lvl5pPr>
-              <a:defRPr sz="2000"/>
-            </a:lvl5pPr>
-            <a:lvl6pPr>
-              <a:defRPr sz="2000"/>
-            </a:lvl6pPr>
-            <a:lvl7pPr>
-              <a:defRPr sz="2000"/>
-            </a:lvl7pPr>
-            <a:lvl8pPr>
-              <a:defRPr sz="2000"/>
-            </a:lvl8pPr>
-            <a:lvl9pPr>
-              <a:defRPr sz="2000"/>
-            </a:lvl9pPr>
-          </a:lstStyle>
+            <a:off x="4760461" y="514924"/>
+            <a:ext cx="4513541" cy="5526437"/>
+          </a:xfrm>
+        </p:spPr>
+        <p:txBody>
+          <a:bodyPr>
+            <a:normAutofit/>
+          </a:bodyPr>
+          <a:lstStyle/>
           <a:p>
             <a:pPr lvl="0"/>
             <a:r>
@@ -2291,18 +4262,13 @@
               <a:rPr lang="fr-FR"/>
               <a:t>Cinquième niveau</a:t>
             </a:r>
-          </a:p>
-        </p:txBody>
-      </p:sp>
-      <p:sp>
-        <p:nvSpPr>
-          <p:cNvPr id="4" name="Espace réservé du texte 3">
-            <a:extLst>
-              <a:ext uri="{FF2B5EF4-FFF2-40B4-BE49-F238E27FC236}">
-                <a16:creationId xmlns:a16="http://schemas.microsoft.com/office/drawing/2014/main" id="{80465000-8E5C-4FDE-9BAC-27F52AFEF6EE}"/>
-              </a:ext>
-            </a:extLst>
-          </p:cNvPr>
+            <a:endParaRPr lang="en-US" dirty="0"/>
+          </a:p>
+        </p:txBody>
+      </p:sp>
+      <p:sp>
+        <p:nvSpPr>
+          <p:cNvPr id="4" name="Text Placeholder 3"/>
           <p:cNvSpPr>
             <a:spLocks noGrp="1"/>
           </p:cNvSpPr>
@@ -2312,46 +4278,48 @@
         </p:nvSpPr>
         <p:spPr>
           <a:xfrm>
-            <a:off x="839788" y="2057400"/>
-            <a:ext cx="3932237" cy="3811588"/>
-          </a:xfrm>
-        </p:spPr>
-        <p:txBody>
-          <a:bodyPr/>
+            <a:off x="677334" y="2777069"/>
+            <a:ext cx="3854528" cy="2584449"/>
+          </a:xfrm>
+        </p:spPr>
+        <p:txBody>
+          <a:bodyPr>
+            <a:normAutofit/>
+          </a:bodyPr>
           <a:lstStyle>
             <a:lvl1pPr marL="0" indent="0">
               <a:buNone/>
-              <a:defRPr sz="1600"/>
+              <a:defRPr sz="1400"/>
             </a:lvl1pPr>
-            <a:lvl2pPr marL="457200" indent="0">
+            <a:lvl2pPr marL="457063" indent="0">
               <a:buNone/>
               <a:defRPr sz="1400"/>
             </a:lvl2pPr>
-            <a:lvl3pPr marL="914400" indent="0">
+            <a:lvl3pPr marL="914126" indent="0">
               <a:buNone/>
               <a:defRPr sz="1200"/>
             </a:lvl3pPr>
-            <a:lvl4pPr marL="1371600" indent="0">
+            <a:lvl4pPr marL="1371189" indent="0">
               <a:buNone/>
               <a:defRPr sz="1000"/>
             </a:lvl4pPr>
-            <a:lvl5pPr marL="1828800" indent="0">
+            <a:lvl5pPr marL="1828251" indent="0">
               <a:buNone/>
               <a:defRPr sz="1000"/>
             </a:lvl5pPr>
-            <a:lvl6pPr marL="2286000" indent="0">
+            <a:lvl6pPr marL="2285314" indent="0">
               <a:buNone/>
               <a:defRPr sz="1000"/>
             </a:lvl6pPr>
-            <a:lvl7pPr marL="2743200" indent="0">
+            <a:lvl7pPr marL="2742377" indent="0">
               <a:buNone/>
               <a:defRPr sz="1000"/>
             </a:lvl7pPr>
-            <a:lvl8pPr marL="3200400" indent="0">
+            <a:lvl8pPr marL="3199440" indent="0">
               <a:buNone/>
               <a:defRPr sz="1000"/>
             </a:lvl8pPr>
-            <a:lvl9pPr marL="3657600" indent="0">
+            <a:lvl9pPr marL="3656503" indent="0">
               <a:buNone/>
               <a:defRPr sz="1000"/>
             </a:lvl9pPr>
@@ -2367,13 +4335,7 @@
       </p:sp>
       <p:sp>
         <p:nvSpPr>
-          <p:cNvPr id="5" name="Espace réservé de la date 4">
-            <a:extLst>
-              <a:ext uri="{FF2B5EF4-FFF2-40B4-BE49-F238E27FC236}">
-                <a16:creationId xmlns:a16="http://schemas.microsoft.com/office/drawing/2014/main" id="{26278167-38A1-4828-ABD0-93063B2CA3D0}"/>
-              </a:ext>
-            </a:extLst>
-          </p:cNvPr>
+          <p:cNvPr id="5" name="Date Placeholder 4"/>
           <p:cNvSpPr>
             <a:spLocks noGrp="1"/>
           </p:cNvSpPr>
@@ -2388,7 +4350,7 @@
           <a:p>
             <a:fld id="{250AD534-3EBC-48D0-921E-0A4167B28C6B}" type="datetimeFigureOut">
               <a:rPr lang="fr-FR" smtClean="0"/>
-              <a:t>17/12/2020</a:t>
+              <a:t>18/12/2020</a:t>
             </a:fld>
             <a:endParaRPr lang="fr-FR"/>
           </a:p>
@@ -2396,13 +4358,7 @@
       </p:sp>
       <p:sp>
         <p:nvSpPr>
-          <p:cNvPr id="6" name="Espace réservé du pied de page 5">
-            <a:extLst>
-              <a:ext uri="{FF2B5EF4-FFF2-40B4-BE49-F238E27FC236}">
-                <a16:creationId xmlns:a16="http://schemas.microsoft.com/office/drawing/2014/main" id="{F6B0C022-19F1-4476-A0DB-9199E2681125}"/>
-              </a:ext>
-            </a:extLst>
-          </p:cNvPr>
+          <p:cNvPr id="6" name="Footer Placeholder 5"/>
           <p:cNvSpPr>
             <a:spLocks noGrp="1"/>
           </p:cNvSpPr>
@@ -2421,13 +4377,7 @@
       </p:sp>
       <p:sp>
         <p:nvSpPr>
-          <p:cNvPr id="7" name="Espace réservé du numéro de diapositive 6">
-            <a:extLst>
-              <a:ext uri="{FF2B5EF4-FFF2-40B4-BE49-F238E27FC236}">
-                <a16:creationId xmlns:a16="http://schemas.microsoft.com/office/drawing/2014/main" id="{3EF2119F-2C0F-4E1C-A24D-F8449DA0AD5F}"/>
-              </a:ext>
-            </a:extLst>
-          </p:cNvPr>
+          <p:cNvPr id="7" name="Slide Number Placeholder 6"/>
           <p:cNvSpPr>
             <a:spLocks noGrp="1"/>
           </p:cNvSpPr>
@@ -2451,13 +4401,16 @@
     </p:spTree>
     <p:extLst>
       <p:ext uri="{BB962C8B-B14F-4D97-AF65-F5344CB8AC3E}">
-        <p14:creationId xmlns:p14="http://schemas.microsoft.com/office/powerpoint/2010/main" val="2987776900"/>
+        <p14:creationId xmlns:p14="http://schemas.microsoft.com/office/powerpoint/2010/main" val="1890851125"/>
       </p:ext>
     </p:extLst>
   </p:cSld>
   <p:clrMapOvr>
     <a:masterClrMapping/>
   </p:clrMapOvr>
+  <p:transition spd="slow">
+    <p:push dir="u"/>
+  </p:transition>
 </p:sldLayout>
 </file>
 
@@ -2480,13 +4433,7 @@
       </p:grpSpPr>
       <p:sp>
         <p:nvSpPr>
-          <p:cNvPr id="2" name="Titre 1">
-            <a:extLst>
-              <a:ext uri="{FF2B5EF4-FFF2-40B4-BE49-F238E27FC236}">
-                <a16:creationId xmlns:a16="http://schemas.microsoft.com/office/drawing/2014/main" id="{2A6F89A5-761F-49C2-9F94-FAAA88FD4BB2}"/>
-              </a:ext>
-            </a:extLst>
-          </p:cNvPr>
+          <p:cNvPr id="2" name="Title 1"/>
           <p:cNvSpPr>
             <a:spLocks noGrp="1"/>
           </p:cNvSpPr>
@@ -2496,15 +4443,17 @@
         </p:nvSpPr>
         <p:spPr>
           <a:xfrm>
-            <a:off x="839788" y="457200"/>
-            <a:ext cx="3932237" cy="1600200"/>
-          </a:xfrm>
-        </p:spPr>
-        <p:txBody>
-          <a:bodyPr anchor="b"/>
+            <a:off x="677334" y="4800600"/>
+            <a:ext cx="8596667" cy="566738"/>
+          </a:xfrm>
+        </p:spPr>
+        <p:txBody>
+          <a:bodyPr anchor="b">
+            <a:normAutofit/>
+          </a:bodyPr>
           <a:lstStyle>
-            <a:lvl1pPr>
-              <a:defRPr sz="3200"/>
+            <a:lvl1pPr algn="l">
+              <a:defRPr sz="2400" b="0"/>
             </a:lvl1pPr>
           </a:lstStyle>
           <a:p>
@@ -2512,20 +4461,15 @@
               <a:rPr lang="fr-FR"/>
               <a:t>Modifiez le style du titre</a:t>
             </a:r>
-          </a:p>
-        </p:txBody>
-      </p:sp>
-      <p:sp>
-        <p:nvSpPr>
-          <p:cNvPr id="3" name="Espace réservé pour une image  2">
-            <a:extLst>
-              <a:ext uri="{FF2B5EF4-FFF2-40B4-BE49-F238E27FC236}">
-                <a16:creationId xmlns:a16="http://schemas.microsoft.com/office/drawing/2014/main" id="{364B8759-1F12-417E-8253-7D79E4402B6A}"/>
-              </a:ext>
-            </a:extLst>
-          </p:cNvPr>
-          <p:cNvSpPr>
-            <a:spLocks noGrp="1"/>
+            <a:endParaRPr lang="en-US" dirty="0"/>
+          </a:p>
+        </p:txBody>
+      </p:sp>
+      <p:sp>
+        <p:nvSpPr>
+          <p:cNvPr id="3" name="Picture Placeholder 2"/>
+          <p:cNvSpPr>
+            <a:spLocks noGrp="1" noChangeAspect="1"/>
           </p:cNvSpPr>
           <p:nvPr>
             <p:ph type="pic" idx="1"/>
@@ -2533,118 +4477,120 @@
         </p:nvSpPr>
         <p:spPr>
           <a:xfrm>
-            <a:off x="5183188" y="987425"/>
-            <a:ext cx="6172200" cy="4873625"/>
-          </a:xfrm>
-        </p:spPr>
-        <p:txBody>
-          <a:bodyPr/>
+            <a:off x="677334" y="609600"/>
+            <a:ext cx="8596668" cy="3845718"/>
+          </a:xfrm>
+        </p:spPr>
+        <p:txBody>
+          <a:bodyPr anchor="t">
+            <a:normAutofit/>
+          </a:bodyPr>
           <a:lstStyle>
-            <a:lvl1pPr marL="0" indent="0">
-              <a:buNone/>
-              <a:defRPr sz="3200"/>
-            </a:lvl1pPr>
-            <a:lvl2pPr marL="457200" indent="0">
-              <a:buNone/>
-              <a:defRPr sz="2800"/>
-            </a:lvl2pPr>
-            <a:lvl3pPr marL="914400" indent="0">
-              <a:buNone/>
-              <a:defRPr sz="2400"/>
-            </a:lvl3pPr>
-            <a:lvl4pPr marL="1371600" indent="0">
-              <a:buNone/>
-              <a:defRPr sz="2000"/>
-            </a:lvl4pPr>
-            <a:lvl5pPr marL="1828800" indent="0">
-              <a:buNone/>
-              <a:defRPr sz="2000"/>
-            </a:lvl5pPr>
-            <a:lvl6pPr marL="2286000" indent="0">
-              <a:buNone/>
-              <a:defRPr sz="2000"/>
-            </a:lvl6pPr>
-            <a:lvl7pPr marL="2743200" indent="0">
-              <a:buNone/>
-              <a:defRPr sz="2000"/>
-            </a:lvl7pPr>
-            <a:lvl8pPr marL="3200400" indent="0">
-              <a:buNone/>
-              <a:defRPr sz="2000"/>
-            </a:lvl8pPr>
-            <a:lvl9pPr marL="3657600" indent="0">
-              <a:buNone/>
-              <a:defRPr sz="2000"/>
-            </a:lvl9pPr>
-          </a:lstStyle>
-          <a:p>
-            <a:endParaRPr lang="fr-FR"/>
-          </a:p>
-        </p:txBody>
-      </p:sp>
-      <p:sp>
-        <p:nvSpPr>
-          <p:cNvPr id="4" name="Espace réservé du texte 3">
-            <a:extLst>
-              <a:ext uri="{FF2B5EF4-FFF2-40B4-BE49-F238E27FC236}">
-                <a16:creationId xmlns:a16="http://schemas.microsoft.com/office/drawing/2014/main" id="{EB91554D-2442-4550-9C1E-67AC6D0D5F83}"/>
-              </a:ext>
-            </a:extLst>
-          </p:cNvPr>
-          <p:cNvSpPr>
-            <a:spLocks noGrp="1"/>
-          </p:cNvSpPr>
-          <p:nvPr>
-            <p:ph type="body" sz="half" idx="2"/>
-          </p:nvPr>
-        </p:nvSpPr>
-        <p:spPr>
-          <a:xfrm>
-            <a:off x="839788" y="2057400"/>
-            <a:ext cx="3932237" cy="3811588"/>
-          </a:xfrm>
-        </p:spPr>
-        <p:txBody>
-          <a:bodyPr/>
-          <a:lstStyle>
-            <a:lvl1pPr marL="0" indent="0">
+            <a:lvl1pPr marL="0" indent="0" algn="ctr">
               <a:buNone/>
               <a:defRPr sz="1600"/>
             </a:lvl1pPr>
             <a:lvl2pPr marL="457200" indent="0">
               <a:buNone/>
-              <a:defRPr sz="1400"/>
+              <a:defRPr sz="1600"/>
             </a:lvl2pPr>
             <a:lvl3pPr marL="914400" indent="0">
               <a:buNone/>
-              <a:defRPr sz="1200"/>
+              <a:defRPr sz="1600"/>
             </a:lvl3pPr>
             <a:lvl4pPr marL="1371600" indent="0">
               <a:buNone/>
-              <a:defRPr sz="1000"/>
+              <a:defRPr sz="1600"/>
             </a:lvl4pPr>
             <a:lvl5pPr marL="1828800" indent="0">
               <a:buNone/>
-              <a:defRPr sz="1000"/>
+              <a:defRPr sz="1600"/>
             </a:lvl5pPr>
             <a:lvl6pPr marL="2286000" indent="0">
               <a:buNone/>
-              <a:defRPr sz="1000"/>
+              <a:defRPr sz="1600"/>
             </a:lvl6pPr>
             <a:lvl7pPr marL="2743200" indent="0">
               <a:buNone/>
-              <a:defRPr sz="1000"/>
+              <a:defRPr sz="1600"/>
             </a:lvl7pPr>
             <a:lvl8pPr marL="3200400" indent="0">
               <a:buNone/>
-              <a:defRPr sz="1000"/>
+              <a:defRPr sz="1600"/>
             </a:lvl8pPr>
             <a:lvl9pPr marL="3657600" indent="0">
               <a:buNone/>
-              <a:defRPr sz="1000"/>
+              <a:defRPr sz="1600"/>
             </a:lvl9pPr>
           </a:lstStyle>
           <a:p>
+            <a:r>
+              <a:rPr lang="fr-FR"/>
+              <a:t>Cliquez sur l'icône pour ajouter une image</a:t>
+            </a:r>
+            <a:endParaRPr lang="en-US" dirty="0"/>
+          </a:p>
+        </p:txBody>
+      </p:sp>
+      <p:sp>
+        <p:nvSpPr>
+          <p:cNvPr id="4" name="Text Placeholder 3"/>
+          <p:cNvSpPr>
+            <a:spLocks noGrp="1"/>
+          </p:cNvSpPr>
+          <p:nvPr>
+            <p:ph type="body" sz="half" idx="2"/>
+          </p:nvPr>
+        </p:nvSpPr>
+        <p:spPr>
+          <a:xfrm>
+            <a:off x="677334" y="5367338"/>
+            <a:ext cx="8596667" cy="674024"/>
+          </a:xfrm>
+        </p:spPr>
+        <p:txBody>
+          <a:bodyPr>
+            <a:normAutofit/>
+          </a:bodyPr>
+          <a:lstStyle>
+            <a:lvl1pPr marL="0" indent="0">
+              <a:buNone/>
+              <a:defRPr sz="1200"/>
+            </a:lvl1pPr>
+            <a:lvl2pPr marL="457200" indent="0">
+              <a:buNone/>
+              <a:defRPr sz="1200"/>
+            </a:lvl2pPr>
+            <a:lvl3pPr marL="914400" indent="0">
+              <a:buNone/>
+              <a:defRPr sz="1000"/>
+            </a:lvl3pPr>
+            <a:lvl4pPr marL="1371600" indent="0">
+              <a:buNone/>
+              <a:defRPr sz="900"/>
+            </a:lvl4pPr>
+            <a:lvl5pPr marL="1828800" indent="0">
+              <a:buNone/>
+              <a:defRPr sz="900"/>
+            </a:lvl5pPr>
+            <a:lvl6pPr marL="2286000" indent="0">
+              <a:buNone/>
+              <a:defRPr sz="900"/>
+            </a:lvl6pPr>
+            <a:lvl7pPr marL="2743200" indent="0">
+              <a:buNone/>
+              <a:defRPr sz="900"/>
+            </a:lvl7pPr>
+            <a:lvl8pPr marL="3200400" indent="0">
+              <a:buNone/>
+              <a:defRPr sz="900"/>
+            </a:lvl8pPr>
+            <a:lvl9pPr marL="3657600" indent="0">
+              <a:buNone/>
+              <a:defRPr sz="900"/>
+            </a:lvl9pPr>
+          </a:lstStyle>
+          <a:p>
             <a:pPr lvl="0"/>
             <a:r>
               <a:rPr lang="fr-FR"/>
@@ -2655,18 +4601,12 @@
       </p:sp>
       <p:sp>
         <p:nvSpPr>
-          <p:cNvPr id="5" name="Espace réservé de la date 4">
-            <a:extLst>
-              <a:ext uri="{FF2B5EF4-FFF2-40B4-BE49-F238E27FC236}">
-                <a16:creationId xmlns:a16="http://schemas.microsoft.com/office/drawing/2014/main" id="{ACB3C65F-E9F9-4B50-A7A2-51777B535941}"/>
-              </a:ext>
-            </a:extLst>
-          </p:cNvPr>
-          <p:cNvSpPr>
-            <a:spLocks noGrp="1"/>
-          </p:cNvSpPr>
-          <p:nvPr>
-            <p:ph type="dt" sz="half" idx="10"/>
+          <p:cNvPr id="6" name="Footer Placeholder 5"/>
+          <p:cNvSpPr>
+            <a:spLocks noGrp="1"/>
+          </p:cNvSpPr>
+          <p:nvPr>
+            <p:ph type="ftr" sz="quarter" idx="11"/>
           </p:nvPr>
         </p:nvSpPr>
         <p:spPr/>
@@ -2674,48 +4614,13 @@
           <a:bodyPr/>
           <a:lstStyle/>
           <a:p>
-            <a:fld id="{250AD534-3EBC-48D0-921E-0A4167B28C6B}" type="datetimeFigureOut">
-              <a:rPr lang="fr-FR" smtClean="0"/>
-              <a:t>17/12/2020</a:t>
-            </a:fld>
             <a:endParaRPr lang="fr-FR"/>
           </a:p>
         </p:txBody>
       </p:sp>
       <p:sp>
         <p:nvSpPr>
-          <p:cNvPr id="6" name="Espace réservé du pied de page 5">
-            <a:extLst>
-              <a:ext uri="{FF2B5EF4-FFF2-40B4-BE49-F238E27FC236}">
-                <a16:creationId xmlns:a16="http://schemas.microsoft.com/office/drawing/2014/main" id="{B0FCA13B-FB97-4A88-819A-7238B8C26EEB}"/>
-              </a:ext>
-            </a:extLst>
-          </p:cNvPr>
-          <p:cNvSpPr>
-            <a:spLocks noGrp="1"/>
-          </p:cNvSpPr>
-          <p:nvPr>
-            <p:ph type="ftr" sz="quarter" idx="11"/>
-          </p:nvPr>
-        </p:nvSpPr>
-        <p:spPr/>
-        <p:txBody>
-          <a:bodyPr/>
-          <a:lstStyle/>
-          <a:p>
-            <a:endParaRPr lang="fr-FR"/>
-          </a:p>
-        </p:txBody>
-      </p:sp>
-      <p:sp>
-        <p:nvSpPr>
-          <p:cNvPr id="7" name="Espace réservé du numéro de diapositive 6">
-            <a:extLst>
-              <a:ext uri="{FF2B5EF4-FFF2-40B4-BE49-F238E27FC236}">
-                <a16:creationId xmlns:a16="http://schemas.microsoft.com/office/drawing/2014/main" id="{F20E2D58-668C-416F-A366-1AD851532A0F}"/>
-              </a:ext>
-            </a:extLst>
-          </p:cNvPr>
+          <p:cNvPr id="7" name="Slide Number Placeholder 6"/>
           <p:cNvSpPr>
             <a:spLocks noGrp="1"/>
           </p:cNvSpPr>
@@ -2736,16 +4641,42 @@
           </a:p>
         </p:txBody>
       </p:sp>
+      <p:sp>
+        <p:nvSpPr>
+          <p:cNvPr id="5" name="Date Placeholder 4"/>
+          <p:cNvSpPr>
+            <a:spLocks noGrp="1"/>
+          </p:cNvSpPr>
+          <p:nvPr>
+            <p:ph type="dt" sz="half" idx="10"/>
+          </p:nvPr>
+        </p:nvSpPr>
+        <p:spPr/>
+        <p:txBody>
+          <a:bodyPr/>
+          <a:lstStyle/>
+          <a:p>
+            <a:fld id="{250AD534-3EBC-48D0-921E-0A4167B28C6B}" type="datetimeFigureOut">
+              <a:rPr lang="fr-FR" smtClean="0"/>
+              <a:t>18/12/2020</a:t>
+            </a:fld>
+            <a:endParaRPr lang="fr-FR"/>
+          </a:p>
+        </p:txBody>
+      </p:sp>
     </p:spTree>
     <p:extLst>
       <p:ext uri="{BB962C8B-B14F-4D97-AF65-F5344CB8AC3E}">
-        <p14:creationId xmlns:p14="http://schemas.microsoft.com/office/powerpoint/2010/main" val="1696988962"/>
+        <p14:creationId xmlns:p14="http://schemas.microsoft.com/office/powerpoint/2010/main" val="1496280329"/>
       </p:ext>
     </p:extLst>
   </p:cSld>
   <p:clrMapOvr>
     <a:masterClrMapping/>
   </p:clrMapOvr>
+  <p:transition spd="slow">
+    <p:push dir="u"/>
+  </p:transition>
 </p:sldLayout>
 </file>
 
@@ -2771,15 +4702,540 @@
           <a:chExt cx="0" cy="0"/>
         </a:xfrm>
       </p:grpSpPr>
-      <p:sp>
-        <p:nvSpPr>
-          <p:cNvPr id="2" name="Espace réservé du titre 1">
-            <a:extLst>
-              <a:ext uri="{FF2B5EF4-FFF2-40B4-BE49-F238E27FC236}">
-                <a16:creationId xmlns:a16="http://schemas.microsoft.com/office/drawing/2014/main" id="{C8A00876-03D3-4380-889A-7EAF0246BD9E}"/>
-              </a:ext>
-            </a:extLst>
-          </p:cNvPr>
+      <p:grpSp>
+        <p:nvGrpSpPr>
+          <p:cNvPr id="44" name="Group 43"/>
+          <p:cNvGrpSpPr/>
+          <p:nvPr/>
+        </p:nvGrpSpPr>
+        <p:grpSpPr>
+          <a:xfrm>
+            <a:off x="0" y="-8467"/>
+            <a:ext cx="12192000" cy="6866467"/>
+            <a:chOff x="0" y="-8467"/>
+            <a:chExt cx="12192000" cy="6866467"/>
+          </a:xfrm>
+        </p:grpSpPr>
+        <p:cxnSp>
+          <p:nvCxnSpPr>
+            <p:cNvPr id="20" name="Straight Connector 19"/>
+            <p:cNvCxnSpPr/>
+            <p:nvPr/>
+          </p:nvCxnSpPr>
+          <p:spPr>
+            <a:xfrm>
+              <a:off x="9371012" y="0"/>
+              <a:ext cx="1219200" cy="6858000"/>
+            </a:xfrm>
+            <a:prstGeom prst="line">
+              <a:avLst/>
+            </a:prstGeom>
+            <a:ln w="9525">
+              <a:solidFill>
+                <a:schemeClr val="accent1">
+                  <a:alpha val="70000"/>
+                </a:schemeClr>
+              </a:solidFill>
+            </a:ln>
+          </p:spPr>
+          <p:style>
+            <a:lnRef idx="2">
+              <a:schemeClr val="accent1"/>
+            </a:lnRef>
+            <a:fillRef idx="0">
+              <a:schemeClr val="accent1"/>
+            </a:fillRef>
+            <a:effectRef idx="1">
+              <a:schemeClr val="accent1"/>
+            </a:effectRef>
+            <a:fontRef idx="minor">
+              <a:schemeClr val="tx1"/>
+            </a:fontRef>
+          </p:style>
+        </p:cxnSp>
+        <p:cxnSp>
+          <p:nvCxnSpPr>
+            <p:cNvPr id="21" name="Straight Connector 20"/>
+            <p:cNvCxnSpPr/>
+            <p:nvPr/>
+          </p:nvCxnSpPr>
+          <p:spPr>
+            <a:xfrm flipH="1">
+              <a:off x="7425267" y="3681413"/>
+              <a:ext cx="4763558" cy="3176587"/>
+            </a:xfrm>
+            <a:prstGeom prst="line">
+              <a:avLst/>
+            </a:prstGeom>
+            <a:ln w="9525">
+              <a:solidFill>
+                <a:schemeClr val="accent1">
+                  <a:alpha val="70000"/>
+                </a:schemeClr>
+              </a:solidFill>
+            </a:ln>
+          </p:spPr>
+          <p:style>
+            <a:lnRef idx="2">
+              <a:schemeClr val="accent1"/>
+            </a:lnRef>
+            <a:fillRef idx="0">
+              <a:schemeClr val="accent1"/>
+            </a:fillRef>
+            <a:effectRef idx="1">
+              <a:schemeClr val="accent1"/>
+            </a:effectRef>
+            <a:fontRef idx="minor">
+              <a:schemeClr val="tx1"/>
+            </a:fontRef>
+          </p:style>
+        </p:cxnSp>
+        <p:sp>
+          <p:nvSpPr>
+            <p:cNvPr id="22" name="Rectangle 23"/>
+            <p:cNvSpPr/>
+            <p:nvPr/>
+          </p:nvSpPr>
+          <p:spPr>
+            <a:xfrm>
+              <a:off x="9181476" y="-8467"/>
+              <a:ext cx="3007349" cy="6866467"/>
+            </a:xfrm>
+            <a:custGeom>
+              <a:avLst/>
+              <a:gdLst/>
+              <a:ahLst/>
+              <a:cxnLst/>
+              <a:rect l="l" t="t" r="r" b="b"/>
+              <a:pathLst>
+                <a:path w="3007349" h="6866467">
+                  <a:moveTo>
+                    <a:pt x="2045532" y="0"/>
+                  </a:moveTo>
+                  <a:lnTo>
+                    <a:pt x="3007349" y="0"/>
+                  </a:lnTo>
+                  <a:lnTo>
+                    <a:pt x="3007349" y="6866467"/>
+                  </a:lnTo>
+                  <a:lnTo>
+                    <a:pt x="0" y="6866467"/>
+                  </a:lnTo>
+                  <a:lnTo>
+                    <a:pt x="2045532" y="0"/>
+                  </a:lnTo>
+                  <a:close/>
+                </a:path>
+              </a:pathLst>
+            </a:custGeom>
+            <a:solidFill>
+              <a:schemeClr val="accent1">
+                <a:alpha val="36000"/>
+              </a:schemeClr>
+            </a:solidFill>
+            <a:ln>
+              <a:noFill/>
+            </a:ln>
+            <a:effectLst/>
+          </p:spPr>
+          <p:style>
+            <a:lnRef idx="1">
+              <a:schemeClr val="accent1"/>
+            </a:lnRef>
+            <a:fillRef idx="3">
+              <a:schemeClr val="accent1"/>
+            </a:fillRef>
+            <a:effectRef idx="2">
+              <a:schemeClr val="accent1"/>
+            </a:effectRef>
+            <a:fontRef idx="minor">
+              <a:schemeClr val="lt1"/>
+            </a:fontRef>
+          </p:style>
+        </p:sp>
+        <p:sp>
+          <p:nvSpPr>
+            <p:cNvPr id="23" name="Rectangle 25"/>
+            <p:cNvSpPr/>
+            <p:nvPr/>
+          </p:nvSpPr>
+          <p:spPr>
+            <a:xfrm>
+              <a:off x="9603442" y="-8467"/>
+              <a:ext cx="2588558" cy="6866467"/>
+            </a:xfrm>
+            <a:custGeom>
+              <a:avLst/>
+              <a:gdLst/>
+              <a:ahLst/>
+              <a:cxnLst/>
+              <a:rect l="l" t="t" r="r" b="b"/>
+              <a:pathLst>
+                <a:path w="2573311" h="6866467">
+                  <a:moveTo>
+                    <a:pt x="0" y="0"/>
+                  </a:moveTo>
+                  <a:lnTo>
+                    <a:pt x="2573311" y="0"/>
+                  </a:lnTo>
+                  <a:lnTo>
+                    <a:pt x="2573311" y="6866467"/>
+                  </a:lnTo>
+                  <a:lnTo>
+                    <a:pt x="1202336" y="6866467"/>
+                  </a:lnTo>
+                  <a:lnTo>
+                    <a:pt x="0" y="0"/>
+                  </a:lnTo>
+                  <a:close/>
+                </a:path>
+              </a:pathLst>
+            </a:custGeom>
+            <a:solidFill>
+              <a:schemeClr val="accent1">
+                <a:alpha val="20000"/>
+              </a:schemeClr>
+            </a:solidFill>
+            <a:ln>
+              <a:noFill/>
+            </a:ln>
+            <a:effectLst/>
+          </p:spPr>
+          <p:style>
+            <a:lnRef idx="1">
+              <a:schemeClr val="accent1"/>
+            </a:lnRef>
+            <a:fillRef idx="3">
+              <a:schemeClr val="accent1"/>
+            </a:fillRef>
+            <a:effectRef idx="2">
+              <a:schemeClr val="accent1"/>
+            </a:effectRef>
+            <a:fontRef idx="minor">
+              <a:schemeClr val="lt1"/>
+            </a:fontRef>
+          </p:style>
+        </p:sp>
+        <p:sp>
+          <p:nvSpPr>
+            <p:cNvPr id="24" name="Isosceles Triangle 23"/>
+            <p:cNvSpPr/>
+            <p:nvPr/>
+          </p:nvSpPr>
+          <p:spPr>
+            <a:xfrm>
+              <a:off x="8932333" y="3048000"/>
+              <a:ext cx="3259667" cy="3810000"/>
+            </a:xfrm>
+            <a:prstGeom prst="triangle">
+              <a:avLst>
+                <a:gd name="adj" fmla="val 100000"/>
+              </a:avLst>
+            </a:prstGeom>
+            <a:solidFill>
+              <a:schemeClr val="accent1">
+                <a:lumMod val="75000"/>
+                <a:alpha val="66000"/>
+              </a:schemeClr>
+            </a:solidFill>
+            <a:ln>
+              <a:noFill/>
+            </a:ln>
+            <a:effectLst/>
+          </p:spPr>
+          <p:style>
+            <a:lnRef idx="1">
+              <a:schemeClr val="accent1"/>
+            </a:lnRef>
+            <a:fillRef idx="3">
+              <a:schemeClr val="accent1"/>
+            </a:fillRef>
+            <a:effectRef idx="2">
+              <a:schemeClr val="accent1"/>
+            </a:effectRef>
+            <a:fontRef idx="minor">
+              <a:schemeClr val="lt1"/>
+            </a:fontRef>
+          </p:style>
+        </p:sp>
+        <p:sp>
+          <p:nvSpPr>
+            <p:cNvPr id="25" name="Rectangle 27"/>
+            <p:cNvSpPr/>
+            <p:nvPr/>
+          </p:nvSpPr>
+          <p:spPr>
+            <a:xfrm>
+              <a:off x="9334500" y="-8467"/>
+              <a:ext cx="2854326" cy="6866467"/>
+            </a:xfrm>
+            <a:custGeom>
+              <a:avLst/>
+              <a:gdLst/>
+              <a:ahLst/>
+              <a:cxnLst/>
+              <a:rect l="l" t="t" r="r" b="b"/>
+              <a:pathLst>
+                <a:path w="2858013" h="6866467">
+                  <a:moveTo>
+                    <a:pt x="0" y="0"/>
+                  </a:moveTo>
+                  <a:lnTo>
+                    <a:pt x="2858013" y="0"/>
+                  </a:lnTo>
+                  <a:lnTo>
+                    <a:pt x="2858013" y="6866467"/>
+                  </a:lnTo>
+                  <a:lnTo>
+                    <a:pt x="2473942" y="6866467"/>
+                  </a:lnTo>
+                  <a:lnTo>
+                    <a:pt x="0" y="0"/>
+                  </a:lnTo>
+                  <a:close/>
+                </a:path>
+              </a:pathLst>
+            </a:custGeom>
+            <a:solidFill>
+              <a:schemeClr val="accent1">
+                <a:lumMod val="75000"/>
+                <a:alpha val="50000"/>
+              </a:schemeClr>
+            </a:solidFill>
+            <a:ln>
+              <a:noFill/>
+            </a:ln>
+            <a:effectLst/>
+          </p:spPr>
+          <p:style>
+            <a:lnRef idx="1">
+              <a:schemeClr val="accent1"/>
+            </a:lnRef>
+            <a:fillRef idx="3">
+              <a:schemeClr val="accent1"/>
+            </a:fillRef>
+            <a:effectRef idx="2">
+              <a:schemeClr val="accent1"/>
+            </a:effectRef>
+            <a:fontRef idx="minor">
+              <a:schemeClr val="lt1"/>
+            </a:fontRef>
+          </p:style>
+        </p:sp>
+        <p:sp>
+          <p:nvSpPr>
+            <p:cNvPr id="26" name="Rectangle 28"/>
+            <p:cNvSpPr/>
+            <p:nvPr/>
+          </p:nvSpPr>
+          <p:spPr>
+            <a:xfrm>
+              <a:off x="10898730" y="-8467"/>
+              <a:ext cx="1290094" cy="6866467"/>
+            </a:xfrm>
+            <a:custGeom>
+              <a:avLst/>
+              <a:gdLst/>
+              <a:ahLst/>
+              <a:cxnLst/>
+              <a:rect l="l" t="t" r="r" b="b"/>
+              <a:pathLst>
+                <a:path w="1290094" h="6858000">
+                  <a:moveTo>
+                    <a:pt x="1019735" y="0"/>
+                  </a:moveTo>
+                  <a:lnTo>
+                    <a:pt x="1290094" y="0"/>
+                  </a:lnTo>
+                  <a:lnTo>
+                    <a:pt x="1290094" y="6858000"/>
+                  </a:lnTo>
+                  <a:lnTo>
+                    <a:pt x="0" y="6858000"/>
+                  </a:lnTo>
+                  <a:lnTo>
+                    <a:pt x="1019735" y="0"/>
+                  </a:lnTo>
+                  <a:close/>
+                </a:path>
+              </a:pathLst>
+            </a:custGeom>
+            <a:solidFill>
+              <a:schemeClr val="accent2">
+                <a:alpha val="70000"/>
+              </a:schemeClr>
+            </a:solidFill>
+            <a:ln>
+              <a:noFill/>
+            </a:ln>
+            <a:effectLst/>
+          </p:spPr>
+          <p:style>
+            <a:lnRef idx="1">
+              <a:schemeClr val="accent1"/>
+            </a:lnRef>
+            <a:fillRef idx="3">
+              <a:schemeClr val="accent1"/>
+            </a:fillRef>
+            <a:effectRef idx="2">
+              <a:schemeClr val="accent1"/>
+            </a:effectRef>
+            <a:fontRef idx="minor">
+              <a:schemeClr val="lt1"/>
+            </a:fontRef>
+          </p:style>
+        </p:sp>
+        <p:sp>
+          <p:nvSpPr>
+            <p:cNvPr id="27" name="Rectangle 29"/>
+            <p:cNvSpPr/>
+            <p:nvPr/>
+          </p:nvSpPr>
+          <p:spPr>
+            <a:xfrm>
+              <a:off x="10938999" y="-8467"/>
+              <a:ext cx="1249825" cy="6866467"/>
+            </a:xfrm>
+            <a:custGeom>
+              <a:avLst/>
+              <a:gdLst/>
+              <a:ahLst/>
+              <a:cxnLst/>
+              <a:rect l="l" t="t" r="r" b="b"/>
+              <a:pathLst>
+                <a:path w="1249825" h="6858000">
+                  <a:moveTo>
+                    <a:pt x="0" y="0"/>
+                  </a:moveTo>
+                  <a:lnTo>
+                    <a:pt x="1249825" y="0"/>
+                  </a:lnTo>
+                  <a:lnTo>
+                    <a:pt x="1249825" y="6858000"/>
+                  </a:lnTo>
+                  <a:lnTo>
+                    <a:pt x="1109382" y="6858000"/>
+                  </a:lnTo>
+                  <a:lnTo>
+                    <a:pt x="0" y="0"/>
+                  </a:lnTo>
+                  <a:close/>
+                </a:path>
+              </a:pathLst>
+            </a:custGeom>
+            <a:solidFill>
+              <a:schemeClr val="accent2">
+                <a:lumMod val="75000"/>
+                <a:alpha val="80000"/>
+              </a:schemeClr>
+            </a:solidFill>
+            <a:ln>
+              <a:noFill/>
+            </a:ln>
+            <a:effectLst/>
+          </p:spPr>
+          <p:style>
+            <a:lnRef idx="1">
+              <a:schemeClr val="accent1"/>
+            </a:lnRef>
+            <a:fillRef idx="3">
+              <a:schemeClr val="accent1"/>
+            </a:fillRef>
+            <a:effectRef idx="2">
+              <a:schemeClr val="accent1"/>
+            </a:effectRef>
+            <a:fontRef idx="minor">
+              <a:schemeClr val="lt1"/>
+            </a:fontRef>
+          </p:style>
+        </p:sp>
+        <p:sp>
+          <p:nvSpPr>
+            <p:cNvPr id="28" name="Isosceles Triangle 27"/>
+            <p:cNvSpPr/>
+            <p:nvPr/>
+          </p:nvSpPr>
+          <p:spPr>
+            <a:xfrm>
+              <a:off x="10371666" y="3589867"/>
+              <a:ext cx="1817159" cy="3268133"/>
+            </a:xfrm>
+            <a:prstGeom prst="triangle">
+              <a:avLst>
+                <a:gd name="adj" fmla="val 100000"/>
+              </a:avLst>
+            </a:prstGeom>
+            <a:solidFill>
+              <a:schemeClr val="accent1">
+                <a:lumMod val="75000"/>
+                <a:alpha val="66000"/>
+              </a:schemeClr>
+            </a:solidFill>
+            <a:ln>
+              <a:noFill/>
+            </a:ln>
+            <a:effectLst/>
+          </p:spPr>
+          <p:style>
+            <a:lnRef idx="1">
+              <a:schemeClr val="accent1"/>
+            </a:lnRef>
+            <a:fillRef idx="3">
+              <a:schemeClr val="accent1"/>
+            </a:fillRef>
+            <a:effectRef idx="2">
+              <a:schemeClr val="accent1"/>
+            </a:effectRef>
+            <a:fontRef idx="minor">
+              <a:schemeClr val="lt1"/>
+            </a:fontRef>
+          </p:style>
+        </p:sp>
+        <p:sp>
+          <p:nvSpPr>
+            <p:cNvPr id="19" name="Isosceles Triangle 18"/>
+            <p:cNvSpPr/>
+            <p:nvPr/>
+          </p:nvSpPr>
+          <p:spPr>
+            <a:xfrm>
+              <a:off x="0" y="4013200"/>
+              <a:ext cx="448733" cy="2844800"/>
+            </a:xfrm>
+            <a:prstGeom prst="triangle">
+              <a:avLst>
+                <a:gd name="adj" fmla="val 0"/>
+              </a:avLst>
+            </a:prstGeom>
+            <a:solidFill>
+              <a:schemeClr val="accent1">
+                <a:alpha val="70000"/>
+              </a:schemeClr>
+            </a:solidFill>
+            <a:ln>
+              <a:noFill/>
+            </a:ln>
+            <a:effectLst/>
+          </p:spPr>
+          <p:style>
+            <a:lnRef idx="1">
+              <a:schemeClr val="accent1"/>
+            </a:lnRef>
+            <a:fillRef idx="3">
+              <a:schemeClr val="accent1"/>
+            </a:fillRef>
+            <a:effectRef idx="2">
+              <a:schemeClr val="accent1"/>
+            </a:effectRef>
+            <a:fontRef idx="minor">
+              <a:schemeClr val="lt1"/>
+            </a:fontRef>
+          </p:style>
+        </p:sp>
+      </p:grpSp>
+      <p:sp>
+        <p:nvSpPr>
+          <p:cNvPr id="2" name="Title Placeholder 1"/>
           <p:cNvSpPr>
             <a:spLocks noGrp="1"/>
           </p:cNvSpPr>
@@ -2789,15 +5245,15 @@
         </p:nvSpPr>
         <p:spPr>
           <a:xfrm>
-            <a:off x="838200" y="365125"/>
-            <a:ext cx="10515600" cy="1325563"/>
+            <a:off x="677334" y="609600"/>
+            <a:ext cx="8596668" cy="1320800"/>
           </a:xfrm>
           <a:prstGeom prst="rect">
             <a:avLst/>
           </a:prstGeom>
         </p:spPr>
         <p:txBody>
-          <a:bodyPr vert="horz" lIns="91440" tIns="45720" rIns="91440" bIns="45720" rtlCol="0" anchor="ctr">
+          <a:bodyPr vert="horz" lIns="91440" tIns="45720" rIns="91440" bIns="45720" rtlCol="0" anchor="t">
             <a:normAutofit/>
           </a:bodyPr>
           <a:lstStyle/>
@@ -2806,18 +5262,13 @@
               <a:rPr lang="fr-FR"/>
               <a:t>Modifiez le style du titre</a:t>
             </a:r>
-          </a:p>
-        </p:txBody>
-      </p:sp>
-      <p:sp>
-        <p:nvSpPr>
-          <p:cNvPr id="3" name="Espace réservé du texte 2">
-            <a:extLst>
-              <a:ext uri="{FF2B5EF4-FFF2-40B4-BE49-F238E27FC236}">
-                <a16:creationId xmlns:a16="http://schemas.microsoft.com/office/drawing/2014/main" id="{BB5F4089-4DB0-4789-AC02-02E71405D17F}"/>
-              </a:ext>
-            </a:extLst>
-          </p:cNvPr>
+            <a:endParaRPr lang="en-US" dirty="0"/>
+          </a:p>
+        </p:txBody>
+      </p:sp>
+      <p:sp>
+        <p:nvSpPr>
+          <p:cNvPr id="3" name="Text Placeholder 2"/>
           <p:cNvSpPr>
             <a:spLocks noGrp="1"/>
           </p:cNvSpPr>
@@ -2827,8 +5278,8 @@
         </p:nvSpPr>
         <p:spPr>
           <a:xfrm>
-            <a:off x="838200" y="1825625"/>
-            <a:ext cx="10515600" cy="4351338"/>
+            <a:off x="677334" y="2160589"/>
+            <a:ext cx="8596668" cy="3880773"/>
           </a:xfrm>
           <a:prstGeom prst="rect">
             <a:avLst/>
@@ -2873,18 +5324,13 @@
               <a:rPr lang="fr-FR"/>
               <a:t>Cinquième niveau</a:t>
             </a:r>
-          </a:p>
-        </p:txBody>
-      </p:sp>
-      <p:sp>
-        <p:nvSpPr>
-          <p:cNvPr id="4" name="Espace réservé de la date 3">
-            <a:extLst>
-              <a:ext uri="{FF2B5EF4-FFF2-40B4-BE49-F238E27FC236}">
-                <a16:creationId xmlns:a16="http://schemas.microsoft.com/office/drawing/2014/main" id="{0BB0E408-6C32-4BA8-9981-243C4821401D}"/>
-              </a:ext>
-            </a:extLst>
-          </p:cNvPr>
+            <a:endParaRPr lang="en-US" dirty="0"/>
+          </a:p>
+        </p:txBody>
+      </p:sp>
+      <p:sp>
+        <p:nvSpPr>
+          <p:cNvPr id="4" name="Date Placeholder 3"/>
           <p:cNvSpPr>
             <a:spLocks noGrp="1"/>
           </p:cNvSpPr>
@@ -2894,8 +5340,8 @@
         </p:nvSpPr>
         <p:spPr>
           <a:xfrm>
-            <a:off x="838200" y="6356350"/>
-            <a:ext cx="2743200" cy="365125"/>
+            <a:off x="7205133" y="6041362"/>
+            <a:ext cx="911939" cy="365125"/>
           </a:xfrm>
           <a:prstGeom prst="rect">
             <a:avLst/>
@@ -2904,8 +5350,8 @@
         <p:txBody>
           <a:bodyPr vert="horz" lIns="91440" tIns="45720" rIns="91440" bIns="45720" rtlCol="0" anchor="ctr"/>
           <a:lstStyle>
-            <a:lvl1pPr algn="l">
-              <a:defRPr sz="1200">
+            <a:lvl1pPr algn="r">
+              <a:defRPr sz="900">
                 <a:solidFill>
                   <a:schemeClr val="tx1">
                     <a:tint val="75000"/>
@@ -2917,7 +5363,7 @@
           <a:p>
             <a:fld id="{250AD534-3EBC-48D0-921E-0A4167B28C6B}" type="datetimeFigureOut">
               <a:rPr lang="fr-FR" smtClean="0"/>
-              <a:t>17/12/2020</a:t>
+              <a:t>18/12/2020</a:t>
             </a:fld>
             <a:endParaRPr lang="fr-FR"/>
           </a:p>
@@ -2925,13 +5371,7 @@
       </p:sp>
       <p:sp>
         <p:nvSpPr>
-          <p:cNvPr id="5" name="Espace réservé du pied de page 4">
-            <a:extLst>
-              <a:ext uri="{FF2B5EF4-FFF2-40B4-BE49-F238E27FC236}">
-                <a16:creationId xmlns:a16="http://schemas.microsoft.com/office/drawing/2014/main" id="{30A0D8FD-8DCF-4A9E-9303-E6FC7E8E3BC2}"/>
-              </a:ext>
-            </a:extLst>
-          </p:cNvPr>
+          <p:cNvPr id="5" name="Footer Placeholder 4"/>
           <p:cNvSpPr>
             <a:spLocks noGrp="1"/>
           </p:cNvSpPr>
@@ -2941,8 +5381,8 @@
         </p:nvSpPr>
         <p:spPr>
           <a:xfrm>
-            <a:off x="4038600" y="6356350"/>
-            <a:ext cx="4114800" cy="365125"/>
+            <a:off x="677334" y="6041362"/>
+            <a:ext cx="6297612" cy="365125"/>
           </a:xfrm>
           <a:prstGeom prst="rect">
             <a:avLst/>
@@ -2951,8 +5391,8 @@
         <p:txBody>
           <a:bodyPr vert="horz" lIns="91440" tIns="45720" rIns="91440" bIns="45720" rtlCol="0" anchor="ctr"/>
           <a:lstStyle>
-            <a:lvl1pPr algn="ctr">
-              <a:defRPr sz="1200">
+            <a:lvl1pPr algn="l">
+              <a:defRPr sz="900">
                 <a:solidFill>
                   <a:schemeClr val="tx1">
                     <a:tint val="75000"/>
@@ -2968,13 +5408,7 @@
       </p:sp>
       <p:sp>
         <p:nvSpPr>
-          <p:cNvPr id="6" name="Espace réservé du numéro de diapositive 5">
-            <a:extLst>
-              <a:ext uri="{FF2B5EF4-FFF2-40B4-BE49-F238E27FC236}">
-                <a16:creationId xmlns:a16="http://schemas.microsoft.com/office/drawing/2014/main" id="{23F970D7-D39C-4BF0-AEA5-A089A10EA560}"/>
-              </a:ext>
-            </a:extLst>
-          </p:cNvPr>
+          <p:cNvPr id="6" name="Slide Number Placeholder 5"/>
           <p:cNvSpPr>
             <a:spLocks noGrp="1"/>
           </p:cNvSpPr>
@@ -2984,8 +5418,8 @@
         </p:nvSpPr>
         <p:spPr>
           <a:xfrm>
-            <a:off x="8610600" y="6356350"/>
-            <a:ext cx="2743200" cy="365125"/>
+            <a:off x="8590663" y="6041362"/>
+            <a:ext cx="683339" cy="365125"/>
           </a:xfrm>
           <a:prstGeom prst="rect">
             <a:avLst/>
@@ -2995,11 +5429,9 @@
           <a:bodyPr vert="horz" lIns="91440" tIns="45720" rIns="91440" bIns="45720" rtlCol="0" anchor="ctr"/>
           <a:lstStyle>
             <a:lvl1pPr algn="r">
-              <a:defRPr sz="1200">
+              <a:defRPr sz="900">
                 <a:solidFill>
-                  <a:schemeClr val="tx1">
-                    <a:tint val="75000"/>
-                  </a:schemeClr>
+                  <a:schemeClr val="accent1"/>
                 </a:solidFill>
               </a:defRPr>
             </a:lvl1pPr>
@@ -3016,55 +5448,338 @@
     </p:spTree>
     <p:extLst>
       <p:ext uri="{BB962C8B-B14F-4D97-AF65-F5344CB8AC3E}">
-        <p14:creationId xmlns:p14="http://schemas.microsoft.com/office/powerpoint/2010/main" val="1780860922"/>
+        <p14:creationId xmlns:p14="http://schemas.microsoft.com/office/powerpoint/2010/main" val="3428225744"/>
       </p:ext>
     </p:extLst>
   </p:cSld>
   <p:clrMap bg1="lt1" tx1="dk1" bg2="lt2" tx2="dk2" accent1="accent1" accent2="accent2" accent3="accent3" accent4="accent4" accent5="accent5" accent6="accent6" hlink="hlink" folHlink="folHlink"/>
   <p:sldLayoutIdLst>
-    <p:sldLayoutId id="2147483649" r:id="rId1"/>
-    <p:sldLayoutId id="2147483650" r:id="rId2"/>
-    <p:sldLayoutId id="2147483651" r:id="rId3"/>
-    <p:sldLayoutId id="2147483652" r:id="rId4"/>
-    <p:sldLayoutId id="2147483653" r:id="rId5"/>
-    <p:sldLayoutId id="2147483654" r:id="rId6"/>
-    <p:sldLayoutId id="2147483655" r:id="rId7"/>
-    <p:sldLayoutId id="2147483656" r:id="rId8"/>
-    <p:sldLayoutId id="2147483657" r:id="rId9"/>
-    <p:sldLayoutId id="2147483658" r:id="rId10"/>
-    <p:sldLayoutId id="2147483659" r:id="rId11"/>
+    <p:sldLayoutId id="2147483959" r:id="rId1"/>
+    <p:sldLayoutId id="2147483960" r:id="rId2"/>
+    <p:sldLayoutId id="2147483961" r:id="rId3"/>
+    <p:sldLayoutId id="2147483962" r:id="rId4"/>
+    <p:sldLayoutId id="2147483963" r:id="rId5"/>
+    <p:sldLayoutId id="2147483964" r:id="rId6"/>
+    <p:sldLayoutId id="2147483965" r:id="rId7"/>
+    <p:sldLayoutId id="2147483966" r:id="rId8"/>
+    <p:sldLayoutId id="2147483967" r:id="rId9"/>
+    <p:sldLayoutId id="2147483968" r:id="rId10"/>
+    <p:sldLayoutId id="2147483969" r:id="rId11"/>
+    <p:sldLayoutId id="2147483970" r:id="rId12"/>
+    <p:sldLayoutId id="2147483971" r:id="rId13"/>
+    <p:sldLayoutId id="2147483972" r:id="rId14"/>
+    <p:sldLayoutId id="2147483973" r:id="rId15"/>
+    <p:sldLayoutId id="2147483974" r:id="rId16"/>
   </p:sldLayoutIdLst>
+  <p:transition spd="slow">
+    <p:push dir="u"/>
+  </p:transition>
   <p:txStyles>
     <p:titleStyle>
-      <a:lvl1pPr algn="l" defTabSz="914400" rtl="0" eaLnBrk="1" latinLnBrk="0" hangingPunct="1">
-        <a:lnSpc>
-          <a:spcPct val="90000"/>
-        </a:lnSpc>
+      <a:lvl1pPr algn="l" defTabSz="457200" rtl="0" eaLnBrk="1" latinLnBrk="0" hangingPunct="1">
         <a:spcBef>
           <a:spcPct val="0"/>
         </a:spcBef>
         <a:buNone/>
-        <a:defRPr sz="4400" kern="1200">
+        <a:defRPr sz="3600" kern="1200">
           <a:solidFill>
-            <a:schemeClr val="tx1"/>
+            <a:schemeClr val="accent1"/>
           </a:solidFill>
           <a:latin typeface="+mj-lt"/>
           <a:ea typeface="+mj-ea"/>
           <a:cs typeface="+mj-cs"/>
         </a:defRPr>
       </a:lvl1pPr>
+      <a:lvl2pPr eaLnBrk="1" hangingPunct="1">
+        <a:defRPr>
+          <a:solidFill>
+            <a:schemeClr val="tx2"/>
+          </a:solidFill>
+        </a:defRPr>
+      </a:lvl2pPr>
+      <a:lvl3pPr eaLnBrk="1" hangingPunct="1">
+        <a:defRPr>
+          <a:solidFill>
+            <a:schemeClr val="tx2"/>
+          </a:solidFill>
+        </a:defRPr>
+      </a:lvl3pPr>
+      <a:lvl4pPr eaLnBrk="1" hangingPunct="1">
+        <a:defRPr>
+          <a:solidFill>
+            <a:schemeClr val="tx2"/>
+          </a:solidFill>
+        </a:defRPr>
+      </a:lvl4pPr>
+      <a:lvl5pPr eaLnBrk="1" hangingPunct="1">
+        <a:defRPr>
+          <a:solidFill>
+            <a:schemeClr val="tx2"/>
+          </a:solidFill>
+        </a:defRPr>
+      </a:lvl5pPr>
+      <a:lvl6pPr eaLnBrk="1" hangingPunct="1">
+        <a:defRPr>
+          <a:solidFill>
+            <a:schemeClr val="tx2"/>
+          </a:solidFill>
+        </a:defRPr>
+      </a:lvl6pPr>
+      <a:lvl7pPr eaLnBrk="1" hangingPunct="1">
+        <a:defRPr>
+          <a:solidFill>
+            <a:schemeClr val="tx2"/>
+          </a:solidFill>
+        </a:defRPr>
+      </a:lvl7pPr>
+      <a:lvl8pPr eaLnBrk="1" hangingPunct="1">
+        <a:defRPr>
+          <a:solidFill>
+            <a:schemeClr val="tx2"/>
+          </a:solidFill>
+        </a:defRPr>
+      </a:lvl8pPr>
+      <a:lvl9pPr eaLnBrk="1" hangingPunct="1">
+        <a:defRPr>
+          <a:solidFill>
+            <a:schemeClr val="tx2"/>
+          </a:solidFill>
+        </a:defRPr>
+      </a:lvl9pPr>
     </p:titleStyle>
     <p:bodyStyle>
-      <a:lvl1pPr marL="228600" indent="-228600" algn="l" defTabSz="914400" rtl="0" eaLnBrk="1" latinLnBrk="0" hangingPunct="1">
-        <a:lnSpc>
-          <a:spcPct val="90000"/>
-        </a:lnSpc>
+      <a:lvl1pPr marL="342900" indent="-342900" algn="l" defTabSz="457200" rtl="0" eaLnBrk="1" latinLnBrk="0" hangingPunct="1">
         <a:spcBef>
           <a:spcPts val="1000"/>
         </a:spcBef>
-        <a:buFont typeface="Arial" panose="020B0604020202020204" pitchFamily="34" charset="0"/>
-        <a:buChar char="•"/>
-        <a:defRPr sz="2800" kern="1200">
+        <a:spcAft>
+          <a:spcPts val="0"/>
+        </a:spcAft>
+        <a:buClr>
+          <a:schemeClr val="accent1"/>
+        </a:buClr>
+        <a:buSzPct val="80000"/>
+        <a:buFont typeface="Wingdings 3" charset="2"/>
+        <a:buChar char=""/>
+        <a:defRPr sz="1800" kern="1200">
+          <a:solidFill>
+            <a:schemeClr val="tx1">
+              <a:lumMod val="75000"/>
+              <a:lumOff val="25000"/>
+            </a:schemeClr>
+          </a:solidFill>
+          <a:latin typeface="+mn-lt"/>
+          <a:ea typeface="+mn-ea"/>
+          <a:cs typeface="+mn-cs"/>
+        </a:defRPr>
+      </a:lvl1pPr>
+      <a:lvl2pPr marL="742950" indent="-285750" algn="l" defTabSz="457200" rtl="0" eaLnBrk="1" latinLnBrk="0" hangingPunct="1">
+        <a:spcBef>
+          <a:spcPts val="1000"/>
+        </a:spcBef>
+        <a:spcAft>
+          <a:spcPts val="0"/>
+        </a:spcAft>
+        <a:buClr>
+          <a:schemeClr val="accent1"/>
+        </a:buClr>
+        <a:buSzPct val="80000"/>
+        <a:buFont typeface="Wingdings 3" charset="2"/>
+        <a:buChar char=""/>
+        <a:defRPr sz="1600" kern="1200">
+          <a:solidFill>
+            <a:schemeClr val="tx1">
+              <a:lumMod val="75000"/>
+              <a:lumOff val="25000"/>
+            </a:schemeClr>
+          </a:solidFill>
+          <a:latin typeface="+mn-lt"/>
+          <a:ea typeface="+mn-ea"/>
+          <a:cs typeface="+mn-cs"/>
+        </a:defRPr>
+      </a:lvl2pPr>
+      <a:lvl3pPr marL="1143000" indent="-228600" algn="l" defTabSz="457200" rtl="0" eaLnBrk="1" latinLnBrk="0" hangingPunct="1">
+        <a:spcBef>
+          <a:spcPts val="1000"/>
+        </a:spcBef>
+        <a:spcAft>
+          <a:spcPts val="0"/>
+        </a:spcAft>
+        <a:buClr>
+          <a:schemeClr val="accent1"/>
+        </a:buClr>
+        <a:buSzPct val="80000"/>
+        <a:buFont typeface="Wingdings 3" charset="2"/>
+        <a:buChar char=""/>
+        <a:defRPr sz="1400" kern="1200">
+          <a:solidFill>
+            <a:schemeClr val="tx1">
+              <a:lumMod val="75000"/>
+              <a:lumOff val="25000"/>
+            </a:schemeClr>
+          </a:solidFill>
+          <a:latin typeface="+mn-lt"/>
+          <a:ea typeface="+mn-ea"/>
+          <a:cs typeface="+mn-cs"/>
+        </a:defRPr>
+      </a:lvl3pPr>
+      <a:lvl4pPr marL="1600200" indent="-228600" algn="l" defTabSz="457200" rtl="0" eaLnBrk="1" latinLnBrk="0" hangingPunct="1">
+        <a:spcBef>
+          <a:spcPts val="1000"/>
+        </a:spcBef>
+        <a:spcAft>
+          <a:spcPts val="0"/>
+        </a:spcAft>
+        <a:buClr>
+          <a:schemeClr val="accent1"/>
+        </a:buClr>
+        <a:buSzPct val="80000"/>
+        <a:buFont typeface="Wingdings 3" charset="2"/>
+        <a:buChar char=""/>
+        <a:defRPr sz="1200" kern="1200">
+          <a:solidFill>
+            <a:schemeClr val="tx1">
+              <a:lumMod val="75000"/>
+              <a:lumOff val="25000"/>
+            </a:schemeClr>
+          </a:solidFill>
+          <a:latin typeface="+mn-lt"/>
+          <a:ea typeface="+mn-ea"/>
+          <a:cs typeface="+mn-cs"/>
+        </a:defRPr>
+      </a:lvl4pPr>
+      <a:lvl5pPr marL="2057400" indent="-228600" algn="l" defTabSz="457200" rtl="0" eaLnBrk="1" latinLnBrk="0" hangingPunct="1">
+        <a:spcBef>
+          <a:spcPts val="1000"/>
+        </a:spcBef>
+        <a:spcAft>
+          <a:spcPts val="0"/>
+        </a:spcAft>
+        <a:buClr>
+          <a:schemeClr val="accent1"/>
+        </a:buClr>
+        <a:buSzPct val="80000"/>
+        <a:buFont typeface="Wingdings 3" charset="2"/>
+        <a:buChar char=""/>
+        <a:defRPr sz="1200" kern="1200">
+          <a:solidFill>
+            <a:schemeClr val="tx1">
+              <a:lumMod val="75000"/>
+              <a:lumOff val="25000"/>
+            </a:schemeClr>
+          </a:solidFill>
+          <a:latin typeface="+mn-lt"/>
+          <a:ea typeface="+mn-ea"/>
+          <a:cs typeface="+mn-cs"/>
+        </a:defRPr>
+      </a:lvl5pPr>
+      <a:lvl6pPr marL="2514600" indent="-228600" algn="l" defTabSz="457200" rtl="0" eaLnBrk="1" latinLnBrk="0" hangingPunct="1">
+        <a:spcBef>
+          <a:spcPts val="1000"/>
+        </a:spcBef>
+        <a:spcAft>
+          <a:spcPts val="0"/>
+        </a:spcAft>
+        <a:buClr>
+          <a:schemeClr val="accent1"/>
+        </a:buClr>
+        <a:buSzPct val="80000"/>
+        <a:buFont typeface="Wingdings 3" charset="2"/>
+        <a:buChar char=""/>
+        <a:defRPr sz="1200" kern="1200">
+          <a:solidFill>
+            <a:schemeClr val="tx1">
+              <a:lumMod val="75000"/>
+              <a:lumOff val="25000"/>
+            </a:schemeClr>
+          </a:solidFill>
+          <a:latin typeface="+mn-lt"/>
+          <a:ea typeface="+mn-ea"/>
+          <a:cs typeface="+mn-cs"/>
+        </a:defRPr>
+      </a:lvl6pPr>
+      <a:lvl7pPr marL="2971800" indent="-228600" algn="l" defTabSz="457200" rtl="0" eaLnBrk="1" latinLnBrk="0" hangingPunct="1">
+        <a:spcBef>
+          <a:spcPts val="1000"/>
+        </a:spcBef>
+        <a:spcAft>
+          <a:spcPts val="0"/>
+        </a:spcAft>
+        <a:buClr>
+          <a:schemeClr val="accent1"/>
+        </a:buClr>
+        <a:buSzPct val="80000"/>
+        <a:buFont typeface="Wingdings 3" charset="2"/>
+        <a:buChar char=""/>
+        <a:defRPr sz="1200" kern="1200">
+          <a:solidFill>
+            <a:schemeClr val="tx1">
+              <a:lumMod val="75000"/>
+              <a:lumOff val="25000"/>
+            </a:schemeClr>
+          </a:solidFill>
+          <a:latin typeface="+mn-lt"/>
+          <a:ea typeface="+mn-ea"/>
+          <a:cs typeface="+mn-cs"/>
+        </a:defRPr>
+      </a:lvl7pPr>
+      <a:lvl8pPr marL="3429000" indent="-228600" algn="l" defTabSz="457200" rtl="0" eaLnBrk="1" latinLnBrk="0" hangingPunct="1">
+        <a:spcBef>
+          <a:spcPts val="1000"/>
+        </a:spcBef>
+        <a:spcAft>
+          <a:spcPts val="0"/>
+        </a:spcAft>
+        <a:buClr>
+          <a:schemeClr val="accent1"/>
+        </a:buClr>
+        <a:buSzPct val="80000"/>
+        <a:buFont typeface="Wingdings 3" charset="2"/>
+        <a:buChar char=""/>
+        <a:defRPr sz="1200" kern="1200">
+          <a:solidFill>
+            <a:schemeClr val="tx1">
+              <a:lumMod val="75000"/>
+              <a:lumOff val="25000"/>
+            </a:schemeClr>
+          </a:solidFill>
+          <a:latin typeface="+mn-lt"/>
+          <a:ea typeface="+mn-ea"/>
+          <a:cs typeface="+mn-cs"/>
+        </a:defRPr>
+      </a:lvl8pPr>
+      <a:lvl9pPr marL="3886200" indent="-228600" algn="l" defTabSz="457200" rtl="0" eaLnBrk="1" latinLnBrk="0" hangingPunct="1">
+        <a:spcBef>
+          <a:spcPts val="1000"/>
+        </a:spcBef>
+        <a:spcAft>
+          <a:spcPts val="0"/>
+        </a:spcAft>
+        <a:buClr>
+          <a:schemeClr val="accent1"/>
+        </a:buClr>
+        <a:buSzPct val="80000"/>
+        <a:buFont typeface="Wingdings 3" charset="2"/>
+        <a:buChar char=""/>
+        <a:defRPr sz="1200" kern="1200">
+          <a:solidFill>
+            <a:schemeClr val="tx1">
+              <a:lumMod val="75000"/>
+              <a:lumOff val="25000"/>
+            </a:schemeClr>
+          </a:solidFill>
+          <a:latin typeface="+mn-lt"/>
+          <a:ea typeface="+mn-ea"/>
+          <a:cs typeface="+mn-cs"/>
+        </a:defRPr>
+      </a:lvl9pPr>
+    </p:bodyStyle>
+    <p:otherStyle>
+      <a:defPPr>
+        <a:defRPr lang="en-US"/>
+      </a:defPPr>
+      <a:lvl1pPr marL="0" algn="l" defTabSz="457200" rtl="0" eaLnBrk="1" latinLnBrk="0" hangingPunct="1">
+        <a:defRPr sz="1800" kern="1200">
           <a:solidFill>
             <a:schemeClr val="tx1"/>
           </a:solidFill>
@@ -3073,16 +5788,8 @@
           <a:cs typeface="+mn-cs"/>
         </a:defRPr>
       </a:lvl1pPr>
-      <a:lvl2pPr marL="685800" indent="-228600" algn="l" defTabSz="914400" rtl="0" eaLnBrk="1" latinLnBrk="0" hangingPunct="1">
-        <a:lnSpc>
-          <a:spcPct val="90000"/>
-        </a:lnSpc>
-        <a:spcBef>
-          <a:spcPts val="500"/>
-        </a:spcBef>
-        <a:buFont typeface="Arial" panose="020B0604020202020204" pitchFamily="34" charset="0"/>
-        <a:buChar char="•"/>
-        <a:defRPr sz="2400" kern="1200">
+      <a:lvl2pPr marL="457200" algn="l" defTabSz="457200" rtl="0" eaLnBrk="1" latinLnBrk="0" hangingPunct="1">
+        <a:defRPr sz="1800" kern="1200">
           <a:solidFill>
             <a:schemeClr val="tx1"/>
           </a:solidFill>
@@ -3091,16 +5798,8 @@
           <a:cs typeface="+mn-cs"/>
         </a:defRPr>
       </a:lvl2pPr>
-      <a:lvl3pPr marL="1143000" indent="-228600" algn="l" defTabSz="914400" rtl="0" eaLnBrk="1" latinLnBrk="0" hangingPunct="1">
-        <a:lnSpc>
-          <a:spcPct val="90000"/>
-        </a:lnSpc>
-        <a:spcBef>
-          <a:spcPts val="500"/>
-        </a:spcBef>
-        <a:buFont typeface="Arial" panose="020B0604020202020204" pitchFamily="34" charset="0"/>
-        <a:buChar char="•"/>
-        <a:defRPr sz="2000" kern="1200">
+      <a:lvl3pPr marL="914400" algn="l" defTabSz="457200" rtl="0" eaLnBrk="1" latinLnBrk="0" hangingPunct="1">
+        <a:defRPr sz="1800" kern="1200">
           <a:solidFill>
             <a:schemeClr val="tx1"/>
           </a:solidFill>
@@ -3109,15 +5808,7 @@
           <a:cs typeface="+mn-cs"/>
         </a:defRPr>
       </a:lvl3pPr>
-      <a:lvl4pPr marL="1600200" indent="-228600" algn="l" defTabSz="914400" rtl="0" eaLnBrk="1" latinLnBrk="0" hangingPunct="1">
-        <a:lnSpc>
-          <a:spcPct val="90000"/>
-        </a:lnSpc>
-        <a:spcBef>
-          <a:spcPts val="500"/>
-        </a:spcBef>
-        <a:buFont typeface="Arial" panose="020B0604020202020204" pitchFamily="34" charset="0"/>
-        <a:buChar char="•"/>
+      <a:lvl4pPr marL="1371600" algn="l" defTabSz="457200" rtl="0" eaLnBrk="1" latinLnBrk="0" hangingPunct="1">
         <a:defRPr sz="1800" kern="1200">
           <a:solidFill>
             <a:schemeClr val="tx1"/>
@@ -3127,15 +5818,7 @@
           <a:cs typeface="+mn-cs"/>
         </a:defRPr>
       </a:lvl4pPr>
-      <a:lvl5pPr marL="2057400" indent="-228600" algn="l" defTabSz="914400" rtl="0" eaLnBrk="1" latinLnBrk="0" hangingPunct="1">
-        <a:lnSpc>
-          <a:spcPct val="90000"/>
-        </a:lnSpc>
-        <a:spcBef>
-          <a:spcPts val="500"/>
-        </a:spcBef>
-        <a:buFont typeface="Arial" panose="020B0604020202020204" pitchFamily="34" charset="0"/>
-        <a:buChar char="•"/>
+      <a:lvl5pPr marL="1828800" algn="l" defTabSz="457200" rtl="0" eaLnBrk="1" latinLnBrk="0" hangingPunct="1">
         <a:defRPr sz="1800" kern="1200">
           <a:solidFill>
             <a:schemeClr val="tx1"/>
@@ -3145,15 +5828,7 @@
           <a:cs typeface="+mn-cs"/>
         </a:defRPr>
       </a:lvl5pPr>
-      <a:lvl6pPr marL="2514600" indent="-228600" algn="l" defTabSz="914400" rtl="0" eaLnBrk="1" latinLnBrk="0" hangingPunct="1">
-        <a:lnSpc>
-          <a:spcPct val="90000"/>
-        </a:lnSpc>
-        <a:spcBef>
-          <a:spcPts val="500"/>
-        </a:spcBef>
-        <a:buFont typeface="Arial" panose="020B0604020202020204" pitchFamily="34" charset="0"/>
-        <a:buChar char="•"/>
+      <a:lvl6pPr marL="2286000" algn="l" defTabSz="457200" rtl="0" eaLnBrk="1" latinLnBrk="0" hangingPunct="1">
         <a:defRPr sz="1800" kern="1200">
           <a:solidFill>
             <a:schemeClr val="tx1"/>
@@ -3163,15 +5838,7 @@
           <a:cs typeface="+mn-cs"/>
         </a:defRPr>
       </a:lvl6pPr>
-      <a:lvl7pPr marL="2971800" indent="-228600" algn="l" defTabSz="914400" rtl="0" eaLnBrk="1" latinLnBrk="0" hangingPunct="1">
-        <a:lnSpc>
-          <a:spcPct val="90000"/>
-        </a:lnSpc>
-        <a:spcBef>
-          <a:spcPts val="500"/>
-        </a:spcBef>
-        <a:buFont typeface="Arial" panose="020B0604020202020204" pitchFamily="34" charset="0"/>
-        <a:buChar char="•"/>
+      <a:lvl7pPr marL="2743200" algn="l" defTabSz="457200" rtl="0" eaLnBrk="1" latinLnBrk="0" hangingPunct="1">
         <a:defRPr sz="1800" kern="1200">
           <a:solidFill>
             <a:schemeClr val="tx1"/>
@@ -3181,15 +5848,7 @@
           <a:cs typeface="+mn-cs"/>
         </a:defRPr>
       </a:lvl7pPr>
-      <a:lvl8pPr marL="3429000" indent="-228600" algn="l" defTabSz="914400" rtl="0" eaLnBrk="1" latinLnBrk="0" hangingPunct="1">
-        <a:lnSpc>
-          <a:spcPct val="90000"/>
-        </a:lnSpc>
-        <a:spcBef>
-          <a:spcPts val="500"/>
-        </a:spcBef>
-        <a:buFont typeface="Arial" panose="020B0604020202020204" pitchFamily="34" charset="0"/>
-        <a:buChar char="•"/>
+      <a:lvl8pPr marL="3200400" algn="l" defTabSz="457200" rtl="0" eaLnBrk="1" latinLnBrk="0" hangingPunct="1">
         <a:defRPr sz="1800" kern="1200">
           <a:solidFill>
             <a:schemeClr val="tx1"/>
@@ -3199,110 +5858,7 @@
           <a:cs typeface="+mn-cs"/>
         </a:defRPr>
       </a:lvl8pPr>
-      <a:lvl9pPr marL="3886200" indent="-228600" algn="l" defTabSz="914400" rtl="0" eaLnBrk="1" latinLnBrk="0" hangingPunct="1">
-        <a:lnSpc>
-          <a:spcPct val="90000"/>
-        </a:lnSpc>
-        <a:spcBef>
-          <a:spcPts val="500"/>
-        </a:spcBef>
-        <a:buFont typeface="Arial" panose="020B0604020202020204" pitchFamily="34" charset="0"/>
-        <a:buChar char="•"/>
-        <a:defRPr sz="1800" kern="1200">
-          <a:solidFill>
-            <a:schemeClr val="tx1"/>
-          </a:solidFill>
-          <a:latin typeface="+mn-lt"/>
-          <a:ea typeface="+mn-ea"/>
-          <a:cs typeface="+mn-cs"/>
-        </a:defRPr>
-      </a:lvl9pPr>
-    </p:bodyStyle>
-    <p:otherStyle>
-      <a:defPPr>
-        <a:defRPr lang="fr-FR"/>
-      </a:defPPr>
-      <a:lvl1pPr marL="0" algn="l" defTabSz="914400" rtl="0" eaLnBrk="1" latinLnBrk="0" hangingPunct="1">
-        <a:defRPr sz="1800" kern="1200">
-          <a:solidFill>
-            <a:schemeClr val="tx1"/>
-          </a:solidFill>
-          <a:latin typeface="+mn-lt"/>
-          <a:ea typeface="+mn-ea"/>
-          <a:cs typeface="+mn-cs"/>
-        </a:defRPr>
-      </a:lvl1pPr>
-      <a:lvl2pPr marL="457200" algn="l" defTabSz="914400" rtl="0" eaLnBrk="1" latinLnBrk="0" hangingPunct="1">
-        <a:defRPr sz="1800" kern="1200">
-          <a:solidFill>
-            <a:schemeClr val="tx1"/>
-          </a:solidFill>
-          <a:latin typeface="+mn-lt"/>
-          <a:ea typeface="+mn-ea"/>
-          <a:cs typeface="+mn-cs"/>
-        </a:defRPr>
-      </a:lvl2pPr>
-      <a:lvl3pPr marL="914400" algn="l" defTabSz="914400" rtl="0" eaLnBrk="1" latinLnBrk="0" hangingPunct="1">
-        <a:defRPr sz="1800" kern="1200">
-          <a:solidFill>
-            <a:schemeClr val="tx1"/>
-          </a:solidFill>
-          <a:latin typeface="+mn-lt"/>
-          <a:ea typeface="+mn-ea"/>
-          <a:cs typeface="+mn-cs"/>
-        </a:defRPr>
-      </a:lvl3pPr>
-      <a:lvl4pPr marL="1371600" algn="l" defTabSz="914400" rtl="0" eaLnBrk="1" latinLnBrk="0" hangingPunct="1">
-        <a:defRPr sz="1800" kern="1200">
-          <a:solidFill>
-            <a:schemeClr val="tx1"/>
-          </a:solidFill>
-          <a:latin typeface="+mn-lt"/>
-          <a:ea typeface="+mn-ea"/>
-          <a:cs typeface="+mn-cs"/>
-        </a:defRPr>
-      </a:lvl4pPr>
-      <a:lvl5pPr marL="1828800" algn="l" defTabSz="914400" rtl="0" eaLnBrk="1" latinLnBrk="0" hangingPunct="1">
-        <a:defRPr sz="1800" kern="1200">
-          <a:solidFill>
-            <a:schemeClr val="tx1"/>
-          </a:solidFill>
-          <a:latin typeface="+mn-lt"/>
-          <a:ea typeface="+mn-ea"/>
-          <a:cs typeface="+mn-cs"/>
-        </a:defRPr>
-      </a:lvl5pPr>
-      <a:lvl6pPr marL="2286000" algn="l" defTabSz="914400" rtl="0" eaLnBrk="1" latinLnBrk="0" hangingPunct="1">
-        <a:defRPr sz="1800" kern="1200">
-          <a:solidFill>
-            <a:schemeClr val="tx1"/>
-          </a:solidFill>
-          <a:latin typeface="+mn-lt"/>
-          <a:ea typeface="+mn-ea"/>
-          <a:cs typeface="+mn-cs"/>
-        </a:defRPr>
-      </a:lvl6pPr>
-      <a:lvl7pPr marL="2743200" algn="l" defTabSz="914400" rtl="0" eaLnBrk="1" latinLnBrk="0" hangingPunct="1">
-        <a:defRPr sz="1800" kern="1200">
-          <a:solidFill>
-            <a:schemeClr val="tx1"/>
-          </a:solidFill>
-          <a:latin typeface="+mn-lt"/>
-          <a:ea typeface="+mn-ea"/>
-          <a:cs typeface="+mn-cs"/>
-        </a:defRPr>
-      </a:lvl7pPr>
-      <a:lvl8pPr marL="3200400" algn="l" defTabSz="914400" rtl="0" eaLnBrk="1" latinLnBrk="0" hangingPunct="1">
-        <a:defRPr sz="1800" kern="1200">
-          <a:solidFill>
-            <a:schemeClr val="tx1"/>
-          </a:solidFill>
-          <a:latin typeface="+mn-lt"/>
-          <a:ea typeface="+mn-ea"/>
-          <a:cs typeface="+mn-cs"/>
-        </a:defRPr>
-      </a:lvl8pPr>
-      <a:lvl9pPr marL="3657600" algn="l" defTabSz="914400" rtl="0" eaLnBrk="1" latinLnBrk="0" hangingPunct="1">
+      <a:lvl9pPr marL="3657600" algn="l" defTabSz="457200" rtl="0" eaLnBrk="1" latinLnBrk="0" hangingPunct="1">
         <a:defRPr sz="1800" kern="1200">
           <a:solidFill>
             <a:schemeClr val="tx1"/>
@@ -3360,6 +5916,7 @@
           <a:bodyPr/>
           <a:lstStyle/>
           <a:p>
+            <a:pPr algn="ctr"/>
             <a:r>
               <a:rPr lang="fr-FR" dirty="0"/>
               <a:t>Optimiser un site web existant</a:t>
@@ -3413,6 +5970,9 @@
   <p:clrMapOvr>
     <a:masterClrMapping/>
   </p:clrMapOvr>
+  <p:transition spd="slow">
+    <p:push dir="u"/>
+  </p:transition>
 </p:sld>
 </file>
 
@@ -3485,8 +6045,8 @@
         </p:nvSpPr>
         <p:spPr>
           <a:xfrm>
-            <a:off x="6729274" y="825624"/>
-            <a:ext cx="4624526" cy="5351339"/>
+            <a:off x="6632544" y="825624"/>
+            <a:ext cx="4721256" cy="5351339"/>
           </a:xfrm>
         </p:spPr>
         <p:txBody>
@@ -3735,6 +6295,9 @@
   <p:clrMapOvr>
     <a:masterClrMapping/>
   </p:clrMapOvr>
+  <p:transition spd="slow">
+    <p:push dir="u"/>
+  </p:transition>
 </p:sld>
 </file>
 
@@ -3817,9 +6380,9 @@
           </a:bodyPr>
           <a:lstStyle/>
           <a:p>
-            <a:endParaRPr lang="fr-FR" sz="1800" dirty="0"/>
-          </a:p>
-          <a:p>
+            <a:pPr marL="0" indent="0">
+              <a:buNone/>
+            </a:pPr>
             <a:endParaRPr lang="fr-FR" sz="1800" dirty="0"/>
           </a:p>
           <a:p>
@@ -3972,6 +6535,9 @@
   <p:clrMapOvr>
     <a:masterClrMapping/>
   </p:clrMapOvr>
+  <p:transition spd="slow">
+    <p:push dir="u"/>
+  </p:transition>
 </p:sld>
 </file>
 
@@ -4044,13 +6610,13 @@
         </p:nvSpPr>
         <p:spPr>
           <a:xfrm>
-            <a:off x="6693762" y="1269508"/>
-            <a:ext cx="4660037" cy="4907455"/>
+            <a:off x="6483620" y="1269508"/>
+            <a:ext cx="4870180" cy="5069148"/>
           </a:xfrm>
         </p:spPr>
         <p:txBody>
           <a:bodyPr>
-            <a:normAutofit/>
+            <a:normAutofit fontScale="77500" lnSpcReduction="20000"/>
           </a:bodyPr>
           <a:lstStyle/>
           <a:p>
@@ -4058,51 +6624,92 @@
               <a:buNone/>
             </a:pPr>
             <a:r>
+              <a:rPr lang="fr-FR" sz="2300" dirty="0"/>
+              <a:t>Suite différents changements effectués pour amélioré les performances, l’accessibilité et le SEO du site nous voir:</a:t>
+            </a:r>
+          </a:p>
+          <a:p>
+            <a:pPr marL="457200" lvl="1" indent="0">
+              <a:buNone/>
+            </a:pPr>
+            <a:endParaRPr lang="fr-FR" sz="1800" dirty="0"/>
+          </a:p>
+          <a:p>
+            <a:pPr lvl="1"/>
+            <a:r>
               <a:rPr lang="fr-FR" sz="1800" dirty="0"/>
-              <a:t>Suite différents changements effectués pour amélioré les performances, l’accessibilité et le SEO du site nous voir:</a:t>
+              <a:t>Performance : suite à la vitesse gagné par la réduction du poids global du site</a:t>
             </a:r>
           </a:p>
           <a:p>
             <a:pPr lvl="1"/>
-            <a:endParaRPr lang="fr-FR" sz="1400" dirty="0"/>
+            <a:endParaRPr lang="fr-FR" sz="1800" dirty="0"/>
           </a:p>
           <a:p>
             <a:pPr lvl="1"/>
-            <a:endParaRPr lang="fr-FR" sz="1400" dirty="0"/>
+            <a:r>
+              <a:rPr lang="fr-FR" sz="1800" dirty="0"/>
+              <a:t>Accessibilité :  après modification de divers éléments visuel et d’accessibilité de la version mobile</a:t>
+            </a:r>
           </a:p>
           <a:p>
             <a:pPr lvl="1"/>
-            <a:r>
-              <a:rPr lang="fr-FR" sz="1400" dirty="0"/>
-              <a:t>Performance : suite à la vitesse gagné par la réduction du poids global du site</a:t>
-            </a:r>
+            <a:endParaRPr lang="fr-FR" sz="1800" dirty="0"/>
           </a:p>
           <a:p>
             <a:pPr lvl="1"/>
-            <a:endParaRPr lang="fr-FR" sz="1400" dirty="0"/>
-          </a:p>
-          <a:p>
-            <a:pPr lvl="1"/>
-            <a:r>
-              <a:rPr lang="fr-FR" sz="1400" dirty="0"/>
-              <a:t>Accessibilité :  après modification de divers éléments visuel et d’accessibilité de la version mobile</a:t>
-            </a:r>
-          </a:p>
-          <a:p>
-            <a:pPr lvl="1"/>
-            <a:endParaRPr lang="fr-FR" sz="1400" dirty="0"/>
-          </a:p>
-          <a:p>
-            <a:pPr lvl="1"/>
-            <a:r>
-              <a:rPr lang="fr-FR" sz="1400" dirty="0"/>
+            <a:r>
+              <a:rPr lang="fr-FR" sz="1800" dirty="0"/>
               <a:t>SEO : par la mise en action de bonne pratiques pour renforcer le référencement naturel ainsi que bannir certaine pratique de black </a:t>
             </a:r>
             <a:r>
-              <a:rPr lang="fr-FR" sz="1400" dirty="0" err="1"/>
+              <a:rPr lang="fr-FR" sz="1800" dirty="0" err="1"/>
               <a:t>hat</a:t>
             </a:r>
-            <a:endParaRPr lang="fr-FR" sz="1400" dirty="0"/>
+            <a:endParaRPr lang="fr-FR" sz="1800" dirty="0"/>
+          </a:p>
+          <a:p>
+            <a:pPr marL="0" indent="0">
+              <a:buNone/>
+            </a:pPr>
+            <a:endParaRPr lang="fr-FR" dirty="0"/>
+          </a:p>
+          <a:p>
+            <a:pPr marL="0" indent="0">
+              <a:buNone/>
+            </a:pPr>
+            <a:endParaRPr lang="fr-FR" dirty="0"/>
+          </a:p>
+          <a:p>
+            <a:pPr marL="0" indent="0">
+              <a:buNone/>
+            </a:pPr>
+            <a:endParaRPr lang="fr-FR" dirty="0"/>
+          </a:p>
+          <a:p>
+            <a:pPr marL="0" indent="0">
+              <a:buNone/>
+            </a:pPr>
+            <a:r>
+              <a:rPr lang="fr-FR" sz="2300" dirty="0">
+                <a:solidFill>
+                  <a:schemeClr val="tx2"/>
+                </a:solidFill>
+                <a:hlinkClick r:id="rId2">
+                  <a:extLst>
+                    <a:ext uri="{A12FA001-AC4F-418D-AE19-62706E023703}">
+                      <ahyp:hlinkClr xmlns:ahyp="http://schemas.microsoft.com/office/drawing/2018/hyperlinkcolor" val="tx"/>
+                    </a:ext>
+                  </a:extLst>
+                </a:hlinkClick>
+              </a:rPr>
+              <a:t>https://kingubaka.github.io/TarikAboulhouda_4_16122020/Modified/index.html</a:t>
+            </a:r>
+            <a:endParaRPr lang="fr-FR" sz="2300" dirty="0">
+              <a:solidFill>
+                <a:schemeClr val="tx2"/>
+              </a:solidFill>
+            </a:endParaRPr>
           </a:p>
           <a:p>
             <a:pPr lvl="1"/>
@@ -4125,7 +6732,7 @@
           <p:nvPr/>
         </p:nvPicPr>
         <p:blipFill>
-          <a:blip r:embed="rId2"/>
+          <a:blip r:embed="rId3"/>
           <a:stretch>
             <a:fillRect/>
           </a:stretch>
@@ -4160,7 +6767,7 @@
           <p:nvPr/>
         </p:nvPicPr>
         <p:blipFill>
-          <a:blip r:embed="rId3"/>
+          <a:blip r:embed="rId4"/>
           <a:stretch>
             <a:fillRect/>
           </a:stretch>
@@ -4195,7 +6802,7 @@
           <p:nvPr/>
         </p:nvPicPr>
         <p:blipFill>
-          <a:blip r:embed="rId4"/>
+          <a:blip r:embed="rId5"/>
           <a:stretch>
             <a:fillRect/>
           </a:stretch>
@@ -4316,7 +6923,7 @@
           <p:nvPr/>
         </p:nvPicPr>
         <p:blipFill>
-          <a:blip r:embed="rId5"/>
+          <a:blip r:embed="rId6"/>
           <a:stretch>
             <a:fillRect/>
           </a:stretch>
@@ -4351,7 +6958,7 @@
           <p:nvPr/>
         </p:nvPicPr>
         <p:blipFill>
-          <a:blip r:embed="rId6"/>
+          <a:blip r:embed="rId7"/>
           <a:stretch>
             <a:fillRect/>
           </a:stretch>
@@ -4386,7 +6993,7 @@
           <p:nvPr/>
         </p:nvPicPr>
         <p:blipFill>
-          <a:blip r:embed="rId7"/>
+          <a:blip r:embed="rId8"/>
           <a:stretch>
             <a:fillRect/>
           </a:stretch>
@@ -4416,6 +7023,9 @@
   <p:clrMapOvr>
     <a:masterClrMapping/>
   </p:clrMapOvr>
+  <p:transition spd="slow">
+    <p:push dir="u"/>
+  </p:transition>
 </p:sld>
 </file>
 
@@ -4488,13 +7098,13 @@
         </p:nvSpPr>
         <p:spPr>
           <a:xfrm>
-            <a:off x="6001305" y="1038688"/>
-            <a:ext cx="5352495" cy="5173786"/>
+            <a:off x="5792955" y="1038688"/>
+            <a:ext cx="5560845" cy="5173786"/>
           </a:xfrm>
         </p:spPr>
         <p:txBody>
           <a:bodyPr>
-            <a:normAutofit/>
+            <a:normAutofit fontScale="92500" lnSpcReduction="20000"/>
           </a:bodyPr>
           <a:lstStyle/>
           <a:p>
@@ -4502,7 +7112,7 @@
           </a:p>
           <a:p>
             <a:r>
-              <a:rPr lang="fr-FR" sz="1800" dirty="0"/>
+              <a:rPr lang="fr-FR" sz="1900" dirty="0"/>
               <a:t>Utilisation des balises correspondantes afin d’éviter les utilisations d’images inutilement:</a:t>
             </a:r>
           </a:p>
@@ -4512,8 +7122,42 @@
           <a:p>
             <a:pPr lvl="1"/>
             <a:r>
-              <a:rPr lang="fr-FR" sz="1400" dirty="0"/>
+              <a:rPr lang="fr-FR" sz="1500" dirty="0"/>
               <a:t>Utilisation des balises h2 pour les titres ainsi que q pour les citations </a:t>
+            </a:r>
+          </a:p>
+          <a:p>
+            <a:pPr lvl="1"/>
+            <a:endParaRPr lang="fr-FR" sz="1500" dirty="0"/>
+          </a:p>
+          <a:p>
+            <a:pPr lvl="1"/>
+            <a:r>
+              <a:rPr lang="fr-FR" sz="1500" dirty="0"/>
+              <a:t>Affichage sur mobile sans </a:t>
+            </a:r>
+            <a:r>
+              <a:rPr lang="fr-FR" sz="1500" dirty="0" err="1"/>
+              <a:t>probléme</a:t>
+            </a:r>
+            <a:endParaRPr lang="fr-FR" sz="1500" dirty="0"/>
+          </a:p>
+          <a:p>
+            <a:pPr marL="0" indent="0">
+              <a:buNone/>
+            </a:pPr>
+            <a:endParaRPr lang="fr-FR" sz="1800" dirty="0"/>
+          </a:p>
+          <a:p>
+            <a:pPr marL="0" indent="0">
+              <a:buNone/>
+            </a:pPr>
+            <a:endParaRPr lang="fr-FR" sz="1800" dirty="0"/>
+          </a:p>
+          <a:p>
+            <a:r>
+              <a:rPr lang="fr-FR" sz="1900" dirty="0"/>
+              <a:t>Redimensionnement et changement des extensions:</a:t>
             </a:r>
           </a:p>
           <a:p>
@@ -4523,60 +7167,26 @@
           <a:p>
             <a:pPr lvl="1"/>
             <a:r>
-              <a:rPr lang="fr-FR" sz="1400" dirty="0"/>
-              <a:t>Affichage sur mobile sans </a:t>
-            </a:r>
-            <a:r>
-              <a:rPr lang="fr-FR" sz="1400" dirty="0" err="1"/>
-              <a:t>probléme</a:t>
-            </a:r>
-            <a:endParaRPr lang="fr-FR" sz="1400" dirty="0"/>
-          </a:p>
-          <a:p>
-            <a:pPr marL="0" indent="0">
-              <a:buNone/>
-            </a:pPr>
-            <a:endParaRPr lang="fr-FR" sz="1800" dirty="0"/>
-          </a:p>
-          <a:p>
-            <a:pPr marL="0" indent="0">
-              <a:buNone/>
-            </a:pPr>
-            <a:endParaRPr lang="fr-FR" sz="1800" dirty="0"/>
-          </a:p>
-          <a:p>
-            <a:r>
-              <a:rPr lang="fr-FR" sz="1800" dirty="0"/>
-              <a:t>Redimensionnement et changement des extensions:</a:t>
+              <a:rPr lang="fr-FR" sz="1500" dirty="0"/>
+              <a:t>Changer les extensions des images en .</a:t>
+            </a:r>
+            <a:r>
+              <a:rPr lang="fr-FR" sz="1500" dirty="0" err="1"/>
+              <a:t>bmp</a:t>
+            </a:r>
+            <a:r>
+              <a:rPr lang="fr-FR" sz="1500" dirty="0"/>
+              <a:t> en .jpg</a:t>
             </a:r>
           </a:p>
           <a:p>
             <a:pPr lvl="1"/>
-            <a:endParaRPr lang="fr-FR" sz="1400" dirty="0"/>
+            <a:endParaRPr lang="fr-FR" sz="1500" dirty="0"/>
           </a:p>
           <a:p>
             <a:pPr lvl="1"/>
             <a:r>
-              <a:rPr lang="fr-FR" sz="1400" dirty="0"/>
-              <a:t>Changer les extensions des images en .</a:t>
-            </a:r>
-            <a:r>
-              <a:rPr lang="fr-FR" sz="1400" dirty="0" err="1"/>
-              <a:t>bmp</a:t>
-            </a:r>
-            <a:r>
-              <a:rPr lang="fr-FR" sz="1400" dirty="0"/>
-              <a:t> en .jpg</a:t>
-            </a:r>
-          </a:p>
-          <a:p>
-            <a:pPr lvl="1"/>
-            <a:endParaRPr lang="fr-FR" sz="1400" dirty="0"/>
-          </a:p>
-          <a:p>
-            <a:pPr lvl="1"/>
-            <a:r>
-              <a:rPr lang="fr-FR" sz="1400" dirty="0"/>
+              <a:rPr lang="fr-FR" sz="1500" dirty="0"/>
               <a:t>Redimensionner les images si leur grande taille n’est pas utiliser</a:t>
             </a:r>
           </a:p>
@@ -4892,6 +7502,9 @@
   <p:clrMapOvr>
     <a:masterClrMapping/>
   </p:clrMapOvr>
+  <p:transition spd="slow">
+    <p:push dir="u"/>
+  </p:transition>
 </p:sld>
 </file>
 
@@ -4964,13 +7577,13 @@
         </p:nvSpPr>
         <p:spPr>
           <a:xfrm>
-            <a:off x="6862438" y="1056444"/>
-            <a:ext cx="4491361" cy="5431283"/>
+            <a:off x="6391162" y="1056445"/>
+            <a:ext cx="4962638" cy="5431282"/>
           </a:xfrm>
         </p:spPr>
         <p:txBody>
           <a:bodyPr>
-            <a:normAutofit/>
+            <a:normAutofit fontScale="92500" lnSpcReduction="10000"/>
           </a:bodyPr>
           <a:lstStyle/>
           <a:p>
@@ -4978,43 +7591,40 @@
           </a:p>
           <a:p>
             <a:r>
-              <a:rPr lang="fr-FR" sz="1800" dirty="0"/>
+              <a:rPr lang="fr-FR" sz="1900" dirty="0"/>
               <a:t>Changement d’élément </a:t>
             </a:r>
             <a:r>
-              <a:rPr lang="fr-FR" sz="1800" dirty="0" err="1"/>
+              <a:rPr lang="fr-FR" sz="1900" dirty="0" err="1"/>
               <a:t>css</a:t>
             </a:r>
             <a:r>
-              <a:rPr lang="fr-FR" sz="1800" dirty="0"/>
+              <a:rPr lang="fr-FR" sz="1900" dirty="0"/>
               <a:t> afin de voir le titre et le texte sur la page 2</a:t>
             </a:r>
           </a:p>
           <a:p>
-            <a:endParaRPr lang="fr-FR" sz="1800" dirty="0"/>
-          </a:p>
-          <a:p>
-            <a:endParaRPr lang="fr-FR" sz="1800" dirty="0"/>
-          </a:p>
-          <a:p>
-            <a:r>
-              <a:rPr lang="fr-FR" sz="1800" dirty="0"/>
+            <a:endParaRPr lang="fr-FR" sz="1900" dirty="0"/>
+          </a:p>
+          <a:p>
+            <a:r>
+              <a:rPr lang="fr-FR" sz="1900" dirty="0"/>
               <a:t>Bon fichier .</a:t>
             </a:r>
             <a:r>
-              <a:rPr lang="fr-FR" sz="1800" dirty="0" err="1"/>
+              <a:rPr lang="fr-FR" sz="1900" dirty="0" err="1"/>
               <a:t>css</a:t>
             </a:r>
             <a:r>
-              <a:rPr lang="fr-FR" sz="1800" dirty="0"/>
+              <a:rPr lang="fr-FR" sz="1900" dirty="0"/>
               <a:t> et .</a:t>
             </a:r>
             <a:r>
-              <a:rPr lang="fr-FR" sz="1800" dirty="0" err="1"/>
-              <a:t>json</a:t>
-            </a:r>
-            <a:r>
-              <a:rPr lang="fr-FR" sz="1800" dirty="0"/>
+              <a:rPr lang="fr-FR" sz="1900" dirty="0" err="1"/>
+              <a:t>js</a:t>
+            </a:r>
+            <a:r>
+              <a:rPr lang="fr-FR" sz="1900" dirty="0"/>
               <a:t> renseignés:</a:t>
             </a:r>
           </a:p>
@@ -5025,34 +7635,60 @@
           <a:p>
             <a:pPr lvl="1"/>
             <a:r>
-              <a:rPr lang="fr-FR" sz="1400" dirty="0" err="1"/>
+              <a:rPr lang="fr-FR" sz="1500" dirty="0" err="1"/>
               <a:t>Toggle</a:t>
             </a:r>
             <a:r>
-              <a:rPr lang="fr-FR" sz="1400" dirty="0"/>
+              <a:rPr lang="fr-FR" sz="1500" dirty="0"/>
               <a:t> navigation utilisable en version mobile</a:t>
             </a:r>
           </a:p>
           <a:p>
             <a:pPr lvl="1"/>
-            <a:endParaRPr lang="fr-FR" sz="1400" dirty="0"/>
+            <a:endParaRPr lang="fr-FR" sz="1500" dirty="0"/>
           </a:p>
           <a:p>
             <a:pPr lvl="1"/>
             <a:r>
-              <a:rPr lang="fr-FR" sz="1400" dirty="0"/>
+              <a:rPr lang="fr-FR" sz="1500" dirty="0"/>
               <a:t>Aucun élément hors de la page</a:t>
             </a:r>
           </a:p>
           <a:p>
             <a:pPr lvl="1"/>
-            <a:endParaRPr lang="fr-FR" sz="1400" dirty="0"/>
+            <a:endParaRPr lang="fr-FR" sz="1500" dirty="0"/>
           </a:p>
           <a:p>
             <a:pPr lvl="1"/>
             <a:r>
-              <a:rPr lang="fr-FR" sz="1400" dirty="0"/>
+              <a:rPr lang="fr-FR" sz="1500" dirty="0"/>
               <a:t>Mise en page mis à jour</a:t>
+            </a:r>
+          </a:p>
+          <a:p>
+            <a:endParaRPr lang="fr-FR" sz="1800" dirty="0"/>
+          </a:p>
+          <a:p>
+            <a:r>
+              <a:rPr lang="fr-FR" sz="1900" dirty="0"/>
+              <a:t>Active mis sur les liens de la </a:t>
+            </a:r>
+            <a:r>
+              <a:rPr lang="fr-FR" sz="1900" dirty="0" err="1"/>
+              <a:t>navbar</a:t>
+            </a:r>
+            <a:r>
+              <a:rPr lang="fr-FR" sz="1900" dirty="0"/>
+              <a:t> </a:t>
+            </a:r>
+          </a:p>
+          <a:p>
+            <a:endParaRPr lang="fr-FR" sz="1900" dirty="0"/>
+          </a:p>
+          <a:p>
+            <a:r>
+              <a:rPr lang="fr-FR" sz="1900" dirty="0"/>
+              <a:t>Taille des paragraphe passé de 11px à 12px</a:t>
             </a:r>
           </a:p>
         </p:txBody>
@@ -5241,6 +7877,732 @@
   <p:clrMapOvr>
     <a:masterClrMapping/>
   </p:clrMapOvr>
+  <p:transition spd="slow">
+    <p:push dir="u"/>
+  </p:transition>
+</p:sld>
+</file>
+
+<file path=ppt/slides/slide15.xml><?xml version="1.0" encoding="utf-8"?>
+<p:sld xmlns:a="http://schemas.openxmlformats.org/drawingml/2006/main" xmlns:r="http://schemas.openxmlformats.org/officeDocument/2006/relationships" xmlns:p="http://schemas.openxmlformats.org/presentationml/2006/main">
+  <p:cSld>
+    <p:spTree>
+      <p:nvGrpSpPr>
+        <p:cNvPr id="1" name=""/>
+        <p:cNvGrpSpPr/>
+        <p:nvPr/>
+      </p:nvGrpSpPr>
+      <p:grpSpPr>
+        <a:xfrm>
+          <a:off x="0" y="0"/>
+          <a:ext cx="0" cy="0"/>
+          <a:chOff x="0" y="0"/>
+          <a:chExt cx="0" cy="0"/>
+        </a:xfrm>
+      </p:grpSpPr>
+      <p:sp>
+        <p:nvSpPr>
+          <p:cNvPr id="2" name="Titre 1">
+            <a:extLst>
+              <a:ext uri="{FF2B5EF4-FFF2-40B4-BE49-F238E27FC236}">
+                <a16:creationId xmlns:a16="http://schemas.microsoft.com/office/drawing/2014/main" id="{3CBFBAD5-BBC1-47AB-ADB8-037BCCEFA51B}"/>
+              </a:ext>
+            </a:extLst>
+          </p:cNvPr>
+          <p:cNvSpPr>
+            <a:spLocks noGrp="1"/>
+          </p:cNvSpPr>
+          <p:nvPr>
+            <p:ph type="title"/>
+          </p:nvPr>
+        </p:nvSpPr>
+        <p:spPr>
+          <a:xfrm>
+            <a:off x="838200" y="121744"/>
+            <a:ext cx="10515600" cy="559293"/>
+          </a:xfrm>
+        </p:spPr>
+        <p:txBody>
+          <a:bodyPr>
+            <a:normAutofit fontScale="90000"/>
+          </a:bodyPr>
+          <a:lstStyle/>
+          <a:p>
+            <a:pPr algn="ctr"/>
+            <a:r>
+              <a:rPr lang="fr-FR" dirty="0"/>
+              <a:t>SEO</a:t>
+            </a:r>
+          </a:p>
+        </p:txBody>
+      </p:sp>
+      <p:sp>
+        <p:nvSpPr>
+          <p:cNvPr id="3" name="Espace réservé du contenu 2">
+            <a:extLst>
+              <a:ext uri="{FF2B5EF4-FFF2-40B4-BE49-F238E27FC236}">
+                <a16:creationId xmlns:a16="http://schemas.microsoft.com/office/drawing/2014/main" id="{7C7A1C1A-A826-40E1-BBF7-300CD6D079A7}"/>
+              </a:ext>
+            </a:extLst>
+          </p:cNvPr>
+          <p:cNvSpPr>
+            <a:spLocks noGrp="1"/>
+          </p:cNvSpPr>
+          <p:nvPr>
+            <p:ph idx="1"/>
+          </p:nvPr>
+        </p:nvSpPr>
+        <p:spPr>
+          <a:xfrm>
+            <a:off x="6770238" y="923278"/>
+            <a:ext cx="4583561" cy="5253685"/>
+          </a:xfrm>
+        </p:spPr>
+        <p:txBody>
+          <a:bodyPr>
+            <a:normAutofit/>
+          </a:bodyPr>
+          <a:lstStyle/>
+          <a:p>
+            <a:endParaRPr lang="fr-FR" sz="1800" dirty="0"/>
+          </a:p>
+          <a:p>
+            <a:r>
+              <a:rPr lang="fr-FR" sz="1800" dirty="0"/>
+              <a:t>Keywords cohérents renseigner selon sa position géographique et ses services</a:t>
+            </a:r>
+          </a:p>
+          <a:p>
+            <a:endParaRPr lang="fr-FR" sz="1800" dirty="0"/>
+          </a:p>
+          <a:p>
+            <a:endParaRPr lang="fr-FR" sz="1800" dirty="0"/>
+          </a:p>
+          <a:p>
+            <a:r>
+              <a:rPr lang="fr-FR" sz="1800" dirty="0"/>
+              <a:t>Titre explicite donné aux pages html ainsi qu’une description expliquant les services proposé par l’entreprise</a:t>
+            </a:r>
+          </a:p>
+          <a:p>
+            <a:endParaRPr lang="fr-FR" sz="1800" dirty="0"/>
+          </a:p>
+          <a:p>
+            <a:endParaRPr lang="fr-FR" sz="1800" dirty="0"/>
+          </a:p>
+          <a:p>
+            <a:r>
+              <a:rPr lang="fr-FR" sz="1800" dirty="0"/>
+              <a:t>Bon attribut « </a:t>
+            </a:r>
+            <a:r>
+              <a:rPr lang="fr-FR" sz="1800" dirty="0" err="1"/>
+              <a:t>lang</a:t>
+            </a:r>
+            <a:r>
+              <a:rPr lang="fr-FR" sz="1800" dirty="0"/>
+              <a:t> » renseigné:</a:t>
+            </a:r>
+          </a:p>
+          <a:p>
+            <a:pPr lvl="1"/>
+            <a:endParaRPr lang="fr-FR" sz="1400" dirty="0"/>
+          </a:p>
+          <a:p>
+            <a:pPr lvl="1"/>
+            <a:r>
+              <a:rPr lang="fr-FR" sz="1400" dirty="0"/>
+              <a:t>Ici « </a:t>
+            </a:r>
+            <a:r>
+              <a:rPr lang="fr-FR" sz="1400" dirty="0" err="1"/>
+              <a:t>fr</a:t>
+            </a:r>
+            <a:r>
+              <a:rPr lang="fr-FR" sz="1400" dirty="0"/>
+              <a:t> » car la page web est renseigné en français</a:t>
+            </a:r>
+          </a:p>
+          <a:p>
+            <a:endParaRPr lang="fr-FR" sz="1800" dirty="0"/>
+          </a:p>
+          <a:p>
+            <a:endParaRPr lang="fr-FR" sz="1800" dirty="0"/>
+          </a:p>
+          <a:p>
+            <a:endParaRPr lang="fr-FR" sz="1800" dirty="0"/>
+          </a:p>
+        </p:txBody>
+      </p:sp>
+      <p:pic>
+        <p:nvPicPr>
+          <p:cNvPr id="4" name="Image 3">
+            <a:extLst>
+              <a:ext uri="{FF2B5EF4-FFF2-40B4-BE49-F238E27FC236}">
+                <a16:creationId xmlns:a16="http://schemas.microsoft.com/office/drawing/2014/main" id="{1A61A2C6-F415-44A5-8ADD-1CE3CFCE65AF}"/>
+              </a:ext>
+            </a:extLst>
+          </p:cNvPr>
+          <p:cNvPicPr>
+            <a:picLocks noChangeAspect="1"/>
+          </p:cNvPicPr>
+          <p:nvPr/>
+        </p:nvPicPr>
+        <p:blipFill>
+          <a:blip r:embed="rId2"/>
+          <a:stretch>
+            <a:fillRect/>
+          </a:stretch>
+        </p:blipFill>
+        <p:spPr>
+          <a:xfrm>
+            <a:off x="308775" y="1424864"/>
+            <a:ext cx="6379624" cy="3599897"/>
+          </a:xfrm>
+          <a:prstGeom prst="rect">
+            <a:avLst/>
+          </a:prstGeom>
+        </p:spPr>
+      </p:pic>
+      <p:sp>
+        <p:nvSpPr>
+          <p:cNvPr id="5" name="Rectangle 4">
+            <a:extLst>
+              <a:ext uri="{FF2B5EF4-FFF2-40B4-BE49-F238E27FC236}">
+                <a16:creationId xmlns:a16="http://schemas.microsoft.com/office/drawing/2014/main" id="{E848B635-930D-4579-9A24-8E6D89D29C98}"/>
+              </a:ext>
+            </a:extLst>
+          </p:cNvPr>
+          <p:cNvSpPr/>
+          <p:nvPr/>
+        </p:nvSpPr>
+        <p:spPr>
+          <a:xfrm>
+            <a:off x="390615" y="4802819"/>
+            <a:ext cx="3870665" cy="159798"/>
+          </a:xfrm>
+          <a:prstGeom prst="rect">
+            <a:avLst/>
+          </a:prstGeom>
+          <a:noFill/>
+          <a:ln>
+            <a:solidFill>
+              <a:srgbClr val="FF0000"/>
+            </a:solidFill>
+          </a:ln>
+        </p:spPr>
+        <p:style>
+          <a:lnRef idx="2">
+            <a:schemeClr val="accent1">
+              <a:shade val="50000"/>
+            </a:schemeClr>
+          </a:lnRef>
+          <a:fillRef idx="1">
+            <a:schemeClr val="accent1"/>
+          </a:fillRef>
+          <a:effectRef idx="0">
+            <a:schemeClr val="accent1"/>
+          </a:effectRef>
+          <a:fontRef idx="minor">
+            <a:schemeClr val="lt1"/>
+          </a:fontRef>
+        </p:style>
+        <p:txBody>
+          <a:bodyPr rtlCol="0" anchor="ctr"/>
+          <a:lstStyle/>
+          <a:p>
+            <a:pPr algn="ctr"/>
+            <a:endParaRPr lang="fr-FR"/>
+          </a:p>
+        </p:txBody>
+      </p:sp>
+      <p:sp>
+        <p:nvSpPr>
+          <p:cNvPr id="6" name="Rectangle 5">
+            <a:extLst>
+              <a:ext uri="{FF2B5EF4-FFF2-40B4-BE49-F238E27FC236}">
+                <a16:creationId xmlns:a16="http://schemas.microsoft.com/office/drawing/2014/main" id="{1F17B6E7-52AD-41B0-A351-777A3AD42002}"/>
+              </a:ext>
+            </a:extLst>
+          </p:cNvPr>
+          <p:cNvSpPr/>
+          <p:nvPr/>
+        </p:nvSpPr>
+        <p:spPr>
+          <a:xfrm>
+            <a:off x="390615" y="2081814"/>
+            <a:ext cx="6297783" cy="159798"/>
+          </a:xfrm>
+          <a:prstGeom prst="rect">
+            <a:avLst/>
+          </a:prstGeom>
+          <a:noFill/>
+          <a:ln>
+            <a:solidFill>
+              <a:srgbClr val="FF0000"/>
+            </a:solidFill>
+          </a:ln>
+        </p:spPr>
+        <p:style>
+          <a:lnRef idx="2">
+            <a:schemeClr val="accent1">
+              <a:shade val="50000"/>
+            </a:schemeClr>
+          </a:lnRef>
+          <a:fillRef idx="1">
+            <a:schemeClr val="accent1"/>
+          </a:fillRef>
+          <a:effectRef idx="0">
+            <a:schemeClr val="accent1"/>
+          </a:effectRef>
+          <a:fontRef idx="minor">
+            <a:schemeClr val="lt1"/>
+          </a:fontRef>
+        </p:style>
+        <p:txBody>
+          <a:bodyPr rtlCol="0" anchor="ctr"/>
+          <a:lstStyle/>
+          <a:p>
+            <a:pPr algn="ctr"/>
+            <a:endParaRPr lang="fr-FR"/>
+          </a:p>
+        </p:txBody>
+      </p:sp>
+      <p:sp>
+        <p:nvSpPr>
+          <p:cNvPr id="7" name="Rectangle 6">
+            <a:extLst>
+              <a:ext uri="{FF2B5EF4-FFF2-40B4-BE49-F238E27FC236}">
+                <a16:creationId xmlns:a16="http://schemas.microsoft.com/office/drawing/2014/main" id="{3E47E941-B44D-4FA0-B823-5B1F134F68BE}"/>
+              </a:ext>
+            </a:extLst>
+          </p:cNvPr>
+          <p:cNvSpPr/>
+          <p:nvPr/>
+        </p:nvSpPr>
+        <p:spPr>
+          <a:xfrm>
+            <a:off x="390616" y="2241612"/>
+            <a:ext cx="6297783" cy="159798"/>
+          </a:xfrm>
+          <a:prstGeom prst="rect">
+            <a:avLst/>
+          </a:prstGeom>
+          <a:noFill/>
+          <a:ln>
+            <a:solidFill>
+              <a:srgbClr val="FF0000"/>
+            </a:solidFill>
+          </a:ln>
+        </p:spPr>
+        <p:style>
+          <a:lnRef idx="2">
+            <a:schemeClr val="accent1">
+              <a:shade val="50000"/>
+            </a:schemeClr>
+          </a:lnRef>
+          <a:fillRef idx="1">
+            <a:schemeClr val="accent1"/>
+          </a:fillRef>
+          <a:effectRef idx="0">
+            <a:schemeClr val="accent1"/>
+          </a:effectRef>
+          <a:fontRef idx="minor">
+            <a:schemeClr val="lt1"/>
+          </a:fontRef>
+        </p:style>
+        <p:txBody>
+          <a:bodyPr rtlCol="0" anchor="ctr"/>
+          <a:lstStyle/>
+          <a:p>
+            <a:pPr algn="ctr"/>
+            <a:endParaRPr lang="fr-FR"/>
+          </a:p>
+        </p:txBody>
+      </p:sp>
+      <p:sp>
+        <p:nvSpPr>
+          <p:cNvPr id="8" name="Rectangle 7">
+            <a:extLst>
+              <a:ext uri="{FF2B5EF4-FFF2-40B4-BE49-F238E27FC236}">
+                <a16:creationId xmlns:a16="http://schemas.microsoft.com/office/drawing/2014/main" id="{CEE5EFF8-F611-4A5B-AAC4-1CFAD4013544}"/>
+              </a:ext>
+            </a:extLst>
+          </p:cNvPr>
+          <p:cNvSpPr/>
+          <p:nvPr/>
+        </p:nvSpPr>
+        <p:spPr>
+          <a:xfrm>
+            <a:off x="390616" y="1580225"/>
+            <a:ext cx="1225120" cy="159798"/>
+          </a:xfrm>
+          <a:prstGeom prst="rect">
+            <a:avLst/>
+          </a:prstGeom>
+          <a:noFill/>
+          <a:ln>
+            <a:solidFill>
+              <a:srgbClr val="FF0000"/>
+            </a:solidFill>
+          </a:ln>
+        </p:spPr>
+        <p:style>
+          <a:lnRef idx="2">
+            <a:schemeClr val="accent1">
+              <a:shade val="50000"/>
+            </a:schemeClr>
+          </a:lnRef>
+          <a:fillRef idx="1">
+            <a:schemeClr val="accent1"/>
+          </a:fillRef>
+          <a:effectRef idx="0">
+            <a:schemeClr val="accent1"/>
+          </a:effectRef>
+          <a:fontRef idx="minor">
+            <a:schemeClr val="lt1"/>
+          </a:fontRef>
+        </p:style>
+        <p:txBody>
+          <a:bodyPr rtlCol="0" anchor="ctr"/>
+          <a:lstStyle/>
+          <a:p>
+            <a:pPr algn="ctr"/>
+            <a:endParaRPr lang="fr-FR"/>
+          </a:p>
+        </p:txBody>
+      </p:sp>
+    </p:spTree>
+    <p:extLst>
+      <p:ext uri="{BB962C8B-B14F-4D97-AF65-F5344CB8AC3E}">
+        <p14:creationId xmlns:p14="http://schemas.microsoft.com/office/powerpoint/2010/main" val="3743784605"/>
+      </p:ext>
+    </p:extLst>
+  </p:cSld>
+  <p:clrMapOvr>
+    <a:masterClrMapping/>
+  </p:clrMapOvr>
+  <p:transition spd="slow">
+    <p:push dir="u"/>
+  </p:transition>
+</p:sld>
+</file>
+
+<file path=ppt/slides/slide16.xml><?xml version="1.0" encoding="utf-8"?>
+<p:sld xmlns:a="http://schemas.openxmlformats.org/drawingml/2006/main" xmlns:r="http://schemas.openxmlformats.org/officeDocument/2006/relationships" xmlns:p="http://schemas.openxmlformats.org/presentationml/2006/main">
+  <p:cSld>
+    <p:spTree>
+      <p:nvGrpSpPr>
+        <p:cNvPr id="1" name=""/>
+        <p:cNvGrpSpPr/>
+        <p:nvPr/>
+      </p:nvGrpSpPr>
+      <p:grpSpPr>
+        <a:xfrm>
+          <a:off x="0" y="0"/>
+          <a:ext cx="0" cy="0"/>
+          <a:chOff x="0" y="0"/>
+          <a:chExt cx="0" cy="0"/>
+        </a:xfrm>
+      </p:grpSpPr>
+      <p:sp>
+        <p:nvSpPr>
+          <p:cNvPr id="2" name="Titre 1">
+            <a:extLst>
+              <a:ext uri="{FF2B5EF4-FFF2-40B4-BE49-F238E27FC236}">
+                <a16:creationId xmlns:a16="http://schemas.microsoft.com/office/drawing/2014/main" id="{344085B8-CE29-4FA0-963A-1AD535C83532}"/>
+              </a:ext>
+            </a:extLst>
+          </p:cNvPr>
+          <p:cNvSpPr>
+            <a:spLocks noGrp="1"/>
+          </p:cNvSpPr>
+          <p:nvPr>
+            <p:ph type="title"/>
+          </p:nvPr>
+        </p:nvSpPr>
+        <p:spPr>
+          <a:xfrm>
+            <a:off x="838200" y="18255"/>
+            <a:ext cx="10515600" cy="940533"/>
+          </a:xfrm>
+        </p:spPr>
+        <p:txBody>
+          <a:bodyPr/>
+          <a:lstStyle/>
+          <a:p>
+            <a:pPr algn="ctr"/>
+            <a:r>
+              <a:rPr lang="fr-FR" dirty="0"/>
+              <a:t>SEO</a:t>
+            </a:r>
+          </a:p>
+        </p:txBody>
+      </p:sp>
+      <p:sp>
+        <p:nvSpPr>
+          <p:cNvPr id="3" name="Espace réservé du contenu 2">
+            <a:extLst>
+              <a:ext uri="{FF2B5EF4-FFF2-40B4-BE49-F238E27FC236}">
+                <a16:creationId xmlns:a16="http://schemas.microsoft.com/office/drawing/2014/main" id="{C8356D1F-A7A7-465B-B30D-79C53B319CB7}"/>
+              </a:ext>
+            </a:extLst>
+          </p:cNvPr>
+          <p:cNvSpPr>
+            <a:spLocks noGrp="1"/>
+          </p:cNvSpPr>
+          <p:nvPr>
+            <p:ph idx="1"/>
+          </p:nvPr>
+        </p:nvSpPr>
+        <p:spPr>
+          <a:xfrm>
+            <a:off x="6657864" y="958788"/>
+            <a:ext cx="4695936" cy="5218175"/>
+          </a:xfrm>
+        </p:spPr>
+        <p:txBody>
+          <a:bodyPr>
+            <a:normAutofit/>
+          </a:bodyPr>
+          <a:lstStyle/>
+          <a:p>
+            <a:endParaRPr lang="fr-FR" sz="1800" dirty="0"/>
+          </a:p>
+          <a:p>
+            <a:r>
+              <a:rPr lang="fr-FR" sz="1800" dirty="0"/>
+              <a:t>Toutes techniques black </a:t>
+            </a:r>
+            <a:r>
+              <a:rPr lang="fr-FR" sz="1800" dirty="0" err="1"/>
+              <a:t>hat</a:t>
+            </a:r>
+            <a:r>
+              <a:rPr lang="fr-FR" sz="1800" dirty="0"/>
+              <a:t> supprimées:</a:t>
+            </a:r>
+          </a:p>
+          <a:p>
+            <a:pPr lvl="1"/>
+            <a:endParaRPr lang="fr-FR" sz="1400" dirty="0"/>
+          </a:p>
+          <a:p>
+            <a:pPr lvl="1"/>
+            <a:r>
+              <a:rPr lang="fr-FR" sz="1400" dirty="0"/>
+              <a:t>Suppression des mots clés invisible dans le header et </a:t>
+            </a:r>
+            <a:r>
+              <a:rPr lang="fr-FR" sz="1400" dirty="0" err="1"/>
+              <a:t>footer</a:t>
+            </a:r>
+            <a:endParaRPr lang="fr-FR" sz="1400" dirty="0"/>
+          </a:p>
+          <a:p>
+            <a:pPr lvl="1"/>
+            <a:endParaRPr lang="fr-FR" sz="1400" dirty="0"/>
+          </a:p>
+          <a:p>
+            <a:pPr lvl="1"/>
+            <a:r>
+              <a:rPr lang="fr-FR" sz="1400" dirty="0"/>
+              <a:t>Suppression des mots clés répétés dans les balise alt des images</a:t>
+            </a:r>
+          </a:p>
+          <a:p>
+            <a:pPr marL="0" indent="0">
+              <a:buNone/>
+            </a:pPr>
+            <a:endParaRPr lang="fr-FR" sz="1800" dirty="0"/>
+          </a:p>
+          <a:p>
+            <a:endParaRPr lang="fr-FR" sz="1800" dirty="0"/>
+          </a:p>
+          <a:p>
+            <a:r>
+              <a:rPr lang="fr-FR" sz="1800" dirty="0"/>
+              <a:t>Liste de lien d’annuaire diminué et icone des réseaux sociaux mis à jour pour renvoyer vers le site correspondant</a:t>
+            </a:r>
+          </a:p>
+          <a:p>
+            <a:endParaRPr lang="fr-FR" sz="1800" dirty="0"/>
+          </a:p>
+        </p:txBody>
+      </p:sp>
+      <p:pic>
+        <p:nvPicPr>
+          <p:cNvPr id="4" name="Image 3">
+            <a:extLst>
+              <a:ext uri="{FF2B5EF4-FFF2-40B4-BE49-F238E27FC236}">
+                <a16:creationId xmlns:a16="http://schemas.microsoft.com/office/drawing/2014/main" id="{1EB0A0CE-DAD7-430A-9B09-505767A02509}"/>
+              </a:ext>
+            </a:extLst>
+          </p:cNvPr>
+          <p:cNvPicPr>
+            <a:picLocks noChangeAspect="1"/>
+          </p:cNvPicPr>
+          <p:nvPr/>
+        </p:nvPicPr>
+        <p:blipFill>
+          <a:blip r:embed="rId2"/>
+          <a:stretch>
+            <a:fillRect/>
+          </a:stretch>
+        </p:blipFill>
+        <p:spPr>
+          <a:xfrm>
+            <a:off x="838200" y="2839881"/>
+            <a:ext cx="5800957" cy="1455987"/>
+          </a:xfrm>
+          <a:prstGeom prst="rect">
+            <a:avLst/>
+          </a:prstGeom>
+          <a:ln>
+            <a:solidFill>
+              <a:schemeClr val="tx1"/>
+            </a:solidFill>
+          </a:ln>
+        </p:spPr>
+      </p:pic>
+      <p:pic>
+        <p:nvPicPr>
+          <p:cNvPr id="5" name="Image 4">
+            <a:extLst>
+              <a:ext uri="{FF2B5EF4-FFF2-40B4-BE49-F238E27FC236}">
+                <a16:creationId xmlns:a16="http://schemas.microsoft.com/office/drawing/2014/main" id="{9CB5BF7D-1202-4E74-B292-2465F1320AD8}"/>
+              </a:ext>
+            </a:extLst>
+          </p:cNvPr>
+          <p:cNvPicPr>
+            <a:picLocks noChangeAspect="1"/>
+          </p:cNvPicPr>
+          <p:nvPr/>
+        </p:nvPicPr>
+        <p:blipFill>
+          <a:blip r:embed="rId3"/>
+          <a:stretch>
+            <a:fillRect/>
+          </a:stretch>
+        </p:blipFill>
+        <p:spPr>
+          <a:xfrm>
+            <a:off x="1650656" y="4637905"/>
+            <a:ext cx="4176042" cy="1539058"/>
+          </a:xfrm>
+          <a:prstGeom prst="rect">
+            <a:avLst/>
+          </a:prstGeom>
+          <a:ln>
+            <a:solidFill>
+              <a:schemeClr val="tx1"/>
+            </a:solidFill>
+          </a:ln>
+        </p:spPr>
+      </p:pic>
+      <p:pic>
+        <p:nvPicPr>
+          <p:cNvPr id="7" name="Image 6">
+            <a:extLst>
+              <a:ext uri="{FF2B5EF4-FFF2-40B4-BE49-F238E27FC236}">
+                <a16:creationId xmlns:a16="http://schemas.microsoft.com/office/drawing/2014/main" id="{CD35AEF4-1226-46EF-B0AE-BD8D48151BF1}"/>
+              </a:ext>
+            </a:extLst>
+          </p:cNvPr>
+          <p:cNvPicPr>
+            <a:picLocks noChangeAspect="1"/>
+          </p:cNvPicPr>
+          <p:nvPr/>
+        </p:nvPicPr>
+        <p:blipFill>
+          <a:blip r:embed="rId4"/>
+          <a:stretch>
+            <a:fillRect/>
+          </a:stretch>
+        </p:blipFill>
+        <p:spPr>
+          <a:xfrm>
+            <a:off x="1943214" y="1840696"/>
+            <a:ext cx="3590925" cy="219075"/>
+          </a:xfrm>
+          <a:prstGeom prst="rect">
+            <a:avLst/>
+          </a:prstGeom>
+        </p:spPr>
+      </p:pic>
+      <p:pic>
+        <p:nvPicPr>
+          <p:cNvPr id="8" name="Image 7">
+            <a:extLst>
+              <a:ext uri="{FF2B5EF4-FFF2-40B4-BE49-F238E27FC236}">
+                <a16:creationId xmlns:a16="http://schemas.microsoft.com/office/drawing/2014/main" id="{DEDD22DB-29F1-410A-A701-0B6349985380}"/>
+              </a:ext>
+            </a:extLst>
+          </p:cNvPr>
+          <p:cNvPicPr>
+            <a:picLocks noChangeAspect="1"/>
+          </p:cNvPicPr>
+          <p:nvPr/>
+        </p:nvPicPr>
+        <p:blipFill>
+          <a:blip r:embed="rId5"/>
+          <a:stretch>
+            <a:fillRect/>
+          </a:stretch>
+        </p:blipFill>
+        <p:spPr>
+          <a:xfrm>
+            <a:off x="1776804" y="1480650"/>
+            <a:ext cx="3943350" cy="228600"/>
+          </a:xfrm>
+          <a:prstGeom prst="rect">
+            <a:avLst/>
+          </a:prstGeom>
+        </p:spPr>
+      </p:pic>
+      <p:pic>
+        <p:nvPicPr>
+          <p:cNvPr id="9" name="Image 8">
+            <a:extLst>
+              <a:ext uri="{FF2B5EF4-FFF2-40B4-BE49-F238E27FC236}">
+                <a16:creationId xmlns:a16="http://schemas.microsoft.com/office/drawing/2014/main" id="{A07C3937-7D31-4D57-9CBD-70EB29DD5A8C}"/>
+              </a:ext>
+            </a:extLst>
+          </p:cNvPr>
+          <p:cNvPicPr>
+            <a:picLocks noChangeAspect="1"/>
+          </p:cNvPicPr>
+          <p:nvPr/>
+        </p:nvPicPr>
+        <p:blipFill>
+          <a:blip r:embed="rId6"/>
+          <a:stretch>
+            <a:fillRect/>
+          </a:stretch>
+        </p:blipFill>
+        <p:spPr>
+          <a:xfrm>
+            <a:off x="1576501" y="2191217"/>
+            <a:ext cx="4324350" cy="200025"/>
+          </a:xfrm>
+          <a:prstGeom prst="rect">
+            <a:avLst/>
+          </a:prstGeom>
+        </p:spPr>
+      </p:pic>
+    </p:spTree>
+    <p:extLst>
+      <p:ext uri="{BB962C8B-B14F-4D97-AF65-F5344CB8AC3E}">
+        <p14:creationId xmlns:p14="http://schemas.microsoft.com/office/powerpoint/2010/main" val="2311333184"/>
+      </p:ext>
+    </p:extLst>
+  </p:cSld>
+  <p:clrMapOvr>
+    <a:masterClrMapping/>
+  </p:clrMapOvr>
+  <p:transition spd="slow">
+    <p:push dir="u"/>
+  </p:transition>
 </p:sld>
 </file>
 
@@ -5306,12 +8668,83 @@
             <p:ph idx="1"/>
           </p:nvPr>
         </p:nvSpPr>
-        <p:spPr/>
-        <p:txBody>
-          <a:bodyPr/>
-          <a:lstStyle/>
-          <a:p>
-            <a:endParaRPr lang="fr-FR"/>
+        <p:spPr>
+          <a:xfrm>
+            <a:off x="3471169" y="1825625"/>
+            <a:ext cx="7882631" cy="4351338"/>
+          </a:xfrm>
+        </p:spPr>
+        <p:txBody>
+          <a:bodyPr>
+            <a:normAutofit lnSpcReduction="10000"/>
+          </a:bodyPr>
+          <a:lstStyle/>
+          <a:p>
+            <a:pPr algn="just"/>
+            <a:r>
+              <a:rPr lang="fr-FR" sz="2400" dirty="0"/>
+              <a:t>Présentation du site</a:t>
+            </a:r>
+          </a:p>
+          <a:p>
+            <a:pPr algn="just"/>
+            <a:r>
+              <a:rPr lang="fr-FR" sz="2400" dirty="0"/>
+              <a:t>Problèmes de l’ancienne version</a:t>
+            </a:r>
+          </a:p>
+          <a:p>
+            <a:pPr lvl="1" algn="just"/>
+            <a:r>
+              <a:rPr lang="fr-FR" sz="2400" dirty="0"/>
+              <a:t>Performance</a:t>
+            </a:r>
+          </a:p>
+          <a:p>
+            <a:pPr lvl="1" algn="just"/>
+            <a:r>
+              <a:rPr lang="fr-FR" sz="2400" dirty="0"/>
+              <a:t>Accessibilité</a:t>
+            </a:r>
+          </a:p>
+          <a:p>
+            <a:pPr lvl="1" algn="just"/>
+            <a:r>
+              <a:rPr lang="fr-FR" sz="2400" dirty="0"/>
+              <a:t>SEO</a:t>
+            </a:r>
+          </a:p>
+          <a:p>
+            <a:pPr algn="just"/>
+            <a:r>
+              <a:rPr lang="fr-FR" sz="2400" dirty="0"/>
+              <a:t>Améliorations apportées</a:t>
+            </a:r>
+          </a:p>
+          <a:p>
+            <a:pPr lvl="1" algn="just"/>
+            <a:r>
+              <a:rPr lang="fr-FR" sz="2400" dirty="0"/>
+              <a:t>Performance</a:t>
+            </a:r>
+          </a:p>
+          <a:p>
+            <a:pPr lvl="1" algn="just"/>
+            <a:r>
+              <a:rPr lang="fr-FR" sz="2400" dirty="0"/>
+              <a:t>Accessibilité</a:t>
+            </a:r>
+          </a:p>
+          <a:p>
+            <a:pPr lvl="1" algn="just"/>
+            <a:r>
+              <a:rPr lang="fr-FR" sz="2400" dirty="0"/>
+              <a:t>SEO</a:t>
+            </a:r>
+          </a:p>
+          <a:p>
+            <a:pPr lvl="1"/>
+            <a:endParaRPr lang="fr-FR" dirty="0"/>
           </a:p>
         </p:txBody>
       </p:sp>
@@ -5325,6 +8758,9 @@
   <p:clrMapOvr>
     <a:masterClrMapping/>
   </p:clrMapOvr>
+  <p:transition spd="slow">
+    <p:push dir="u"/>
+  </p:transition>
 </p:sld>
 </file>
 
@@ -5510,6 +8946,9 @@
   <p:clrMapOvr>
     <a:masterClrMapping/>
   </p:clrMapOvr>
+  <p:transition spd="slow">
+    <p:push dir="u"/>
+  </p:transition>
 </p:sld>
 </file>
 
@@ -5583,12 +9022,12 @@
         <p:spPr>
           <a:xfrm>
             <a:off x="6631619" y="1349405"/>
-            <a:ext cx="4722181" cy="4827557"/>
+            <a:ext cx="4722181" cy="5140878"/>
           </a:xfrm>
         </p:spPr>
         <p:txBody>
           <a:bodyPr>
-            <a:normAutofit/>
+            <a:normAutofit fontScale="77500" lnSpcReduction="20000"/>
           </a:bodyPr>
           <a:lstStyle/>
           <a:p>
@@ -5596,16 +9035,16 @@
               <a:buNone/>
             </a:pPr>
             <a:r>
-              <a:rPr lang="fr-FR" sz="1800" dirty="0"/>
+              <a:rPr lang="fr-FR" sz="2100" dirty="0"/>
               <a:t>Malgré la « bonne » note pour la version desktop au niveau du SEO et performance de nombreuses améliorations peuvent être faite</a:t>
             </a:r>
           </a:p>
           <a:p>
-            <a:endParaRPr lang="fr-FR" sz="1800" dirty="0"/>
-          </a:p>
-          <a:p>
-            <a:r>
-              <a:rPr lang="fr-FR" sz="1800" dirty="0"/>
+            <a:endParaRPr lang="fr-FR" sz="2100" dirty="0"/>
+          </a:p>
+          <a:p>
+            <a:r>
+              <a:rPr lang="fr-FR" sz="2100" dirty="0"/>
               <a:t>Mon rôle n’étant pas une refonte du site ou une v2, les changements ne toucheront que 3 grands points principaux:</a:t>
             </a:r>
           </a:p>
@@ -5616,31 +9055,65 @@
           <a:p>
             <a:pPr lvl="1"/>
             <a:r>
-              <a:rPr lang="fr-FR" sz="1400" dirty="0"/>
+              <a:rPr lang="fr-FR" sz="1800" dirty="0"/>
               <a:t>Performances ( taille et vitesse du site)</a:t>
             </a:r>
           </a:p>
           <a:p>
             <a:pPr lvl="1"/>
-            <a:endParaRPr lang="fr-FR" sz="1400" dirty="0"/>
+            <a:endParaRPr lang="fr-FR" sz="1800" dirty="0"/>
           </a:p>
           <a:p>
             <a:pPr lvl="1"/>
             <a:r>
-              <a:rPr lang="fr-FR" sz="1400" dirty="0"/>
+              <a:rPr lang="fr-FR" sz="1800" dirty="0"/>
               <a:t>Accessibilité ( visuelle et pratique)</a:t>
             </a:r>
           </a:p>
           <a:p>
             <a:pPr lvl="1"/>
-            <a:endParaRPr lang="fr-FR" sz="1400" dirty="0"/>
+            <a:endParaRPr lang="fr-FR" sz="1800" dirty="0"/>
           </a:p>
           <a:p>
             <a:pPr lvl="1"/>
             <a:r>
-              <a:rPr lang="fr-FR" sz="1400" dirty="0"/>
+              <a:rPr lang="fr-FR" sz="1800" dirty="0"/>
               <a:t>SEO ( Bon référencement)</a:t>
             </a:r>
+          </a:p>
+          <a:p>
+            <a:endParaRPr lang="fr-FR" sz="1800" dirty="0"/>
+          </a:p>
+          <a:p>
+            <a:endParaRPr lang="fr-FR" sz="1800" dirty="0"/>
+          </a:p>
+          <a:p>
+            <a:endParaRPr lang="fr-FR" sz="1800" dirty="0"/>
+          </a:p>
+          <a:p>
+            <a:pPr marL="0" indent="0">
+              <a:buNone/>
+            </a:pPr>
+            <a:r>
+              <a:rPr lang="fr-FR" sz="2300" dirty="0">
+                <a:solidFill>
+                  <a:schemeClr val="tx2"/>
+                </a:solidFill>
+                <a:hlinkClick r:id="rId2">
+                  <a:extLst>
+                    <a:ext uri="{A12FA001-AC4F-418D-AE19-62706E023703}">
+                      <ahyp:hlinkClr xmlns:ahyp="http://schemas.microsoft.com/office/drawing/2018/hyperlinkcolor" val="tx"/>
+                    </a:ext>
+                  </a:extLst>
+                </a:hlinkClick>
+              </a:rPr>
+              <a:t>https://kingubaka.github.io/TarikAboulhouda_4_16122020/Original/index.html</a:t>
+            </a:r>
+            <a:endParaRPr lang="fr-FR" sz="2300" dirty="0">
+              <a:solidFill>
+                <a:schemeClr val="tx2"/>
+              </a:solidFill>
+            </a:endParaRPr>
           </a:p>
         </p:txBody>
       </p:sp>
@@ -5659,7 +9132,7 @@
           <p:nvPr/>
         </p:nvPicPr>
         <p:blipFill>
-          <a:blip r:embed="rId2"/>
+          <a:blip r:embed="rId3"/>
           <a:stretch>
             <a:fillRect/>
           </a:stretch>
@@ -5694,7 +9167,7 @@
           <p:nvPr/>
         </p:nvPicPr>
         <p:blipFill>
-          <a:blip r:embed="rId3"/>
+          <a:blip r:embed="rId4"/>
           <a:stretch>
             <a:fillRect/>
           </a:stretch>
@@ -5729,7 +9202,7 @@
           <p:nvPr/>
         </p:nvPicPr>
         <p:blipFill>
-          <a:blip r:embed="rId4"/>
+          <a:blip r:embed="rId5"/>
           <a:stretch>
             <a:fillRect/>
           </a:stretch>
@@ -5849,7 +9322,7 @@
         </p:nvSpPr>
         <p:spPr>
           <a:xfrm>
-            <a:off x="3374822" y="6228673"/>
+            <a:off x="551723" y="6173500"/>
             <a:ext cx="3073277" cy="261610"/>
           </a:xfrm>
           <a:prstGeom prst="rect">
@@ -5888,6 +9361,9 @@
   <p:clrMapOvr>
     <a:masterClrMapping/>
   </p:clrMapOvr>
+  <p:transition spd="slow">
+    <p:push dir="u"/>
+  </p:transition>
 </p:sld>
 </file>
 
@@ -6015,15 +9491,9 @@
             <a:endParaRPr lang="fr-FR" sz="1400" dirty="0"/>
           </a:p>
           <a:p>
-            <a:pPr lvl="1"/>
-            <a:endParaRPr lang="fr-FR" sz="1400" dirty="0"/>
-          </a:p>
-          <a:p>
-            <a:pPr lvl="1"/>
-            <a:endParaRPr lang="fr-FR" sz="1400" dirty="0"/>
-          </a:p>
-          <a:p>
-            <a:pPr lvl="1"/>
+            <a:pPr marL="457200" lvl="1" indent="0">
+              <a:buNone/>
+            </a:pPr>
             <a:endParaRPr lang="fr-FR" sz="1400" dirty="0"/>
           </a:p>
           <a:p>
@@ -6340,6 +9810,9 @@
   <p:clrMapOvr>
     <a:masterClrMapping/>
   </p:clrMapOvr>
+  <p:transition spd="slow">
+    <p:push dir="u"/>
+  </p:transition>
 </p:sld>
 </file>
 
@@ -6429,9 +9902,9 @@
             </a:r>
           </a:p>
           <a:p>
-            <a:endParaRPr lang="fr-FR" sz="1800" dirty="0"/>
-          </a:p>
-          <a:p>
+            <a:pPr marL="0" indent="0">
+              <a:buNone/>
+            </a:pPr>
             <a:endParaRPr lang="fr-FR" sz="1800" dirty="0"/>
           </a:p>
           <a:p>
@@ -6458,11 +9931,9 @@
             <a:endParaRPr lang="fr-FR" sz="1400" dirty="0"/>
           </a:p>
           <a:p>
-            <a:pPr lvl="1"/>
-            <a:endParaRPr lang="fr-FR" sz="1400" dirty="0"/>
-          </a:p>
-          <a:p>
-            <a:pPr lvl="1"/>
+            <a:pPr marL="457200" lvl="1" indent="0">
+              <a:buNone/>
+            </a:pPr>
             <a:endParaRPr lang="fr-FR" sz="1400" dirty="0"/>
           </a:p>
           <a:p>
@@ -6772,6 +10243,9 @@
   <p:clrMapOvr>
     <a:masterClrMapping/>
   </p:clrMapOvr>
+  <p:transition spd="slow">
+    <p:push dir="u"/>
+  </p:transition>
 </p:sld>
 </file>
 
@@ -6845,12 +10319,12 @@
         <p:spPr>
           <a:xfrm>
             <a:off x="6791416" y="923278"/>
-            <a:ext cx="4562383" cy="5253685"/>
+            <a:ext cx="4562383" cy="5370990"/>
           </a:xfrm>
         </p:spPr>
         <p:txBody>
           <a:bodyPr>
-            <a:normAutofit/>
+            <a:normAutofit fontScale="92500" lnSpcReduction="20000"/>
           </a:bodyPr>
           <a:lstStyle/>
           <a:p>
@@ -6858,7 +10332,7 @@
               <a:buNone/>
             </a:pPr>
             <a:r>
-              <a:rPr lang="fr-FR" sz="1800" dirty="0"/>
+              <a:rPr lang="fr-FR" sz="1900" dirty="0"/>
               <a:t>Pour améliorer l’accessibilité, des problèmes d’affichages ont du être réglés :</a:t>
             </a:r>
           </a:p>
@@ -6870,7 +10344,7 @@
           </a:p>
           <a:p>
             <a:r>
-              <a:rPr lang="fr-FR" sz="1800" dirty="0"/>
+              <a:rPr lang="fr-FR" sz="1900" dirty="0"/>
               <a:t>Titre et éléments non visible sur la page 2:</a:t>
             </a:r>
           </a:p>
@@ -6881,7 +10355,7 @@
           <a:p>
             <a:pPr lvl="1"/>
             <a:r>
-              <a:rPr lang="fr-FR" sz="1400" dirty="0"/>
+              <a:rPr lang="fr-FR" sz="1500" dirty="0"/>
               <a:t>Suite à une mauvaise gestion des couleurs / background</a:t>
             </a:r>
           </a:p>
@@ -6895,11 +10369,11 @@
           </a:p>
           <a:p>
             <a:r>
-              <a:rPr lang="fr-FR" sz="1800" dirty="0" err="1"/>
+              <a:rPr lang="fr-FR" sz="1900" dirty="0" err="1"/>
               <a:t>Toggle</a:t>
             </a:r>
             <a:r>
-              <a:rPr lang="fr-FR" sz="1800" dirty="0"/>
+              <a:rPr lang="fr-FR" sz="1900" dirty="0"/>
               <a:t> de navigation obsolète sur la page 2:</a:t>
             </a:r>
           </a:p>
@@ -6909,34 +10383,34 @@
           <a:p>
             <a:pPr lvl="1"/>
             <a:r>
-              <a:rPr lang="fr-FR" sz="1400" dirty="0"/>
+              <a:rPr lang="fr-FR" sz="1500" dirty="0"/>
               <a:t>Pas de menu déroulant en mode mobile, ainsi que les liens hors de la page (voir sc)</a:t>
             </a:r>
           </a:p>
           <a:p>
             <a:pPr lvl="1"/>
-            <a:endParaRPr lang="fr-FR" sz="1400" dirty="0"/>
+            <a:endParaRPr lang="fr-FR" sz="1500" dirty="0"/>
           </a:p>
           <a:p>
             <a:pPr lvl="1"/>
             <a:r>
-              <a:rPr lang="fr-FR" sz="1400" dirty="0"/>
+              <a:rPr lang="fr-FR" sz="1500" dirty="0"/>
               <a:t>Mauvais fichiers </a:t>
             </a:r>
             <a:r>
-              <a:rPr lang="fr-FR" sz="1400" dirty="0" err="1"/>
+              <a:rPr lang="fr-FR" sz="1500" dirty="0" err="1"/>
               <a:t>css</a:t>
             </a:r>
             <a:r>
-              <a:rPr lang="fr-FR" sz="1400" dirty="0"/>
+              <a:rPr lang="fr-FR" sz="1500" dirty="0"/>
               <a:t> et </a:t>
             </a:r>
             <a:r>
-              <a:rPr lang="fr-FR" sz="1400" dirty="0" err="1"/>
+              <a:rPr lang="fr-FR" sz="1500" dirty="0" err="1"/>
               <a:t>js</a:t>
             </a:r>
             <a:r>
-              <a:rPr lang="fr-FR" sz="1400" dirty="0"/>
+              <a:rPr lang="fr-FR" sz="1500" dirty="0"/>
               <a:t> renseigné dans l’html de la page 2</a:t>
             </a:r>
           </a:p>
@@ -7091,6 +10565,9 @@
   <p:clrMapOvr>
     <a:masterClrMapping/>
   </p:clrMapOvr>
+  <p:transition spd="slow">
+    <p:push dir="u"/>
+  </p:transition>
 </p:sld>
 </file>
 
@@ -7163,8 +10640,8 @@
         </p:nvSpPr>
         <p:spPr>
           <a:xfrm>
-            <a:off x="6720396" y="1003178"/>
-            <a:ext cx="4633404" cy="5173785"/>
+            <a:off x="6356412" y="1003178"/>
+            <a:ext cx="4997388" cy="5173785"/>
           </a:xfrm>
         </p:spPr>
         <p:txBody>
@@ -7193,7 +10670,6 @@
             </a:r>
           </a:p>
           <a:p>
-            <a:pPr lvl="1"/>
             <a:endParaRPr lang="fr-FR" sz="1400" dirty="0"/>
           </a:p>
           <a:p>
@@ -7212,9 +10688,9 @@
             </a:r>
           </a:p>
           <a:p>
-            <a:endParaRPr lang="fr-FR" sz="1800" dirty="0"/>
-          </a:p>
-          <a:p>
+            <a:pPr marL="0" indent="0">
+              <a:buNone/>
+            </a:pPr>
             <a:endParaRPr lang="fr-FR" sz="1800" dirty="0"/>
           </a:p>
           <a:p>
@@ -7316,6 +10792,9 @@
   <p:clrMapOvr>
     <a:masterClrMapping/>
   </p:clrMapOvr>
+  <p:transition spd="slow">
+    <p:push dir="u"/>
+  </p:transition>
 </p:sld>
 </file>
 
@@ -7388,8 +10867,8 @@
         </p:nvSpPr>
         <p:spPr>
           <a:xfrm>
-            <a:off x="6374167" y="923278"/>
-            <a:ext cx="4979633" cy="5253685"/>
+            <a:off x="6262421" y="923278"/>
+            <a:ext cx="5091379" cy="5681708"/>
           </a:xfrm>
         </p:spPr>
         <p:txBody>
@@ -7402,7 +10881,7 @@
               <a:buNone/>
             </a:pPr>
             <a:r>
-              <a:rPr lang="fr-FR" sz="1800" dirty="0"/>
+              <a:rPr lang="fr-FR" sz="1900" dirty="0"/>
               <a:t>Le SEO est étentier à un site et s’améliore avec des pratiques efficaces et d’autre à éviter :</a:t>
             </a:r>
           </a:p>
@@ -7414,18 +10893,15 @@
           </a:p>
           <a:p>
             <a:r>
-              <a:rPr lang="fr-FR" sz="1800" dirty="0"/>
+              <a:rPr lang="fr-FR" sz="1900" dirty="0"/>
               <a:t>Mauvais keywords renseigné:</a:t>
             </a:r>
+            <a:endParaRPr lang="fr-FR" sz="1400" dirty="0"/>
           </a:p>
           <a:p>
             <a:pPr lvl="1"/>
-            <a:endParaRPr lang="fr-FR" sz="1400" dirty="0"/>
-          </a:p>
-          <a:p>
-            <a:pPr lvl="1"/>
-            <a:r>
-              <a:rPr lang="fr-FR" sz="1400" dirty="0"/>
+            <a:r>
+              <a:rPr lang="fr-FR" sz="1500" dirty="0"/>
               <a:t>Plusieurs fois le même keyword renseigné</a:t>
             </a:r>
           </a:p>
@@ -7437,18 +10913,15 @@
           </a:p>
           <a:p>
             <a:r>
-              <a:rPr lang="fr-FR" sz="1800" dirty="0"/>
+              <a:rPr lang="fr-FR" sz="1900" dirty="0"/>
               <a:t>Pas de titre et descriptions renseignés dans les pages html:</a:t>
             </a:r>
+            <a:endParaRPr lang="fr-FR" sz="1400" dirty="0"/>
           </a:p>
           <a:p>
             <a:pPr lvl="1"/>
-            <a:endParaRPr lang="fr-FR" sz="1400" dirty="0"/>
-          </a:p>
-          <a:p>
-            <a:pPr lvl="1"/>
-            <a:r>
-              <a:rPr lang="fr-FR" sz="1400" dirty="0"/>
+            <a:r>
+              <a:rPr lang="fr-FR" sz="1500" dirty="0"/>
               <a:t>La non-présence ou mauvaise utilisation de titre/description amène une mauvaise SEO</a:t>
             </a:r>
           </a:p>
@@ -7459,28 +10932,18 @@
             <a:endParaRPr lang="fr-FR" sz="1800" dirty="0"/>
           </a:p>
           <a:p>
-            <a:pPr marL="0" indent="0">
-              <a:buNone/>
-            </a:pPr>
-            <a:endParaRPr lang="fr-FR" sz="1800" dirty="0"/>
-          </a:p>
-          <a:p>
-            <a:r>
-              <a:rPr lang="fr-FR" sz="1800" dirty="0"/>
+            <a:r>
+              <a:rPr lang="fr-FR" sz="1900" dirty="0"/>
               <a:t>Erreur W3C: Mauvais attribut « </a:t>
             </a:r>
             <a:r>
-              <a:rPr lang="fr-FR" sz="1800" dirty="0" err="1"/>
+              <a:rPr lang="fr-FR" sz="1900" dirty="0" err="1"/>
               <a:t>lang</a:t>
             </a:r>
             <a:r>
-              <a:rPr lang="fr-FR" sz="1800" dirty="0"/>
+              <a:rPr lang="fr-FR" sz="1900" dirty="0"/>
               <a:t> » renseigné:</a:t>
             </a:r>
-          </a:p>
-          <a:p>
-            <a:pPr lvl="1"/>
-            <a:endParaRPr lang="fr-FR" sz="1400" dirty="0"/>
           </a:p>
           <a:p>
             <a:pPr lvl="1"/>
@@ -7733,13 +11196,16 @@
   <p:clrMapOvr>
     <a:masterClrMapping/>
   </p:clrMapOvr>
+  <p:transition spd="slow">
+    <p:push dir="u"/>
+  </p:transition>
 </p:sld>
 </file>
 
 <file path=ppt/theme/theme1.xml><?xml version="1.0" encoding="utf-8"?>
-<a:theme xmlns:a="http://schemas.openxmlformats.org/drawingml/2006/main" name="Thème Office">
+<a:theme xmlns:a="http://schemas.openxmlformats.org/drawingml/2006/main" name="Facette">
   <a:themeElements>
-    <a:clrScheme name="Office">
+    <a:clrScheme name="Facette">
       <a:dk1>
         <a:sysClr val="windowText" lastClr="000000"/>
       </a:dk1>
@@ -7747,52 +11213,52 @@
         <a:sysClr val="window" lastClr="FFFFFF"/>
       </a:lt1>
       <a:dk2>
-        <a:srgbClr val="44546A"/>
+        <a:srgbClr val="2C3C43"/>
       </a:dk2>
       <a:lt2>
-        <a:srgbClr val="E7E6E6"/>
+        <a:srgbClr val="EBEBEB"/>
       </a:lt2>
       <a:accent1>
-        <a:srgbClr val="4472C4"/>
+        <a:srgbClr val="5FCBEF"/>
       </a:accent1>
       <a:accent2>
-        <a:srgbClr val="ED7D31"/>
+        <a:srgbClr val="2E83C3"/>
       </a:accent2>
       <a:accent3>
-        <a:srgbClr val="A5A5A5"/>
+        <a:srgbClr val="42D0A2"/>
       </a:accent3>
       <a:accent4>
-        <a:srgbClr val="FFC000"/>
+        <a:srgbClr val="2E946B"/>
       </a:accent4>
       <a:accent5>
-        <a:srgbClr val="5B9BD5"/>
+        <a:srgbClr val="42B051"/>
       </a:accent5>
       <a:accent6>
-        <a:srgbClr val="70AD47"/>
+        <a:srgbClr val="96D141"/>
       </a:accent6>
       <a:hlink>
-        <a:srgbClr val="0563C1"/>
+        <a:srgbClr val="3FCDE7"/>
       </a:hlink>
       <a:folHlink>
-        <a:srgbClr val="954F72"/>
+        <a:srgbClr val="A9D3E1"/>
       </a:folHlink>
     </a:clrScheme>
-    <a:fontScheme name="Office">
+    <a:fontScheme name="Facette">
       <a:majorFont>
-        <a:latin typeface="Calibri Light" panose="020F0302020204030204"/>
+        <a:latin typeface="Trebuchet MS" panose="020B0603020202020204"/>
         <a:ea typeface=""/>
         <a:cs typeface=""/>
-        <a:font script="Jpan" typeface="游ゴシック Light"/>
+        <a:font script="Jpan" typeface="メイリオ"/>
         <a:font script="Hang" typeface="맑은 고딕"/>
-        <a:font script="Hans" typeface="等线 Light"/>
-        <a:font script="Hant" typeface="新細明體"/>
-        <a:font script="Arab" typeface="Times New Roman"/>
-        <a:font script="Hebr" typeface="Times New Roman"/>
-        <a:font script="Thai" typeface="Angsana New"/>
+        <a:font script="Hans" typeface="方正姚体"/>
+        <a:font script="Hant" typeface="微軟正黑體"/>
+        <a:font script="Arab" typeface="Tahoma"/>
+        <a:font script="Hebr" typeface="Arial"/>
+        <a:font script="Thai" typeface="Cordia New"/>
         <a:font script="Ethi" typeface="Nyala"/>
         <a:font script="Beng" typeface="Vrinda"/>
         <a:font script="Gujr" typeface="Shruti"/>
-        <a:font script="Khmr" typeface="MoolBoran"/>
+        <a:font script="Khmr" typeface="DaunPenh"/>
         <a:font script="Knda" typeface="Tunga"/>
         <a:font script="Guru" typeface="Raavi"/>
         <a:font script="Cans" typeface="Euphemia"/>
@@ -7809,38 +11275,21 @@
         <a:font script="Laoo" typeface="DokChampa"/>
         <a:font script="Sinh" typeface="Iskoola Pota"/>
         <a:font script="Mong" typeface="Mongolian Baiti"/>
-        <a:font script="Viet" typeface="Times New Roman"/>
+        <a:font script="Viet" typeface="Tahoma"/>
         <a:font script="Uigh" typeface="Microsoft Uighur"/>
         <a:font script="Geor" typeface="Sylfaen"/>
-        <a:font script="Armn" typeface="Arial"/>
-        <a:font script="Bugi" typeface="Leelawadee UI"/>
-        <a:font script="Bopo" typeface="Microsoft JhengHei"/>
-        <a:font script="Java" typeface="Javanese Text"/>
-        <a:font script="Lisu" typeface="Segoe UI"/>
-        <a:font script="Mymr" typeface="Myanmar Text"/>
-        <a:font script="Nkoo" typeface="Ebrima"/>
-        <a:font script="Olck" typeface="Nirmala UI"/>
-        <a:font script="Osma" typeface="Ebrima"/>
-        <a:font script="Phag" typeface="Phagspa"/>
-        <a:font script="Syrn" typeface="Estrangelo Edessa"/>
-        <a:font script="Syrj" typeface="Estrangelo Edessa"/>
-        <a:font script="Syre" typeface="Estrangelo Edessa"/>
-        <a:font script="Sora" typeface="Nirmala UI"/>
-        <a:font script="Tale" typeface="Microsoft Tai Le"/>
-        <a:font script="Talu" typeface="Microsoft New Tai Lue"/>
-        <a:font script="Tfng" typeface="Ebrima"/>
       </a:majorFont>
       <a:minorFont>
-        <a:latin typeface="Calibri" panose="020F0502020204030204"/>
+        <a:latin typeface="Trebuchet MS" panose="020B0603020202020204"/>
         <a:ea typeface=""/>
         <a:cs typeface=""/>
-        <a:font script="Jpan" typeface="游ゴシック"/>
-        <a:font script="Hang" typeface="맑은 고딕"/>
-        <a:font script="Hans" typeface="等线"/>
-        <a:font script="Hant" typeface="新細明體"/>
-        <a:font script="Arab" typeface="Arial"/>
-        <a:font script="Hebr" typeface="Arial"/>
-        <a:font script="Thai" typeface="Cordia New"/>
+        <a:font script="Jpan" typeface="メイリオ"/>
+        <a:font script="Hang" typeface="HY그래픽M"/>
+        <a:font script="Hans" typeface="华文新魏"/>
+        <a:font script="Hant" typeface="微軟正黑體"/>
+        <a:font script="Arab" typeface="Tahoma"/>
+        <a:font script="Hebr" typeface="Gisha"/>
+        <a:font script="Thai" typeface="IrisUPC"/>
         <a:font script="Ethi" typeface="Nyala"/>
         <a:font script="Beng" typeface="Vrinda"/>
         <a:font script="Gujr" typeface="Shruti"/>
@@ -7864,26 +11313,9 @@
         <a:font script="Viet" typeface="Arial"/>
         <a:font script="Uigh" typeface="Microsoft Uighur"/>
         <a:font script="Geor" typeface="Sylfaen"/>
-        <a:font script="Armn" typeface="Arial"/>
-        <a:font script="Bugi" typeface="Leelawadee UI"/>
-        <a:font script="Bopo" typeface="Microsoft JhengHei"/>
-        <a:font script="Java" typeface="Javanese Text"/>
-        <a:font script="Lisu" typeface="Segoe UI"/>
-        <a:font script="Mymr" typeface="Myanmar Text"/>
-        <a:font script="Nkoo" typeface="Ebrima"/>
-        <a:font script="Olck" typeface="Nirmala UI"/>
-        <a:font script="Osma" typeface="Ebrima"/>
-        <a:font script="Phag" typeface="Phagspa"/>
-        <a:font script="Syrn" typeface="Estrangelo Edessa"/>
-        <a:font script="Syrj" typeface="Estrangelo Edessa"/>
-        <a:font script="Syre" typeface="Estrangelo Edessa"/>
-        <a:font script="Sora" typeface="Nirmala UI"/>
-        <a:font script="Tale" typeface="Microsoft Tai Le"/>
-        <a:font script="Talu" typeface="Microsoft New Tai Lue"/>
-        <a:font script="Tfng" typeface="Ebrima"/>
       </a:minorFont>
     </a:fontScheme>
-    <a:fmtScheme name="Office">
+    <a:fmtScheme name="Facette">
       <a:fillStyleLst>
         <a:solidFill>
           <a:schemeClr val="phClr"/>
@@ -7892,23 +11324,13 @@
           <a:gsLst>
             <a:gs pos="0">
               <a:schemeClr val="phClr">
+                <a:tint val="65000"/>
                 <a:lumMod val="110000"/>
-                <a:satMod val="105000"/>
-                <a:tint val="67000"/>
               </a:schemeClr>
             </a:gs>
-            <a:gs pos="50000">
+            <a:gs pos="88000">
               <a:schemeClr val="phClr">
-                <a:lumMod val="105000"/>
-                <a:satMod val="103000"/>
-                <a:tint val="73000"/>
-              </a:schemeClr>
-            </a:gs>
-            <a:gs pos="100000">
-              <a:schemeClr val="phClr">
-                <a:lumMod val="105000"/>
-                <a:satMod val="109000"/>
-                <a:tint val="81000"/>
+                <a:tint val="90000"/>
               </a:schemeClr>
             </a:gs>
           </a:gsLst>
@@ -7918,23 +11340,14 @@
           <a:gsLst>
             <a:gs pos="0">
               <a:schemeClr val="phClr">
-                <a:satMod val="103000"/>
-                <a:lumMod val="102000"/>
-                <a:tint val="94000"/>
+                <a:tint val="96000"/>
+                <a:lumMod val="100000"/>
               </a:schemeClr>
             </a:gs>
-            <a:gs pos="50000">
+            <a:gs pos="78000">
               <a:schemeClr val="phClr">
-                <a:satMod val="110000"/>
-                <a:lumMod val="100000"/>
-                <a:shade val="100000"/>
-              </a:schemeClr>
-            </a:gs>
-            <a:gs pos="100000">
-              <a:schemeClr val="phClr">
-                <a:lumMod val="99000"/>
-                <a:satMod val="120000"/>
-                <a:shade val="78000"/>
+                <a:shade val="94000"/>
+                <a:lumMod val="94000"/>
               </a:schemeClr>
             </a:gs>
           </a:gsLst>
@@ -7942,26 +11355,23 @@
         </a:gradFill>
       </a:fillStyleLst>
       <a:lnStyleLst>
-        <a:ln w="6350" cap="flat" cmpd="sng" algn="ctr">
+        <a:ln w="12700" cap="rnd" cmpd="sng" algn="ctr">
           <a:solidFill>
             <a:schemeClr val="phClr"/>
           </a:solidFill>
           <a:prstDash val="solid"/>
-          <a:miter lim="800000"/>
         </a:ln>
-        <a:ln w="12700" cap="flat" cmpd="sng" algn="ctr">
+        <a:ln w="19050" cap="rnd" cmpd="sng" algn="ctr">
           <a:solidFill>
             <a:schemeClr val="phClr"/>
           </a:solidFill>
           <a:prstDash val="solid"/>
-          <a:miter lim="800000"/>
         </a:ln>
-        <a:ln w="19050" cap="flat" cmpd="sng" algn="ctr">
+        <a:ln w="25400" cap="rnd" cmpd="sng" algn="ctr">
           <a:solidFill>
             <a:schemeClr val="phClr"/>
           </a:solidFill>
           <a:prstDash val="solid"/>
-          <a:miter lim="800000"/>
         </a:ln>
       </a:lnStyleLst>
       <a:effectStyleLst>
@@ -7969,54 +11379,72 @@
           <a:effectLst/>
         </a:effectStyle>
         <a:effectStyle>
-          <a:effectLst/>
+          <a:effectLst>
+            <a:outerShdw blurRad="38100" dist="25400" dir="5400000" rotWithShape="0">
+              <a:srgbClr val="000000">
+                <a:alpha val="35000"/>
+              </a:srgbClr>
+            </a:outerShdw>
+          </a:effectLst>
         </a:effectStyle>
         <a:effectStyle>
           <a:effectLst>
-            <a:outerShdw blurRad="57150" dist="19050" dir="5400000" algn="ctr" rotWithShape="0">
+            <a:outerShdw blurRad="50800" dist="38100" dir="5400000" rotWithShape="0">
               <a:srgbClr val="000000">
-                <a:alpha val="63000"/>
+                <a:alpha val="35000"/>
               </a:srgbClr>
             </a:outerShdw>
           </a:effectLst>
+          <a:scene3d>
+            <a:camera prst="orthographicFront">
+              <a:rot lat="0" lon="0" rev="0"/>
+            </a:camera>
+            <a:lightRig rig="threePt" dir="tl"/>
+          </a:scene3d>
+          <a:sp3d prstMaterial="plastic">
+            <a:bevelT w="0" h="0"/>
+          </a:sp3d>
         </a:effectStyle>
       </a:effectStyleLst>
       <a:bgFillStyleLst>
         <a:solidFill>
           <a:schemeClr val="phClr"/>
         </a:solidFill>
-        <a:solidFill>
-          <a:schemeClr val="phClr">
-            <a:tint val="95000"/>
-            <a:satMod val="170000"/>
-          </a:schemeClr>
-        </a:solidFill>
         <a:gradFill rotWithShape="1">
           <a:gsLst>
             <a:gs pos="0">
               <a:schemeClr val="phClr">
-                <a:tint val="93000"/>
-                <a:satMod val="150000"/>
-                <a:shade val="98000"/>
-                <a:lumMod val="102000"/>
+                <a:tint val="90000"/>
+                <a:lumMod val="104000"/>
               </a:schemeClr>
             </a:gs>
-            <a:gs pos="50000">
+            <a:gs pos="94000">
               <a:schemeClr val="phClr">
-                <a:tint val="98000"/>
-                <a:satMod val="130000"/>
-                <a:shade val="90000"/>
-                <a:lumMod val="103000"/>
+                <a:shade val="96000"/>
+                <a:lumMod val="82000"/>
+              </a:schemeClr>
+            </a:gs>
+          </a:gsLst>
+          <a:lin ang="5400000" scaled="0"/>
+        </a:gradFill>
+        <a:gradFill rotWithShape="1">
+          <a:gsLst>
+            <a:gs pos="0">
+              <a:schemeClr val="phClr">
+                <a:tint val="90000"/>
+                <a:lumMod val="110000"/>
               </a:schemeClr>
             </a:gs>
             <a:gs pos="100000">
               <a:schemeClr val="phClr">
-                <a:shade val="63000"/>
-                <a:satMod val="120000"/>
+                <a:shade val="94000"/>
+                <a:lumMod val="96000"/>
               </a:schemeClr>
             </a:gs>
           </a:gsLst>
-          <a:lin ang="5400000" scaled="0"/>
+          <a:path path="circle">
+            <a:fillToRect l="50000" t="50000" r="100000" b="100000"/>
+          </a:path>
         </a:gradFill>
       </a:bgFillStyleLst>
     </a:fmtScheme>
@@ -8025,7 +11453,7 @@
   <a:extraClrSchemeLst/>
   <a:extLst>
     <a:ext uri="{05A4C25C-085E-4340-85A3-A5531E510DB2}">
-      <thm15:themeFamily xmlns:thm15="http://schemas.microsoft.com/office/thememl/2012/main" name="Office Theme" id="{62F939B6-93AF-4DB8-9C6B-D6C7DFDC589F}" vid="{4A3C46E8-61CC-4603-A589-7422A47A8E4A}"/>
+      <thm15:themeFamily xmlns:thm15="http://schemas.microsoft.com/office/thememl/2012/main" name="Facet" id="{C0C680CD-088A-49FC-A102-D699147F32B2}" vid="{0B5AB586-D108-4FC1-8368-649FE654B894}"/>
     </a:ext>
   </a:extLst>
 </a:theme>
